--- a/Presentazione_Seconda consegna/2021_Presentazione_NC08.pptx
+++ b/Presentazione_Seconda consegna/2021_Presentazione_NC08.pptx
@@ -5,18 +5,24 @@
     <p:sldMasterId id="2147483710" r:id="rId1"/>
   </p:sldMasterIdLst>
   <p:notesMasterIdLst>
-    <p:notesMasterId r:id="rId11"/>
+    <p:notesMasterId r:id="rId17"/>
   </p:notesMasterIdLst>
   <p:sldIdLst>
     <p:sldId id="257" r:id="rId2"/>
     <p:sldId id="263" r:id="rId3"/>
     <p:sldId id="265" r:id="rId4"/>
-    <p:sldId id="264" r:id="rId5"/>
-    <p:sldId id="266" r:id="rId6"/>
-    <p:sldId id="267" r:id="rId7"/>
-    <p:sldId id="268" r:id="rId8"/>
-    <p:sldId id="269" r:id="rId9"/>
-    <p:sldId id="270" r:id="rId10"/>
+    <p:sldId id="271" r:id="rId5"/>
+    <p:sldId id="272" r:id="rId6"/>
+    <p:sldId id="264" r:id="rId7"/>
+    <p:sldId id="273" r:id="rId8"/>
+    <p:sldId id="274" r:id="rId9"/>
+    <p:sldId id="275" r:id="rId10"/>
+    <p:sldId id="266" r:id="rId11"/>
+    <p:sldId id="276" r:id="rId12"/>
+    <p:sldId id="267" r:id="rId13"/>
+    <p:sldId id="268" r:id="rId14"/>
+    <p:sldId id="269" r:id="rId15"/>
+    <p:sldId id="270" r:id="rId16"/>
   </p:sldIdLst>
   <p:sldSz cx="12192000" cy="6858000"/>
   <p:notesSz cx="6858000" cy="9144000"/>
@@ -205,7 +211,7 @@
           <a:p>
             <a:fld id="{94AE6AE3-6C4F-4985-8BF4-D339751B5499}" type="datetimeFigureOut">
               <a:rPr lang="it-IT" smtClean="0"/>
-              <a:t>20/01/2022</a:t>
+              <a:t>21/01/2022</a:t>
             </a:fld>
             <a:endParaRPr lang="it-IT" dirty="0"/>
           </a:p>
@@ -1683,7 +1689,7 @@
           <a:p>
             <a:fld id="{246CB39B-5F4C-4A7E-9BE3-AAFD45576D16}" type="datetime2">
               <a:rPr lang="en-US" smtClean="0"/>
-              <a:t>Thursday, January 20, 2022</a:t>
+              <a:t>Friday, January 21, 2022</a:t>
             </a:fld>
             <a:endParaRPr lang="en-US" dirty="0"/>
           </a:p>
@@ -1926,7 +1932,7 @@
           <a:p>
             <a:fld id="{246CB39B-5F4C-4A7E-9BE3-AAFD45576D16}" type="datetime2">
               <a:rPr lang="en-US" smtClean="0"/>
-              <a:t>Thursday, January 20, 2022</a:t>
+              <a:t>Friday, January 21, 2022</a:t>
             </a:fld>
             <a:endParaRPr lang="en-US" dirty="0"/>
           </a:p>
@@ -2111,7 +2117,7 @@
           <a:p>
             <a:fld id="{246CB39B-5F4C-4A7E-9BE3-AAFD45576D16}" type="datetime2">
               <a:rPr lang="en-US" smtClean="0"/>
-              <a:t>Thursday, January 20, 2022</a:t>
+              <a:t>Friday, January 21, 2022</a:t>
             </a:fld>
             <a:endParaRPr lang="en-US" dirty="0"/>
           </a:p>
@@ -2286,7 +2292,7 @@
           <a:p>
             <a:fld id="{246CB39B-5F4C-4A7E-9BE3-AAFD45576D16}" type="datetime2">
               <a:rPr lang="en-US" smtClean="0"/>
-              <a:t>Thursday, January 20, 2022</a:t>
+              <a:t>Friday, January 21, 2022</a:t>
             </a:fld>
             <a:endParaRPr lang="en-US" dirty="0"/>
           </a:p>
@@ -2567,7 +2573,7 @@
           <a:p>
             <a:fld id="{246CB39B-5F4C-4A7E-9BE3-AAFD45576D16}" type="datetime2">
               <a:rPr lang="en-US" smtClean="0"/>
-              <a:t>Thursday, January 20, 2022</a:t>
+              <a:t>Friday, January 21, 2022</a:t>
             </a:fld>
             <a:endParaRPr lang="en-US" dirty="0"/>
           </a:p>
@@ -3773,7 +3779,7 @@
           <a:p>
             <a:fld id="{246CB39B-5F4C-4A7E-9BE3-AAFD45576D16}" type="datetime2">
               <a:rPr lang="en-US" smtClean="0"/>
-              <a:t>Thursday, January 20, 2022</a:t>
+              <a:t>Friday, January 21, 2022</a:t>
             </a:fld>
             <a:endParaRPr lang="en-US" dirty="0"/>
           </a:p>
@@ -4168,7 +4174,7 @@
           <a:p>
             <a:fld id="{246CB39B-5F4C-4A7E-9BE3-AAFD45576D16}" type="datetime2">
               <a:rPr lang="en-US" smtClean="0"/>
-              <a:t>Thursday, January 20, 2022</a:t>
+              <a:t>Friday, January 21, 2022</a:t>
             </a:fld>
             <a:endParaRPr lang="en-US" dirty="0"/>
           </a:p>
@@ -4296,7 +4302,7 @@
           <a:p>
             <a:fld id="{246CB39B-5F4C-4A7E-9BE3-AAFD45576D16}" type="datetime2">
               <a:rPr lang="en-US" smtClean="0"/>
-              <a:t>Thursday, January 20, 2022</a:t>
+              <a:t>Friday, January 21, 2022</a:t>
             </a:fld>
             <a:endParaRPr lang="en-US" dirty="0"/>
           </a:p>
@@ -4396,7 +4402,7 @@
           <a:p>
             <a:fld id="{246CB39B-5F4C-4A7E-9BE3-AAFD45576D16}" type="datetime2">
               <a:rPr lang="en-US" smtClean="0"/>
-              <a:t>Thursday, January 20, 2022</a:t>
+              <a:t>Friday, January 21, 2022</a:t>
             </a:fld>
             <a:endParaRPr lang="en-US" dirty="0"/>
           </a:p>
@@ -5164,7 +5170,7 @@
           <a:p>
             <a:fld id="{246CB39B-5F4C-4A7E-9BE3-AAFD45576D16}" type="datetime2">
               <a:rPr lang="en-US" smtClean="0"/>
-              <a:t>Thursday, January 20, 2022</a:t>
+              <a:t>Friday, January 21, 2022</a:t>
             </a:fld>
             <a:endParaRPr lang="en-US" dirty="0"/>
           </a:p>
@@ -6009,7 +6015,7 @@
           <a:p>
             <a:fld id="{246CB39B-5F4C-4A7E-9BE3-AAFD45576D16}" type="datetime2">
               <a:rPr lang="en-US" smtClean="0"/>
-              <a:t>Thursday, January 20, 2022</a:t>
+              <a:t>Friday, January 21, 2022</a:t>
             </a:fld>
             <a:endParaRPr lang="en-US" dirty="0"/>
           </a:p>
@@ -6241,7 +6247,7 @@
           <a:p>
             <a:fld id="{246CB39B-5F4C-4A7E-9BE3-AAFD45576D16}" type="datetime2">
               <a:rPr lang="en-US" smtClean="0"/>
-              <a:t>Thursday, January 20, 2022</a:t>
+              <a:t>Friday, January 21, 2022</a:t>
             </a:fld>
             <a:endParaRPr lang="en-US" dirty="0"/>
           </a:p>
@@ -8790,6 +8796,1216 @@
 </p:sld>
 </file>
 
+<file path=ppt/slides/slide10.xml><?xml version="1.0" encoding="utf-8"?>
+<p:sld xmlns:a="http://schemas.openxmlformats.org/drawingml/2006/main" xmlns:r="http://schemas.openxmlformats.org/officeDocument/2006/relationships" xmlns:p="http://schemas.openxmlformats.org/presentationml/2006/main">
+  <p:cSld>
+    <p:spTree>
+      <p:nvGrpSpPr>
+        <p:cNvPr id="1" name=""/>
+        <p:cNvGrpSpPr/>
+        <p:nvPr/>
+      </p:nvGrpSpPr>
+      <p:grpSpPr>
+        <a:xfrm>
+          <a:off x="0" y="0"/>
+          <a:ext cx="0" cy="0"/>
+          <a:chOff x="0" y="0"/>
+          <a:chExt cx="0" cy="0"/>
+        </a:xfrm>
+      </p:grpSpPr>
+      <p:sp>
+        <p:nvSpPr>
+          <p:cNvPr id="2" name="Titolo 1">
+            <a:extLst>
+              <a:ext uri="{FF2B5EF4-FFF2-40B4-BE49-F238E27FC236}">
+                <a16:creationId xmlns:a16="http://schemas.microsoft.com/office/drawing/2014/main" id="{B091881F-E104-4A2A-A90F-E9C96E8E73B4}"/>
+              </a:ext>
+            </a:extLst>
+          </p:cNvPr>
+          <p:cNvSpPr>
+            <a:spLocks noGrp="1"/>
+          </p:cNvSpPr>
+          <p:nvPr>
+            <p:ph type="title"/>
+          </p:nvPr>
+        </p:nvSpPr>
+        <p:spPr>
+          <a:xfrm rot="16200000">
+            <a:off x="-3053088" y="3053088"/>
+            <a:ext cx="6858003" cy="751823"/>
+          </a:xfrm>
+        </p:spPr>
+        <p:txBody>
+          <a:bodyPr>
+            <a:noAutofit/>
+          </a:bodyPr>
+          <a:lstStyle/>
+          <a:p>
+            <a:pPr algn="r"/>
+            <a:r>
+              <a:rPr lang="it-IT" sz="4800" dirty="0">
+                <a:solidFill>
+                  <a:srgbClr val="F8B323"/>
+                </a:solidFill>
+              </a:rPr>
+              <a:t>TESTING</a:t>
+            </a:r>
+          </a:p>
+        </p:txBody>
+      </p:sp>
+      <p:sp>
+        <p:nvSpPr>
+          <p:cNvPr id="3" name="Segnaposto contenuto 2">
+            <a:extLst>
+              <a:ext uri="{FF2B5EF4-FFF2-40B4-BE49-F238E27FC236}">
+                <a16:creationId xmlns:a16="http://schemas.microsoft.com/office/drawing/2014/main" id="{0D1F4823-2969-402A-86AF-FE8D80B3F521}"/>
+              </a:ext>
+            </a:extLst>
+          </p:cNvPr>
+          <p:cNvSpPr>
+            <a:spLocks noGrp="1"/>
+          </p:cNvSpPr>
+          <p:nvPr>
+            <p:ph idx="1"/>
+          </p:nvPr>
+        </p:nvSpPr>
+        <p:spPr>
+          <a:xfrm>
+            <a:off x="1285887" y="3209488"/>
+            <a:ext cx="10178322" cy="3593591"/>
+          </a:xfrm>
+        </p:spPr>
+        <p:txBody>
+          <a:bodyPr/>
+          <a:lstStyle/>
+          <a:p>
+            <a:pPr marL="0" indent="0">
+              <a:buNone/>
+            </a:pPr>
+            <a:r>
+              <a:rPr lang="it-IT" dirty="0"/>
+              <a:t>Nel </a:t>
+            </a:r>
+            <a:r>
+              <a:rPr lang="it-IT" b="1" dirty="0"/>
+              <a:t>Test Plan </a:t>
+            </a:r>
+            <a:r>
+              <a:rPr lang="it-IT" dirty="0"/>
+              <a:t>viene illustrato come è stato supportato la fase di testing, in particolar modo sono state effettuate le attività di testing per le seguenti gestioni:</a:t>
+            </a:r>
+          </a:p>
+          <a:p>
+            <a:pPr>
+              <a:buSzPct val="140000"/>
+              <a:buBlip>
+                <a:blip r:embed="rId2"/>
+              </a:buBlip>
+            </a:pPr>
+            <a:r>
+              <a:rPr lang="it-IT" dirty="0"/>
+              <a:t>Gestione Utente</a:t>
+            </a:r>
+          </a:p>
+          <a:p>
+            <a:pPr lvl="1">
+              <a:buSzPct val="140000"/>
+              <a:buBlip>
+                <a:blip r:embed="rId2"/>
+              </a:buBlip>
+            </a:pPr>
+            <a:r>
+              <a:rPr lang="it-IT" dirty="0"/>
+              <a:t>Registrazione</a:t>
+            </a:r>
+          </a:p>
+          <a:p>
+            <a:pPr lvl="1">
+              <a:buSzPct val="140000"/>
+              <a:buBlip>
+                <a:blip r:embed="rId2"/>
+              </a:buBlip>
+            </a:pPr>
+            <a:r>
+              <a:rPr lang="it-IT" dirty="0"/>
+              <a:t>Login</a:t>
+            </a:r>
+          </a:p>
+          <a:p>
+            <a:pPr>
+              <a:buSzPct val="140000"/>
+              <a:buBlip>
+                <a:blip r:embed="rId2"/>
+              </a:buBlip>
+            </a:pPr>
+            <a:r>
+              <a:rPr lang="it-IT" dirty="0"/>
+              <a:t>Gestone Admin</a:t>
+            </a:r>
+          </a:p>
+          <a:p>
+            <a:pPr lvl="1">
+              <a:buSzPct val="140000"/>
+              <a:buBlip>
+                <a:blip r:embed="rId2"/>
+              </a:buBlip>
+            </a:pPr>
+            <a:r>
+              <a:rPr lang="it-IT" dirty="0"/>
+              <a:t>Inserimento prodotto nel sistema</a:t>
+            </a:r>
+          </a:p>
+        </p:txBody>
+      </p:sp>
+      <p:pic>
+        <p:nvPicPr>
+          <p:cNvPr id="5" name="Immagine 4">
+            <a:extLst>
+              <a:ext uri="{FF2B5EF4-FFF2-40B4-BE49-F238E27FC236}">
+                <a16:creationId xmlns:a16="http://schemas.microsoft.com/office/drawing/2014/main" id="{FCD51BC4-7ADC-46CF-9990-6CD5DA5A682D}"/>
+              </a:ext>
+            </a:extLst>
+          </p:cNvPr>
+          <p:cNvPicPr>
+            <a:picLocks noChangeAspect="1"/>
+          </p:cNvPicPr>
+          <p:nvPr/>
+        </p:nvPicPr>
+        <p:blipFill>
+          <a:blip r:embed="rId3">
+            <a:extLst>
+              <a:ext uri="{28A0092B-C50C-407E-A947-70E740481C1C}">
+                <a14:useLocalDpi xmlns:a14="http://schemas.microsoft.com/office/drawing/2010/main" val="0"/>
+              </a:ext>
+            </a:extLst>
+          </a:blip>
+          <a:stretch>
+            <a:fillRect/>
+          </a:stretch>
+        </p:blipFill>
+        <p:spPr>
+          <a:xfrm>
+            <a:off x="9183138" y="3794217"/>
+            <a:ext cx="3008862" cy="3008862"/>
+          </a:xfrm>
+          <a:prstGeom prst="rect">
+            <a:avLst/>
+          </a:prstGeom>
+        </p:spPr>
+      </p:pic>
+      <p:sp>
+        <p:nvSpPr>
+          <p:cNvPr id="7" name="Elaborazione 6">
+            <a:extLst>
+              <a:ext uri="{FF2B5EF4-FFF2-40B4-BE49-F238E27FC236}">
+                <a16:creationId xmlns:a16="http://schemas.microsoft.com/office/drawing/2014/main" id="{2241782E-C964-417A-93F4-C53A547F5DDF}"/>
+              </a:ext>
+            </a:extLst>
+          </p:cNvPr>
+          <p:cNvSpPr/>
+          <p:nvPr/>
+        </p:nvSpPr>
+        <p:spPr>
+          <a:xfrm>
+            <a:off x="5909962" y="4542189"/>
+            <a:ext cx="2884517" cy="822960"/>
+          </a:xfrm>
+          <a:prstGeom prst="flowChartProcess">
+            <a:avLst/>
+          </a:prstGeom>
+          <a:ln>
+            <a:noFill/>
+          </a:ln>
+        </p:spPr>
+        <p:style>
+          <a:lnRef idx="2">
+            <a:schemeClr val="accent1">
+              <a:shade val="50000"/>
+            </a:schemeClr>
+          </a:lnRef>
+          <a:fillRef idx="1">
+            <a:schemeClr val="accent1"/>
+          </a:fillRef>
+          <a:effectRef idx="0">
+            <a:schemeClr val="accent1"/>
+          </a:effectRef>
+          <a:fontRef idx="minor">
+            <a:schemeClr val="lt1"/>
+          </a:fontRef>
+        </p:style>
+        <p:txBody>
+          <a:bodyPr rtlCol="0" anchor="ctr"/>
+          <a:lstStyle/>
+          <a:p>
+            <a:pPr algn="ctr"/>
+            <a:r>
+              <a:rPr lang="it-IT" dirty="0">
+                <a:solidFill>
+                  <a:schemeClr val="tx1"/>
+                </a:solidFill>
+              </a:rPr>
+              <a:t>Featherless biped. </a:t>
+            </a:r>
+            <a:br>
+              <a:rPr lang="it-IT" dirty="0">
+                <a:solidFill>
+                  <a:schemeClr val="tx1"/>
+                </a:solidFill>
+              </a:rPr>
+            </a:br>
+            <a:r>
+              <a:rPr lang="it-IT" dirty="0">
+                <a:solidFill>
+                  <a:schemeClr val="tx1"/>
+                </a:solidFill>
+              </a:rPr>
+              <a:t>It’s clearly a man</a:t>
+            </a:r>
+          </a:p>
+        </p:txBody>
+      </p:sp>
+      <p:cxnSp>
+        <p:nvCxnSpPr>
+          <p:cNvPr id="9" name="Connettore 2 8">
+            <a:extLst>
+              <a:ext uri="{FF2B5EF4-FFF2-40B4-BE49-F238E27FC236}">
+                <a16:creationId xmlns:a16="http://schemas.microsoft.com/office/drawing/2014/main" id="{5387B614-B9C2-4893-8579-D046A16ADD94}"/>
+              </a:ext>
+            </a:extLst>
+          </p:cNvPr>
+          <p:cNvCxnSpPr>
+            <a:cxnSpLocks/>
+          </p:cNvCxnSpPr>
+          <p:nvPr/>
+        </p:nvCxnSpPr>
+        <p:spPr>
+          <a:xfrm flipV="1">
+            <a:off x="8794479" y="4953669"/>
+            <a:ext cx="822960" cy="0"/>
+          </a:xfrm>
+          <a:prstGeom prst="straightConnector1">
+            <a:avLst/>
+          </a:prstGeom>
+          <a:ln>
+            <a:headEnd type="none" w="med" len="med"/>
+            <a:tailEnd type="none" w="med" len="med"/>
+          </a:ln>
+        </p:spPr>
+        <p:style>
+          <a:lnRef idx="3">
+            <a:schemeClr val="accent1"/>
+          </a:lnRef>
+          <a:fillRef idx="0">
+            <a:schemeClr val="accent1"/>
+          </a:fillRef>
+          <a:effectRef idx="2">
+            <a:schemeClr val="accent1"/>
+          </a:effectRef>
+          <a:fontRef idx="minor">
+            <a:schemeClr val="tx1"/>
+          </a:fontRef>
+        </p:style>
+      </p:cxnSp>
+      <p:pic>
+        <p:nvPicPr>
+          <p:cNvPr id="11" name="Immagine 10" descr="Immagine che contiene testo&#10;&#10;Descrizione generata automaticamente">
+            <a:extLst>
+              <a:ext uri="{FF2B5EF4-FFF2-40B4-BE49-F238E27FC236}">
+                <a16:creationId xmlns:a16="http://schemas.microsoft.com/office/drawing/2014/main" id="{14D31E33-5BC1-41DD-9F70-713F3768A2EC}"/>
+              </a:ext>
+            </a:extLst>
+          </p:cNvPr>
+          <p:cNvPicPr>
+            <a:picLocks noChangeAspect="1"/>
+          </p:cNvPicPr>
+          <p:nvPr/>
+        </p:nvPicPr>
+        <p:blipFill>
+          <a:blip r:embed="rId4">
+            <a:extLst>
+              <a:ext uri="{28A0092B-C50C-407E-A947-70E740481C1C}">
+                <a14:useLocalDpi xmlns:a14="http://schemas.microsoft.com/office/drawing/2010/main" val="0"/>
+              </a:ext>
+            </a:extLst>
+          </a:blip>
+          <a:stretch>
+            <a:fillRect/>
+          </a:stretch>
+        </p:blipFill>
+        <p:spPr>
+          <a:xfrm>
+            <a:off x="4503671" y="575944"/>
+            <a:ext cx="3742754" cy="2142317"/>
+          </a:xfrm>
+          <a:prstGeom prst="rect">
+            <a:avLst/>
+          </a:prstGeom>
+        </p:spPr>
+      </p:pic>
+    </p:spTree>
+    <p:extLst>
+      <p:ext uri="{BB962C8B-B14F-4D97-AF65-F5344CB8AC3E}">
+        <p14:creationId xmlns:p14="http://schemas.microsoft.com/office/powerpoint/2010/main" val="2350664765"/>
+      </p:ext>
+    </p:extLst>
+  </p:cSld>
+  <p:clrMapOvr>
+    <a:masterClrMapping/>
+  </p:clrMapOvr>
+</p:sld>
+</file>
+
+<file path=ppt/slides/slide11.xml><?xml version="1.0" encoding="utf-8"?>
+<p:sld xmlns:a="http://schemas.openxmlformats.org/drawingml/2006/main" xmlns:r="http://schemas.openxmlformats.org/officeDocument/2006/relationships" xmlns:p="http://schemas.openxmlformats.org/presentationml/2006/main">
+  <p:cSld>
+    <p:spTree>
+      <p:nvGrpSpPr>
+        <p:cNvPr id="1" name=""/>
+        <p:cNvGrpSpPr/>
+        <p:nvPr/>
+      </p:nvGrpSpPr>
+      <p:grpSpPr>
+        <a:xfrm>
+          <a:off x="0" y="0"/>
+          <a:ext cx="0" cy="0"/>
+          <a:chOff x="0" y="0"/>
+          <a:chExt cx="0" cy="0"/>
+        </a:xfrm>
+      </p:grpSpPr>
+      <p:sp>
+        <p:nvSpPr>
+          <p:cNvPr id="2" name="Titolo 1">
+            <a:extLst>
+              <a:ext uri="{FF2B5EF4-FFF2-40B4-BE49-F238E27FC236}">
+                <a16:creationId xmlns:a16="http://schemas.microsoft.com/office/drawing/2014/main" id="{B091881F-E104-4A2A-A90F-E9C96E8E73B4}"/>
+              </a:ext>
+            </a:extLst>
+          </p:cNvPr>
+          <p:cNvSpPr>
+            <a:spLocks noGrp="1"/>
+          </p:cNvSpPr>
+          <p:nvPr>
+            <p:ph type="title"/>
+          </p:nvPr>
+        </p:nvSpPr>
+        <p:spPr>
+          <a:xfrm rot="16200000">
+            <a:off x="-3053088" y="3053088"/>
+            <a:ext cx="6858003" cy="751823"/>
+          </a:xfrm>
+        </p:spPr>
+        <p:txBody>
+          <a:bodyPr>
+            <a:noAutofit/>
+          </a:bodyPr>
+          <a:lstStyle/>
+          <a:p>
+            <a:pPr algn="r"/>
+            <a:r>
+              <a:rPr lang="it-IT" sz="4800" dirty="0">
+                <a:solidFill>
+                  <a:srgbClr val="F8B323"/>
+                </a:solidFill>
+              </a:rPr>
+              <a:t>TESTING - Approccio</a:t>
+            </a:r>
+          </a:p>
+        </p:txBody>
+      </p:sp>
+      <p:sp>
+        <p:nvSpPr>
+          <p:cNvPr id="3" name="Segnaposto contenuto 2">
+            <a:extLst>
+              <a:ext uri="{FF2B5EF4-FFF2-40B4-BE49-F238E27FC236}">
+                <a16:creationId xmlns:a16="http://schemas.microsoft.com/office/drawing/2014/main" id="{0D1F4823-2969-402A-86AF-FE8D80B3F521}"/>
+              </a:ext>
+            </a:extLst>
+          </p:cNvPr>
+          <p:cNvSpPr>
+            <a:spLocks noGrp="1"/>
+          </p:cNvSpPr>
+          <p:nvPr>
+            <p:ph idx="1"/>
+          </p:nvPr>
+        </p:nvSpPr>
+        <p:spPr>
+          <a:xfrm>
+            <a:off x="1177823" y="365760"/>
+            <a:ext cx="6162316" cy="5432125"/>
+          </a:xfrm>
+        </p:spPr>
+        <p:txBody>
+          <a:bodyPr/>
+          <a:lstStyle/>
+          <a:p>
+            <a:pPr marL="0" indent="0">
+              <a:buNone/>
+            </a:pPr>
+            <a:r>
+              <a:rPr lang="it-IT" dirty="0"/>
+              <a:t>La prima fase di testing è il </a:t>
+            </a:r>
+            <a:r>
+              <a:rPr lang="it-IT" b="1" dirty="0"/>
+              <a:t>Testing di Unità</a:t>
+            </a:r>
+            <a:r>
+              <a:rPr lang="it-IT" dirty="0"/>
+              <a:t>. </a:t>
+            </a:r>
+          </a:p>
+          <a:p>
+            <a:pPr marL="0" indent="0">
+              <a:buNone/>
+            </a:pPr>
+            <a:r>
+              <a:rPr lang="it-IT" dirty="0"/>
+              <a:t>Le singole funzioni degli oggetti creati verranno testati, utilizzando un approccio di tipo </a:t>
+            </a:r>
+            <a:r>
+              <a:rPr lang="it-IT" b="1" dirty="0"/>
+              <a:t>black box. </a:t>
+            </a:r>
+            <a:endParaRPr lang="it-IT" dirty="0"/>
+          </a:p>
+          <a:p>
+            <a:pPr marL="0" indent="0">
+              <a:buNone/>
+            </a:pPr>
+            <a:endParaRPr lang="it-IT" dirty="0"/>
+          </a:p>
+        </p:txBody>
+      </p:sp>
+      <p:pic>
+        <p:nvPicPr>
+          <p:cNvPr id="13" name="Immagine 12">
+            <a:extLst>
+              <a:ext uri="{FF2B5EF4-FFF2-40B4-BE49-F238E27FC236}">
+                <a16:creationId xmlns:a16="http://schemas.microsoft.com/office/drawing/2014/main" id="{F2463A7F-2E29-4C6F-BA5F-22DD2ECBFDC1}"/>
+              </a:ext>
+            </a:extLst>
+          </p:cNvPr>
+          <p:cNvPicPr>
+            <a:picLocks noChangeAspect="1"/>
+          </p:cNvPicPr>
+          <p:nvPr/>
+        </p:nvPicPr>
+        <p:blipFill>
+          <a:blip r:embed="rId2">
+            <a:extLst>
+              <a:ext uri="{28A0092B-C50C-407E-A947-70E740481C1C}">
+                <a14:useLocalDpi xmlns:a14="http://schemas.microsoft.com/office/drawing/2010/main" val="0"/>
+              </a:ext>
+            </a:extLst>
+          </a:blip>
+          <a:stretch>
+            <a:fillRect/>
+          </a:stretch>
+        </p:blipFill>
+        <p:spPr>
+          <a:xfrm>
+            <a:off x="7597833" y="1412064"/>
+            <a:ext cx="3835895" cy="3701891"/>
+          </a:xfrm>
+          <a:prstGeom prst="rect">
+            <a:avLst/>
+          </a:prstGeom>
+        </p:spPr>
+      </p:pic>
+    </p:spTree>
+    <p:extLst>
+      <p:ext uri="{BB962C8B-B14F-4D97-AF65-F5344CB8AC3E}">
+        <p14:creationId xmlns:p14="http://schemas.microsoft.com/office/powerpoint/2010/main" val="3979090581"/>
+      </p:ext>
+    </p:extLst>
+  </p:cSld>
+  <p:clrMapOvr>
+    <a:masterClrMapping/>
+  </p:clrMapOvr>
+</p:sld>
+</file>
+
+<file path=ppt/slides/slide12.xml><?xml version="1.0" encoding="utf-8"?>
+<p:sld xmlns:a="http://schemas.openxmlformats.org/drawingml/2006/main" xmlns:r="http://schemas.openxmlformats.org/officeDocument/2006/relationships" xmlns:p="http://schemas.openxmlformats.org/presentationml/2006/main">
+  <p:cSld>
+    <p:spTree>
+      <p:nvGrpSpPr>
+        <p:cNvPr id="1" name=""/>
+        <p:cNvGrpSpPr/>
+        <p:nvPr/>
+      </p:nvGrpSpPr>
+      <p:grpSpPr>
+        <a:xfrm>
+          <a:off x="0" y="0"/>
+          <a:ext cx="0" cy="0"/>
+          <a:chOff x="0" y="0"/>
+          <a:chExt cx="0" cy="0"/>
+        </a:xfrm>
+      </p:grpSpPr>
+      <p:pic>
+        <p:nvPicPr>
+          <p:cNvPr id="9" name="Immagine 8" descr="Immagine che contiene testo&#10;&#10;Descrizione generata automaticamente">
+            <a:extLst>
+              <a:ext uri="{FF2B5EF4-FFF2-40B4-BE49-F238E27FC236}">
+                <a16:creationId xmlns:a16="http://schemas.microsoft.com/office/drawing/2014/main" id="{1183D681-A8DB-4CCD-9FE8-B213CC1A3D75}"/>
+              </a:ext>
+            </a:extLst>
+          </p:cNvPr>
+          <p:cNvPicPr>
+            <a:picLocks noChangeAspect="1"/>
+          </p:cNvPicPr>
+          <p:nvPr/>
+        </p:nvPicPr>
+        <p:blipFill>
+          <a:blip r:embed="rId2">
+            <a:extLst>
+              <a:ext uri="{28A0092B-C50C-407E-A947-70E740481C1C}">
+                <a14:useLocalDpi xmlns:a14="http://schemas.microsoft.com/office/drawing/2010/main" val="0"/>
+              </a:ext>
+            </a:extLst>
+          </a:blip>
+          <a:stretch>
+            <a:fillRect/>
+          </a:stretch>
+        </p:blipFill>
+        <p:spPr>
+          <a:xfrm>
+            <a:off x="1356786" y="-91211"/>
+            <a:ext cx="10555351" cy="7040419"/>
+          </a:xfrm>
+          <a:prstGeom prst="rect">
+            <a:avLst/>
+          </a:prstGeom>
+        </p:spPr>
+      </p:pic>
+      <p:sp>
+        <p:nvSpPr>
+          <p:cNvPr id="2" name="Titolo 1">
+            <a:extLst>
+              <a:ext uri="{FF2B5EF4-FFF2-40B4-BE49-F238E27FC236}">
+                <a16:creationId xmlns:a16="http://schemas.microsoft.com/office/drawing/2014/main" id="{B091881F-E104-4A2A-A90F-E9C96E8E73B4}"/>
+              </a:ext>
+            </a:extLst>
+          </p:cNvPr>
+          <p:cNvSpPr>
+            <a:spLocks noGrp="1"/>
+          </p:cNvSpPr>
+          <p:nvPr>
+            <p:ph type="title"/>
+          </p:nvPr>
+        </p:nvSpPr>
+        <p:spPr>
+          <a:xfrm rot="16200000">
+            <a:off x="-3053088" y="3053088"/>
+            <a:ext cx="6858003" cy="751823"/>
+          </a:xfrm>
+        </p:spPr>
+        <p:txBody>
+          <a:bodyPr>
+            <a:noAutofit/>
+          </a:bodyPr>
+          <a:lstStyle/>
+          <a:p>
+            <a:pPr algn="r"/>
+            <a:r>
+              <a:rPr lang="it-IT" sz="4800" dirty="0">
+                <a:solidFill>
+                  <a:srgbClr val="F8B323"/>
+                </a:solidFill>
+              </a:rPr>
+              <a:t>LESSON learned</a:t>
+            </a:r>
+          </a:p>
+        </p:txBody>
+      </p:sp>
+      <p:sp>
+        <p:nvSpPr>
+          <p:cNvPr id="3" name="Segnaposto contenuto 2">
+            <a:extLst>
+              <a:ext uri="{FF2B5EF4-FFF2-40B4-BE49-F238E27FC236}">
+                <a16:creationId xmlns:a16="http://schemas.microsoft.com/office/drawing/2014/main" id="{0D1F4823-2969-402A-86AF-FE8D80B3F521}"/>
+              </a:ext>
+            </a:extLst>
+          </p:cNvPr>
+          <p:cNvSpPr>
+            <a:spLocks noGrp="1"/>
+          </p:cNvSpPr>
+          <p:nvPr>
+            <p:ph idx="1"/>
+          </p:nvPr>
+        </p:nvSpPr>
+        <p:spPr>
+          <a:xfrm>
+            <a:off x="1618396" y="214922"/>
+            <a:ext cx="5314419" cy="4830903"/>
+          </a:xfrm>
+        </p:spPr>
+        <p:txBody>
+          <a:bodyPr/>
+          <a:lstStyle/>
+          <a:p>
+            <a:pPr>
+              <a:buBlip>
+                <a:blip r:embed="rId3"/>
+              </a:buBlip>
+            </a:pPr>
+            <a:r>
+              <a:rPr lang="it-IT" sz="2800" dirty="0" err="1">
+                <a:solidFill>
+                  <a:srgbClr val="F8B323"/>
+                </a:solidFill>
+              </a:rPr>
+              <a:t>Checkstyle</a:t>
+            </a:r>
+            <a:endParaRPr lang="it-IT" sz="2800" dirty="0">
+              <a:solidFill>
+                <a:srgbClr val="F8B323"/>
+              </a:solidFill>
+            </a:endParaRPr>
+          </a:p>
+          <a:p>
+            <a:pPr>
+              <a:buBlip>
+                <a:blip r:embed="rId3"/>
+              </a:buBlip>
+            </a:pPr>
+            <a:r>
+              <a:rPr lang="it-IT" sz="2800" dirty="0" err="1">
+                <a:solidFill>
+                  <a:srgbClr val="F8B323"/>
+                </a:solidFill>
+              </a:rPr>
+              <a:t>Github</a:t>
+            </a:r>
+            <a:endParaRPr lang="it-IT" sz="2800" dirty="0">
+              <a:solidFill>
+                <a:srgbClr val="F8B323"/>
+              </a:solidFill>
+            </a:endParaRPr>
+          </a:p>
+          <a:p>
+            <a:pPr>
+              <a:buBlip>
+                <a:blip r:embed="rId3"/>
+              </a:buBlip>
+            </a:pPr>
+            <a:r>
+              <a:rPr lang="it-IT" sz="2800" dirty="0" err="1">
+                <a:solidFill>
+                  <a:srgbClr val="F8B323"/>
+                </a:solidFill>
+              </a:rPr>
+              <a:t>Junit</a:t>
+            </a:r>
+            <a:endParaRPr lang="it-IT" sz="2800" dirty="0">
+              <a:solidFill>
+                <a:srgbClr val="F8B323"/>
+              </a:solidFill>
+            </a:endParaRPr>
+          </a:p>
+          <a:p>
+            <a:pPr>
+              <a:buBlip>
+                <a:blip r:embed="rId3"/>
+              </a:buBlip>
+            </a:pPr>
+            <a:r>
+              <a:rPr lang="it-IT" sz="2800" dirty="0" err="1">
+                <a:solidFill>
+                  <a:srgbClr val="F8B323"/>
+                </a:solidFill>
+              </a:rPr>
+              <a:t>Mockito</a:t>
+            </a:r>
+            <a:endParaRPr lang="it-IT" sz="2800" dirty="0">
+              <a:solidFill>
+                <a:srgbClr val="F8B323"/>
+              </a:solidFill>
+            </a:endParaRPr>
+          </a:p>
+          <a:p>
+            <a:pPr>
+              <a:buBlip>
+                <a:blip r:embed="rId3"/>
+              </a:buBlip>
+            </a:pPr>
+            <a:r>
+              <a:rPr lang="it-IT" sz="2800" dirty="0">
+                <a:solidFill>
+                  <a:srgbClr val="F8B323"/>
+                </a:solidFill>
+              </a:rPr>
+              <a:t>Spring</a:t>
+            </a:r>
+          </a:p>
+          <a:p>
+            <a:pPr>
+              <a:buBlip>
+                <a:blip r:embed="rId3"/>
+              </a:buBlip>
+            </a:pPr>
+            <a:r>
+              <a:rPr lang="it-IT" sz="2800" dirty="0" err="1">
+                <a:solidFill>
+                  <a:srgbClr val="F8B323"/>
+                </a:solidFill>
+              </a:rPr>
+              <a:t>Katalon</a:t>
+            </a:r>
+            <a:r>
+              <a:rPr lang="it-IT" sz="2800" dirty="0">
+                <a:solidFill>
+                  <a:srgbClr val="F8B323"/>
+                </a:solidFill>
+              </a:rPr>
+              <a:t> studio</a:t>
+            </a:r>
+          </a:p>
+          <a:p>
+            <a:pPr>
+              <a:buBlip>
+                <a:blip r:embed="rId3"/>
+              </a:buBlip>
+            </a:pPr>
+            <a:r>
+              <a:rPr lang="it-IT" sz="2800" dirty="0">
+                <a:solidFill>
+                  <a:srgbClr val="F8B323"/>
+                </a:solidFill>
+              </a:rPr>
+              <a:t>Non usare Eclipse per </a:t>
+            </a:r>
+            <a:r>
+              <a:rPr lang="it-IT" sz="2800" dirty="0" err="1">
+                <a:solidFill>
+                  <a:srgbClr val="F8B323"/>
+                </a:solidFill>
+              </a:rPr>
+              <a:t>webapp</a:t>
+            </a:r>
+            <a:endParaRPr lang="it-IT" sz="2800" dirty="0">
+              <a:solidFill>
+                <a:srgbClr val="F8B323"/>
+              </a:solidFill>
+            </a:endParaRPr>
+          </a:p>
+          <a:p>
+            <a:pPr>
+              <a:buBlip>
+                <a:blip r:embed="rId3"/>
+              </a:buBlip>
+            </a:pPr>
+            <a:r>
+              <a:rPr lang="it-IT" sz="2800" dirty="0" err="1">
+                <a:solidFill>
+                  <a:srgbClr val="F8B323"/>
+                </a:solidFill>
+              </a:rPr>
+              <a:t>Trello</a:t>
+            </a:r>
+            <a:endParaRPr lang="it-IT" sz="2800" dirty="0">
+              <a:solidFill>
+                <a:srgbClr val="F8B323"/>
+              </a:solidFill>
+            </a:endParaRPr>
+          </a:p>
+          <a:p>
+            <a:pPr marL="0" indent="0">
+              <a:buNone/>
+            </a:pPr>
+            <a:endParaRPr lang="it-IT" dirty="0">
+              <a:solidFill>
+                <a:schemeClr val="bg1"/>
+              </a:solidFill>
+            </a:endParaRPr>
+          </a:p>
+        </p:txBody>
+      </p:sp>
+    </p:spTree>
+    <p:extLst>
+      <p:ext uri="{BB962C8B-B14F-4D97-AF65-F5344CB8AC3E}">
+        <p14:creationId xmlns:p14="http://schemas.microsoft.com/office/powerpoint/2010/main" val="3869268727"/>
+      </p:ext>
+    </p:extLst>
+  </p:cSld>
+  <p:clrMapOvr>
+    <a:masterClrMapping/>
+  </p:clrMapOvr>
+</p:sld>
+</file>
+
+<file path=ppt/slides/slide13.xml><?xml version="1.0" encoding="utf-8"?>
+<p:sld xmlns:a="http://schemas.openxmlformats.org/drawingml/2006/main" xmlns:r="http://schemas.openxmlformats.org/officeDocument/2006/relationships" xmlns:p="http://schemas.openxmlformats.org/presentationml/2006/main">
+  <p:cSld>
+    <p:spTree>
+      <p:nvGrpSpPr>
+        <p:cNvPr id="1" name=""/>
+        <p:cNvGrpSpPr/>
+        <p:nvPr/>
+      </p:nvGrpSpPr>
+      <p:grpSpPr>
+        <a:xfrm>
+          <a:off x="0" y="0"/>
+          <a:ext cx="0" cy="0"/>
+          <a:chOff x="0" y="0"/>
+          <a:chExt cx="0" cy="0"/>
+        </a:xfrm>
+      </p:grpSpPr>
+      <p:sp>
+        <p:nvSpPr>
+          <p:cNvPr id="2" name="Titolo 1">
+            <a:extLst>
+              <a:ext uri="{FF2B5EF4-FFF2-40B4-BE49-F238E27FC236}">
+                <a16:creationId xmlns:a16="http://schemas.microsoft.com/office/drawing/2014/main" id="{B091881F-E104-4A2A-A90F-E9C96E8E73B4}"/>
+              </a:ext>
+            </a:extLst>
+          </p:cNvPr>
+          <p:cNvSpPr>
+            <a:spLocks noGrp="1"/>
+          </p:cNvSpPr>
+          <p:nvPr>
+            <p:ph type="title"/>
+          </p:nvPr>
+        </p:nvSpPr>
+        <p:spPr>
+          <a:xfrm rot="16200000">
+            <a:off x="-3053088" y="3053088"/>
+            <a:ext cx="6858003" cy="751823"/>
+          </a:xfrm>
+        </p:spPr>
+        <p:txBody>
+          <a:bodyPr>
+            <a:noAutofit/>
+          </a:bodyPr>
+          <a:lstStyle/>
+          <a:p>
+            <a:pPr algn="r"/>
+            <a:r>
+              <a:rPr lang="it-IT" sz="4800" dirty="0">
+                <a:solidFill>
+                  <a:srgbClr val="F8B323"/>
+                </a:solidFill>
+              </a:rPr>
+              <a:t>effort</a:t>
+            </a:r>
+          </a:p>
+        </p:txBody>
+      </p:sp>
+      <p:sp>
+        <p:nvSpPr>
+          <p:cNvPr id="3" name="Segnaposto contenuto 2">
+            <a:extLst>
+              <a:ext uri="{FF2B5EF4-FFF2-40B4-BE49-F238E27FC236}">
+                <a16:creationId xmlns:a16="http://schemas.microsoft.com/office/drawing/2014/main" id="{0D1F4823-2969-402A-86AF-FE8D80B3F521}"/>
+              </a:ext>
+            </a:extLst>
+          </p:cNvPr>
+          <p:cNvSpPr>
+            <a:spLocks noGrp="1"/>
+          </p:cNvSpPr>
+          <p:nvPr>
+            <p:ph idx="1"/>
+          </p:nvPr>
+        </p:nvSpPr>
+        <p:spPr>
+          <a:xfrm>
+            <a:off x="1269262" y="3001454"/>
+            <a:ext cx="10178322" cy="855090"/>
+          </a:xfrm>
+        </p:spPr>
+        <p:txBody>
+          <a:bodyPr/>
+          <a:lstStyle/>
+          <a:p>
+            <a:pPr marL="0" indent="0">
+              <a:buNone/>
+            </a:pPr>
+            <a:r>
+              <a:rPr lang="it-IT" dirty="0"/>
+              <a:t>A questo proposito, vi Reindirizziamo al documento allegato «Contributi individuali» per una lista completa dei contributi da parte di ogni partecipante.</a:t>
+            </a:r>
+          </a:p>
+        </p:txBody>
+      </p:sp>
+    </p:spTree>
+    <p:extLst>
+      <p:ext uri="{BB962C8B-B14F-4D97-AF65-F5344CB8AC3E}">
+        <p14:creationId xmlns:p14="http://schemas.microsoft.com/office/powerpoint/2010/main" val="2445842115"/>
+      </p:ext>
+    </p:extLst>
+  </p:cSld>
+  <p:clrMapOvr>
+    <a:masterClrMapping/>
+  </p:clrMapOvr>
+</p:sld>
+</file>
+
+<file path=ppt/slides/slide14.xml><?xml version="1.0" encoding="utf-8"?>
+<p:sld xmlns:a="http://schemas.openxmlformats.org/drawingml/2006/main" xmlns:r="http://schemas.openxmlformats.org/officeDocument/2006/relationships" xmlns:p="http://schemas.openxmlformats.org/presentationml/2006/main">
+  <p:cSld>
+    <p:spTree>
+      <p:nvGrpSpPr>
+        <p:cNvPr id="1" name=""/>
+        <p:cNvGrpSpPr/>
+        <p:nvPr/>
+      </p:nvGrpSpPr>
+      <p:grpSpPr>
+        <a:xfrm>
+          <a:off x="0" y="0"/>
+          <a:ext cx="0" cy="0"/>
+          <a:chOff x="0" y="0"/>
+          <a:chExt cx="0" cy="0"/>
+        </a:xfrm>
+      </p:grpSpPr>
+      <p:sp>
+        <p:nvSpPr>
+          <p:cNvPr id="2" name="Titolo 1">
+            <a:extLst>
+              <a:ext uri="{FF2B5EF4-FFF2-40B4-BE49-F238E27FC236}">
+                <a16:creationId xmlns:a16="http://schemas.microsoft.com/office/drawing/2014/main" id="{B091881F-E104-4A2A-A90F-E9C96E8E73B4}"/>
+              </a:ext>
+            </a:extLst>
+          </p:cNvPr>
+          <p:cNvSpPr>
+            <a:spLocks noGrp="1"/>
+          </p:cNvSpPr>
+          <p:nvPr>
+            <p:ph type="title"/>
+          </p:nvPr>
+        </p:nvSpPr>
+        <p:spPr>
+          <a:xfrm rot="16200000">
+            <a:off x="-3053088" y="3053088"/>
+            <a:ext cx="6858003" cy="751823"/>
+          </a:xfrm>
+        </p:spPr>
+        <p:txBody>
+          <a:bodyPr>
+            <a:noAutofit/>
+          </a:bodyPr>
+          <a:lstStyle/>
+          <a:p>
+            <a:pPr algn="r"/>
+            <a:r>
+              <a:rPr lang="it-IT" sz="4800" dirty="0">
+                <a:solidFill>
+                  <a:srgbClr val="F8B323"/>
+                </a:solidFill>
+              </a:rPr>
+              <a:t>metriche</a:t>
+            </a:r>
+          </a:p>
+        </p:txBody>
+      </p:sp>
+      <p:sp>
+        <p:nvSpPr>
+          <p:cNvPr id="3" name="Segnaposto contenuto 2">
+            <a:extLst>
+              <a:ext uri="{FF2B5EF4-FFF2-40B4-BE49-F238E27FC236}">
+                <a16:creationId xmlns:a16="http://schemas.microsoft.com/office/drawing/2014/main" id="{0D1F4823-2969-402A-86AF-FE8D80B3F521}"/>
+              </a:ext>
+            </a:extLst>
+          </p:cNvPr>
+          <p:cNvSpPr>
+            <a:spLocks noGrp="1"/>
+          </p:cNvSpPr>
+          <p:nvPr>
+            <p:ph idx="1"/>
+          </p:nvPr>
+        </p:nvSpPr>
+        <p:spPr>
+          <a:xfrm>
+            <a:off x="1285887" y="200626"/>
+            <a:ext cx="10178322" cy="3593591"/>
+          </a:xfrm>
+        </p:spPr>
+        <p:txBody>
+          <a:bodyPr/>
+          <a:lstStyle/>
+          <a:p>
+            <a:pPr marL="0" indent="0" algn="l">
+              <a:buNone/>
+            </a:pPr>
+            <a:r>
+              <a:rPr lang="it-IT" b="0" i="0" dirty="0">
+                <a:solidFill>
+                  <a:srgbClr val="222222"/>
+                </a:solidFill>
+                <a:effectLst/>
+                <a:latin typeface="Roboto" panose="02000000000000000000" pitchFamily="2" charset="0"/>
+              </a:rPr>
+              <a:t>Metriche del software, come, ad esempio: LOC (Lines of Code) totali del progetto, numero di design pattern implementati, numero di test case e test suite sviluppate, branch coverage dei casi di test, numero di warning identificati (e risolti) da CheckStyle. Ulteriori metriche che possano descrivere il vostro progetto sono ben accette. Inoltre, richiediamo la presentazione di alcune statistiche </a:t>
+            </a:r>
+            <a:r>
+              <a:rPr lang="it-IT" b="0" i="0" dirty="0">
+                <a:solidFill>
+                  <a:srgbClr val="1155CC"/>
+                </a:solidFill>
+                <a:effectLst/>
+                <a:latin typeface="Roboto" panose="02000000000000000000" pitchFamily="2" charset="0"/>
+                <a:hlinkClick r:id="rId2" tooltip="Github"/>
+              </a:rPr>
+              <a:t>GitHub</a:t>
+            </a:r>
+            <a:r>
+              <a:rPr lang="it-IT" b="0" i="0" dirty="0">
+                <a:solidFill>
+                  <a:srgbClr val="222222"/>
+                </a:solidFill>
+                <a:effectLst/>
+                <a:latin typeface="Roboto" panose="02000000000000000000" pitchFamily="2" charset="0"/>
+              </a:rPr>
+              <a:t>, come numero di commit totale e numero di commit per team member. </a:t>
+            </a:r>
+          </a:p>
+        </p:txBody>
+      </p:sp>
+    </p:spTree>
+    <p:extLst>
+      <p:ext uri="{BB962C8B-B14F-4D97-AF65-F5344CB8AC3E}">
+        <p14:creationId xmlns:p14="http://schemas.microsoft.com/office/powerpoint/2010/main" val="29124466"/>
+      </p:ext>
+    </p:extLst>
+  </p:cSld>
+  <p:clrMapOvr>
+    <a:masterClrMapping/>
+  </p:clrMapOvr>
+</p:sld>
+</file>
+
+<file path=ppt/slides/slide15.xml><?xml version="1.0" encoding="utf-8"?>
+<p:sld xmlns:a="http://schemas.openxmlformats.org/drawingml/2006/main" xmlns:r="http://schemas.openxmlformats.org/officeDocument/2006/relationships" xmlns:p="http://schemas.openxmlformats.org/presentationml/2006/main">
+  <p:cSld>
+    <p:spTree>
+      <p:nvGrpSpPr>
+        <p:cNvPr id="1" name=""/>
+        <p:cNvGrpSpPr/>
+        <p:nvPr/>
+      </p:nvGrpSpPr>
+      <p:grpSpPr>
+        <a:xfrm>
+          <a:off x="0" y="0"/>
+          <a:ext cx="0" cy="0"/>
+          <a:chOff x="0" y="0"/>
+          <a:chExt cx="0" cy="0"/>
+        </a:xfrm>
+      </p:grpSpPr>
+      <p:sp>
+        <p:nvSpPr>
+          <p:cNvPr id="2" name="Titolo 1">
+            <a:extLst>
+              <a:ext uri="{FF2B5EF4-FFF2-40B4-BE49-F238E27FC236}">
+                <a16:creationId xmlns:a16="http://schemas.microsoft.com/office/drawing/2014/main" id="{B091881F-E104-4A2A-A90F-E9C96E8E73B4}"/>
+              </a:ext>
+            </a:extLst>
+          </p:cNvPr>
+          <p:cNvSpPr>
+            <a:spLocks noGrp="1"/>
+          </p:cNvSpPr>
+          <p:nvPr>
+            <p:ph type="title"/>
+          </p:nvPr>
+        </p:nvSpPr>
+        <p:spPr>
+          <a:xfrm rot="16200000">
+            <a:off x="-3053088" y="3053088"/>
+            <a:ext cx="6858003" cy="751823"/>
+          </a:xfrm>
+        </p:spPr>
+        <p:txBody>
+          <a:bodyPr>
+            <a:noAutofit/>
+          </a:bodyPr>
+          <a:lstStyle/>
+          <a:p>
+            <a:pPr algn="r"/>
+            <a:r>
+              <a:rPr lang="it-IT" sz="4800" dirty="0">
+                <a:solidFill>
+                  <a:srgbClr val="F8B323"/>
+                </a:solidFill>
+              </a:rPr>
+              <a:t>Criteri di accettazione</a:t>
+            </a:r>
+          </a:p>
+        </p:txBody>
+      </p:sp>
+      <p:sp>
+        <p:nvSpPr>
+          <p:cNvPr id="3" name="Segnaposto contenuto 2">
+            <a:extLst>
+              <a:ext uri="{FF2B5EF4-FFF2-40B4-BE49-F238E27FC236}">
+                <a16:creationId xmlns:a16="http://schemas.microsoft.com/office/drawing/2014/main" id="{0D1F4823-2969-402A-86AF-FE8D80B3F521}"/>
+              </a:ext>
+            </a:extLst>
+          </p:cNvPr>
+          <p:cNvSpPr>
+            <a:spLocks noGrp="1"/>
+          </p:cNvSpPr>
+          <p:nvPr>
+            <p:ph idx="1"/>
+          </p:nvPr>
+        </p:nvSpPr>
+        <p:spPr>
+          <a:xfrm>
+            <a:off x="1285887" y="200626"/>
+            <a:ext cx="10178322" cy="3593591"/>
+          </a:xfrm>
+        </p:spPr>
+        <p:txBody>
+          <a:bodyPr/>
+          <a:lstStyle/>
+          <a:p>
+            <a:pPr marL="0" indent="0" algn="l">
+              <a:buNone/>
+            </a:pPr>
+            <a:r>
+              <a:rPr lang="it-IT" b="0" i="0" dirty="0">
+                <a:solidFill>
+                  <a:srgbClr val="222222"/>
+                </a:solidFill>
+                <a:effectLst/>
+                <a:latin typeface="Roboto" panose="02000000000000000000" pitchFamily="2" charset="0"/>
+              </a:rPr>
+              <a:t>Criteri di accettazione del vostro progetto, con particolare riferimento a se e come questi siano stati rispettati. Fate riferimento allo statement of work presentato alla </a:t>
+            </a:r>
+            <a:r>
+              <a:rPr lang="it-IT" b="0" i="0" dirty="0">
+                <a:solidFill>
+                  <a:srgbClr val="1155CC"/>
+                </a:solidFill>
+                <a:effectLst/>
+                <a:latin typeface="Roboto" panose="02000000000000000000" pitchFamily="2" charset="0"/>
+                <a:hlinkClick r:id="rId2" tooltip="Consegna Intermedia"/>
+              </a:rPr>
+              <a:t>consegna intermedia</a:t>
+            </a:r>
+            <a:r>
+              <a:rPr lang="it-IT" b="0" i="0" dirty="0">
+                <a:solidFill>
+                  <a:srgbClr val="222222"/>
+                </a:solidFill>
+                <a:effectLst/>
+                <a:latin typeface="Roboto" panose="02000000000000000000" pitchFamily="2" charset="0"/>
+              </a:rPr>
+              <a:t> e confrontato quanto fatto con quanto prestabilito.</a:t>
+            </a:r>
+          </a:p>
+        </p:txBody>
+      </p:sp>
+    </p:spTree>
+    <p:extLst>
+      <p:ext uri="{BB962C8B-B14F-4D97-AF65-F5344CB8AC3E}">
+        <p14:creationId xmlns:p14="http://schemas.microsoft.com/office/powerpoint/2010/main" val="2247784960"/>
+      </p:ext>
+    </p:extLst>
+  </p:cSld>
+  <p:clrMapOvr>
+    <a:masterClrMapping/>
+  </p:clrMapOvr>
+</p:sld>
+</file>
+
 <file path=ppt/slides/slide2.xml><?xml version="1.0" encoding="utf-8"?>
 <p:sld xmlns:a="http://schemas.openxmlformats.org/drawingml/2006/main" xmlns:r="http://schemas.openxmlformats.org/officeDocument/2006/relationships" xmlns:p="http://schemas.openxmlformats.org/presentationml/2006/main">
   <p:cSld>
@@ -9119,7 +10335,7 @@
         <p:spPr>
           <a:xfrm>
             <a:off x="1236012" y="225563"/>
-            <a:ext cx="10178322" cy="1337229"/>
+            <a:ext cx="10178322" cy="6371790"/>
           </a:xfrm>
         </p:spPr>
         <p:txBody>
@@ -9128,335 +10344,72 @@
           </a:bodyPr>
           <a:lstStyle/>
           <a:p>
-            <a:pPr marL="0" indent="0" algn="just">
+            <a:pPr marL="0" indent="0">
               <a:buNone/>
             </a:pPr>
             <a:r>
+              <a:rPr lang="it-IT" sz="2800" dirty="0"/>
+              <a:t>Il sistema da noi proposto consiste in una applicazione web, che memorizza i dati in maniera persistente in un database relazionale. </a:t>
+            </a:r>
+            <a:br>
+              <a:rPr lang="it-IT" sz="2800" dirty="0"/>
+            </a:br>
+            <a:r>
+              <a:rPr lang="it-IT" sz="2800" dirty="0"/>
+              <a:t>Le funzionalità del sito possono essere raggruppate in tre categorie principali:</a:t>
+            </a:r>
+          </a:p>
+          <a:p>
+            <a:pPr>
+              <a:buSzPct val="160000"/>
+              <a:buBlip>
+                <a:blip r:embed="rId2"/>
+              </a:buBlip>
+            </a:pPr>
+            <a:r>
+              <a:rPr lang="it-IT" sz="2800" b="1" dirty="0"/>
+              <a:t>Gestione account</a:t>
+            </a:r>
+            <a:r>
+              <a:rPr lang="it-IT" sz="2800" dirty="0"/>
+              <a:t>:  Area che si occupa dei dati personali, l’autenticazione e delle interazioni con il catalogo.</a:t>
+            </a:r>
+          </a:p>
+          <a:p>
+            <a:pPr>
+              <a:buSzPct val="160000"/>
+              <a:buBlip>
+                <a:blip r:embed="rId2"/>
+              </a:buBlip>
+            </a:pPr>
+            <a:r>
+              <a:rPr lang="it-IT" sz="2800" b="1" dirty="0"/>
+              <a:t>Gestione shop:  </a:t>
+            </a:r>
+            <a:r>
+              <a:rPr lang="it-IT" sz="2800" dirty="0"/>
+              <a:t>Area che si occupa della rimozione e aggiunta dei prodotti nello store.</a:t>
+            </a:r>
+          </a:p>
+          <a:p>
+            <a:pPr>
+              <a:buSzPct val="160000"/>
+              <a:buBlip>
+                <a:blip r:embed="rId2"/>
+              </a:buBlip>
+            </a:pPr>
+            <a:r>
+              <a:rPr lang="it-IT" sz="2800" b="1" dirty="0"/>
+              <a:t>Gestione acquisto:  </a:t>
+            </a:r>
+            <a:r>
+              <a:rPr lang="it-IT" sz="2800" dirty="0"/>
+              <a:t>In questa sezione si intende gestire la procedura d’acquisto dei prodotti scelti.</a:t>
+            </a:r>
+            <a:br>
               <a:rPr lang="it-IT" dirty="0"/>
-              <a:t>Il sistema da noi proposto consiste in una applicazione web, che memorizza i dati in maniera persistente in un database relazionale. </a:t>
-            </a:r>
-          </a:p>
-          <a:p>
-            <a:pPr marL="0" indent="0" algn="just">
-              <a:buNone/>
-            </a:pPr>
-            <a:r>
-              <a:rPr lang="it-IT" dirty="0"/>
-              <a:t>Il design pattern utilizzato è il </a:t>
-            </a:r>
-            <a:r>
-              <a:rPr lang="it-IT" i="1" dirty="0"/>
-              <a:t>Model-Control-</a:t>
-            </a:r>
-            <a:r>
-              <a:rPr lang="it-IT" i="1" dirty="0" err="1"/>
-              <a:t>View</a:t>
-            </a:r>
-            <a:r>
-              <a:rPr lang="it-IT" dirty="0"/>
-              <a:t>: </a:t>
-            </a:r>
-          </a:p>
-        </p:txBody>
-      </p:sp>
-      <p:pic>
-        <p:nvPicPr>
-          <p:cNvPr id="4" name="Immagine 3">
-            <a:extLst>
-              <a:ext uri="{FF2B5EF4-FFF2-40B4-BE49-F238E27FC236}">
-                <a16:creationId xmlns:a16="http://schemas.microsoft.com/office/drawing/2014/main" id="{DE22290C-65C0-4A55-BB23-5C235D3967DD}"/>
-              </a:ext>
-            </a:extLst>
-          </p:cNvPr>
-          <p:cNvPicPr>
-            <a:picLocks noChangeAspect="1"/>
-          </p:cNvPicPr>
-          <p:nvPr/>
-        </p:nvPicPr>
-        <p:blipFill>
-          <a:blip r:embed="rId2">
-            <a:extLst>
-              <a:ext uri="{28A0092B-C50C-407E-A947-70E740481C1C}">
-                <a14:useLocalDpi xmlns:a14="http://schemas.microsoft.com/office/drawing/2010/main" val="0"/>
-              </a:ext>
-            </a:extLst>
-          </a:blip>
-          <a:stretch>
-            <a:fillRect/>
-          </a:stretch>
-        </p:blipFill>
-        <p:spPr>
-          <a:xfrm>
-            <a:off x="1176428" y="1676388"/>
-            <a:ext cx="7168896" cy="4956048"/>
-          </a:xfrm>
-          <a:prstGeom prst="rect">
-            <a:avLst/>
-          </a:prstGeom>
-        </p:spPr>
-      </p:pic>
-      <p:sp>
-        <p:nvSpPr>
-          <p:cNvPr id="5" name="Segnaposto contenuto 2">
-            <a:extLst>
-              <a:ext uri="{FF2B5EF4-FFF2-40B4-BE49-F238E27FC236}">
-                <a16:creationId xmlns:a16="http://schemas.microsoft.com/office/drawing/2014/main" id="{72D8B024-594A-44E3-976E-B0BD3038D357}"/>
-              </a:ext>
-            </a:extLst>
-          </p:cNvPr>
-          <p:cNvSpPr txBox="1">
-            <a:spLocks/>
-          </p:cNvSpPr>
-          <p:nvPr/>
-        </p:nvSpPr>
-        <p:spPr>
-          <a:xfrm>
-            <a:off x="8587047" y="1676388"/>
-            <a:ext cx="3217026" cy="4956048"/>
-          </a:xfrm>
-          <a:prstGeom prst="rect">
-            <a:avLst/>
-          </a:prstGeom>
-        </p:spPr>
-        <p:txBody>
-          <a:bodyPr vert="horz" lIns="91440" tIns="45720" rIns="91440" bIns="45720" rtlCol="0">
-            <a:normAutofit/>
-          </a:bodyPr>
-          <a:lstStyle>
-            <a:lvl1pPr marL="228600" indent="-228600" algn="l" defTabSz="914400" rtl="0" eaLnBrk="1" latinLnBrk="0" hangingPunct="1">
-              <a:lnSpc>
-                <a:spcPct val="110000"/>
-              </a:lnSpc>
-              <a:spcBef>
-                <a:spcPts val="700"/>
-              </a:spcBef>
-              <a:buClr>
-                <a:schemeClr val="tx2"/>
-              </a:buClr>
-              <a:buFont typeface="Arial" panose="020B0604020202020204" pitchFamily="34" charset="0"/>
-              <a:buChar char="•"/>
-              <a:defRPr sz="2000" kern="1200">
-                <a:solidFill>
-                  <a:schemeClr val="tx1">
-                    <a:lumMod val="65000"/>
-                    <a:lumOff val="35000"/>
-                  </a:schemeClr>
-                </a:solidFill>
-                <a:latin typeface="+mn-lt"/>
-                <a:ea typeface="+mn-ea"/>
-                <a:cs typeface="+mn-cs"/>
-              </a:defRPr>
-            </a:lvl1pPr>
-            <a:lvl2pPr marL="685800" indent="-228600" algn="l" defTabSz="914400" rtl="0" eaLnBrk="1" latinLnBrk="0" hangingPunct="1">
-              <a:lnSpc>
-                <a:spcPct val="110000"/>
-              </a:lnSpc>
-              <a:spcBef>
-                <a:spcPts val="700"/>
-              </a:spcBef>
-              <a:buClr>
-                <a:schemeClr val="tx2"/>
-              </a:buClr>
-              <a:buFont typeface="Gill Sans MT" panose="020B0502020104020203" pitchFamily="34" charset="0"/>
-              <a:buChar char="–"/>
-              <a:defRPr sz="1800" kern="1200">
-                <a:solidFill>
-                  <a:schemeClr val="tx1">
-                    <a:lumMod val="65000"/>
-                    <a:lumOff val="35000"/>
-                  </a:schemeClr>
-                </a:solidFill>
-                <a:latin typeface="+mn-lt"/>
-                <a:ea typeface="+mn-ea"/>
-                <a:cs typeface="+mn-cs"/>
-              </a:defRPr>
-            </a:lvl2pPr>
-            <a:lvl3pPr marL="1143000" indent="-228600" algn="l" defTabSz="914400" rtl="0" eaLnBrk="1" latinLnBrk="0" hangingPunct="1">
-              <a:lnSpc>
-                <a:spcPct val="110000"/>
-              </a:lnSpc>
-              <a:spcBef>
-                <a:spcPts val="700"/>
-              </a:spcBef>
-              <a:buClr>
-                <a:schemeClr val="tx2"/>
-              </a:buClr>
-              <a:buFont typeface="Arial" panose="020B0604020202020204" pitchFamily="34" charset="0"/>
-              <a:buChar char="•"/>
-              <a:defRPr sz="1600" kern="1200">
-                <a:solidFill>
-                  <a:schemeClr val="tx1">
-                    <a:lumMod val="65000"/>
-                    <a:lumOff val="35000"/>
-                  </a:schemeClr>
-                </a:solidFill>
-                <a:latin typeface="+mn-lt"/>
-                <a:ea typeface="+mn-ea"/>
-                <a:cs typeface="+mn-cs"/>
-              </a:defRPr>
-            </a:lvl3pPr>
-            <a:lvl4pPr marL="1600200" indent="-228600" algn="l" defTabSz="914400" rtl="0" eaLnBrk="1" latinLnBrk="0" hangingPunct="1">
-              <a:lnSpc>
-                <a:spcPct val="110000"/>
-              </a:lnSpc>
-              <a:spcBef>
-                <a:spcPts val="700"/>
-              </a:spcBef>
-              <a:buClr>
-                <a:schemeClr val="tx2"/>
-              </a:buClr>
-              <a:buFont typeface="Gill Sans MT" panose="020B0502020104020203" pitchFamily="34" charset="0"/>
-              <a:buChar char="–"/>
-              <a:defRPr sz="1400" kern="1200">
-                <a:solidFill>
-                  <a:schemeClr val="tx1">
-                    <a:lumMod val="65000"/>
-                    <a:lumOff val="35000"/>
-                  </a:schemeClr>
-                </a:solidFill>
-                <a:latin typeface="+mn-lt"/>
-                <a:ea typeface="+mn-ea"/>
-                <a:cs typeface="+mn-cs"/>
-              </a:defRPr>
-            </a:lvl4pPr>
-            <a:lvl5pPr marL="2057400" indent="-228600" algn="l" defTabSz="914400" rtl="0" eaLnBrk="1" latinLnBrk="0" hangingPunct="1">
-              <a:lnSpc>
-                <a:spcPct val="110000"/>
-              </a:lnSpc>
-              <a:spcBef>
-                <a:spcPts val="700"/>
-              </a:spcBef>
-              <a:buClr>
-                <a:schemeClr val="tx2"/>
-              </a:buClr>
-              <a:buFont typeface="Arial" panose="020B0604020202020204" pitchFamily="34" charset="0"/>
-              <a:buChar char="•"/>
-              <a:defRPr sz="1400" kern="1200">
-                <a:solidFill>
-                  <a:schemeClr val="tx1">
-                    <a:lumMod val="65000"/>
-                    <a:lumOff val="35000"/>
-                  </a:schemeClr>
-                </a:solidFill>
-                <a:latin typeface="+mn-lt"/>
-                <a:ea typeface="+mn-ea"/>
-                <a:cs typeface="+mn-cs"/>
-              </a:defRPr>
-            </a:lvl5pPr>
-            <a:lvl6pPr marL="2514600" indent="-228600" algn="l" defTabSz="914400" rtl="0" eaLnBrk="1" latinLnBrk="0" hangingPunct="1">
-              <a:lnSpc>
-                <a:spcPct val="110000"/>
-              </a:lnSpc>
-              <a:spcBef>
-                <a:spcPts val="700"/>
-              </a:spcBef>
-              <a:buClr>
-                <a:schemeClr val="tx2"/>
-              </a:buClr>
-              <a:buFont typeface="Gill Sans MT" panose="020B0502020104020203" pitchFamily="34" charset="0"/>
-              <a:buChar char="–"/>
-              <a:defRPr sz="1400" kern="1200">
-                <a:solidFill>
-                  <a:schemeClr val="tx1">
-                    <a:lumMod val="65000"/>
-                    <a:lumOff val="35000"/>
-                  </a:schemeClr>
-                </a:solidFill>
-                <a:latin typeface="+mn-lt"/>
-                <a:ea typeface="+mn-ea"/>
-                <a:cs typeface="+mn-cs"/>
-              </a:defRPr>
-            </a:lvl6pPr>
-            <a:lvl7pPr marL="2971800" indent="-228600" algn="l" defTabSz="914400" rtl="0" eaLnBrk="1" latinLnBrk="0" hangingPunct="1">
-              <a:lnSpc>
-                <a:spcPct val="110000"/>
-              </a:lnSpc>
-              <a:spcBef>
-                <a:spcPts val="700"/>
-              </a:spcBef>
-              <a:buClr>
-                <a:schemeClr val="tx2"/>
-              </a:buClr>
-              <a:buFont typeface="Arial" panose="020B0604020202020204" pitchFamily="34" charset="0"/>
-              <a:buChar char="•"/>
-              <a:defRPr sz="1400" kern="1200">
-                <a:solidFill>
-                  <a:schemeClr val="tx1">
-                    <a:lumMod val="65000"/>
-                    <a:lumOff val="35000"/>
-                  </a:schemeClr>
-                </a:solidFill>
-                <a:latin typeface="+mn-lt"/>
-                <a:ea typeface="+mn-ea"/>
-                <a:cs typeface="+mn-cs"/>
-              </a:defRPr>
-            </a:lvl7pPr>
-            <a:lvl8pPr marL="3429000" indent="-228600" algn="l" defTabSz="914400" rtl="0" eaLnBrk="1" latinLnBrk="0" hangingPunct="1">
-              <a:lnSpc>
-                <a:spcPct val="110000"/>
-              </a:lnSpc>
-              <a:spcBef>
-                <a:spcPts val="700"/>
-              </a:spcBef>
-              <a:buClr>
-                <a:schemeClr val="tx2"/>
-              </a:buClr>
-              <a:buFont typeface="Gill Sans MT" panose="020B0502020104020203" pitchFamily="34" charset="0"/>
-              <a:buChar char="–"/>
-              <a:defRPr sz="1400" kern="1200" baseline="0">
-                <a:solidFill>
-                  <a:schemeClr val="tx1">
-                    <a:lumMod val="65000"/>
-                    <a:lumOff val="35000"/>
-                  </a:schemeClr>
-                </a:solidFill>
-                <a:latin typeface="+mn-lt"/>
-                <a:ea typeface="+mn-ea"/>
-                <a:cs typeface="+mn-cs"/>
-              </a:defRPr>
-            </a:lvl8pPr>
-            <a:lvl9pPr marL="3886200" indent="-228600" algn="l" defTabSz="914400" rtl="0" eaLnBrk="1" latinLnBrk="0" hangingPunct="1">
-              <a:lnSpc>
-                <a:spcPct val="110000"/>
-              </a:lnSpc>
-              <a:spcBef>
-                <a:spcPts val="700"/>
-              </a:spcBef>
-              <a:buClr>
-                <a:schemeClr val="tx2"/>
-              </a:buClr>
-              <a:buFont typeface="Arial" panose="020B0604020202020204" pitchFamily="34" charset="0"/>
-              <a:buChar char="•"/>
-              <a:defRPr sz="1400" kern="1200" baseline="0">
-                <a:solidFill>
-                  <a:schemeClr val="tx1">
-                    <a:lumMod val="65000"/>
-                    <a:lumOff val="35000"/>
-                  </a:schemeClr>
-                </a:solidFill>
-                <a:latin typeface="+mn-lt"/>
-                <a:ea typeface="+mn-ea"/>
-                <a:cs typeface="+mn-cs"/>
-              </a:defRPr>
-            </a:lvl9pPr>
-          </a:lstStyle>
-          <a:p>
-            <a:pPr marL="0" indent="0" algn="just">
-              <a:buFont typeface="Arial" panose="020B0604020202020204" pitchFamily="34" charset="0"/>
-              <a:buNone/>
-            </a:pPr>
-            <a:r>
-              <a:rPr lang="it-IT" dirty="0"/>
-              <a:t>Si è deciso di sostituire il sistema in sottosistemi, garantendo un basso accoppiamento ed un elevata coesione tramite l’ausilio di un’architettura aperta così da favorirne la </a:t>
-            </a:r>
-            <a:r>
-              <a:rPr lang="it-IT" b="1" dirty="0"/>
-              <a:t>modificabilità</a:t>
-            </a:r>
-            <a:r>
-              <a:rPr lang="it-IT" dirty="0"/>
-              <a:t>.</a:t>
-            </a:r>
+            </a:br>
+            <a:endParaRPr lang="it-IT" dirty="0"/>
           </a:p>
         </p:txBody>
       </p:sp>
@@ -9525,17 +10478,318 @@
                   <a:srgbClr val="F8B323"/>
                 </a:solidFill>
               </a:rPr>
-              <a:t>OBJECT DESIGN</a:t>
+              <a:t>Architettura del sistema</a:t>
+            </a:r>
+          </a:p>
+        </p:txBody>
+      </p:sp>
+      <p:pic>
+        <p:nvPicPr>
+          <p:cNvPr id="4" name="Immagine 3">
+            <a:extLst>
+              <a:ext uri="{FF2B5EF4-FFF2-40B4-BE49-F238E27FC236}">
+                <a16:creationId xmlns:a16="http://schemas.microsoft.com/office/drawing/2014/main" id="{DE22290C-65C0-4A55-BB23-5C235D3967DD}"/>
+              </a:ext>
+            </a:extLst>
+          </p:cNvPr>
+          <p:cNvPicPr>
+            <a:picLocks noChangeAspect="1"/>
+          </p:cNvPicPr>
+          <p:nvPr/>
+        </p:nvPicPr>
+        <p:blipFill>
+          <a:blip r:embed="rId2">
+            <a:extLst>
+              <a:ext uri="{28A0092B-C50C-407E-A947-70E740481C1C}">
+                <a14:useLocalDpi xmlns:a14="http://schemas.microsoft.com/office/drawing/2010/main" val="0"/>
+              </a:ext>
+            </a:extLst>
+          </a:blip>
+          <a:stretch>
+            <a:fillRect/>
+          </a:stretch>
+        </p:blipFill>
+        <p:spPr>
+          <a:xfrm>
+            <a:off x="1205850" y="1027887"/>
+            <a:ext cx="7168896" cy="4956048"/>
+          </a:xfrm>
+          <a:prstGeom prst="rect">
+            <a:avLst/>
+          </a:prstGeom>
+        </p:spPr>
+      </p:pic>
+      <p:sp>
+        <p:nvSpPr>
+          <p:cNvPr id="5" name="Segnaposto contenuto 2">
+            <a:extLst>
+              <a:ext uri="{FF2B5EF4-FFF2-40B4-BE49-F238E27FC236}">
+                <a16:creationId xmlns:a16="http://schemas.microsoft.com/office/drawing/2014/main" id="{72D8B024-594A-44E3-976E-B0BD3038D357}"/>
+              </a:ext>
+            </a:extLst>
+          </p:cNvPr>
+          <p:cNvSpPr txBox="1">
+            <a:spLocks/>
+          </p:cNvSpPr>
+          <p:nvPr/>
+        </p:nvSpPr>
+        <p:spPr>
+          <a:xfrm>
+            <a:off x="8512016" y="1027887"/>
+            <a:ext cx="3217026" cy="4956048"/>
+          </a:xfrm>
+          <a:prstGeom prst="rect">
+            <a:avLst/>
+          </a:prstGeom>
+        </p:spPr>
+        <p:txBody>
+          <a:bodyPr vert="horz" lIns="91440" tIns="45720" rIns="91440" bIns="45720" rtlCol="0">
+            <a:normAutofit/>
+          </a:bodyPr>
+          <a:lstStyle>
+            <a:lvl1pPr marL="228600" indent="-228600" algn="l" defTabSz="914400" rtl="0" eaLnBrk="1" latinLnBrk="0" hangingPunct="1">
+              <a:lnSpc>
+                <a:spcPct val="110000"/>
+              </a:lnSpc>
+              <a:spcBef>
+                <a:spcPts val="700"/>
+              </a:spcBef>
+              <a:buClr>
+                <a:schemeClr val="tx2"/>
+              </a:buClr>
+              <a:buFont typeface="Arial" panose="020B0604020202020204" pitchFamily="34" charset="0"/>
+              <a:buChar char="•"/>
+              <a:defRPr sz="2000" kern="1200">
+                <a:solidFill>
+                  <a:schemeClr val="tx1">
+                    <a:lumMod val="65000"/>
+                    <a:lumOff val="35000"/>
+                  </a:schemeClr>
+                </a:solidFill>
+                <a:latin typeface="+mn-lt"/>
+                <a:ea typeface="+mn-ea"/>
+                <a:cs typeface="+mn-cs"/>
+              </a:defRPr>
+            </a:lvl1pPr>
+            <a:lvl2pPr marL="685800" indent="-228600" algn="l" defTabSz="914400" rtl="0" eaLnBrk="1" latinLnBrk="0" hangingPunct="1">
+              <a:lnSpc>
+                <a:spcPct val="110000"/>
+              </a:lnSpc>
+              <a:spcBef>
+                <a:spcPts val="700"/>
+              </a:spcBef>
+              <a:buClr>
+                <a:schemeClr val="tx2"/>
+              </a:buClr>
+              <a:buFont typeface="Gill Sans MT" panose="020B0502020104020203" pitchFamily="34" charset="0"/>
+              <a:buChar char="–"/>
+              <a:defRPr sz="1800" kern="1200">
+                <a:solidFill>
+                  <a:schemeClr val="tx1">
+                    <a:lumMod val="65000"/>
+                    <a:lumOff val="35000"/>
+                  </a:schemeClr>
+                </a:solidFill>
+                <a:latin typeface="+mn-lt"/>
+                <a:ea typeface="+mn-ea"/>
+                <a:cs typeface="+mn-cs"/>
+              </a:defRPr>
+            </a:lvl2pPr>
+            <a:lvl3pPr marL="1143000" indent="-228600" algn="l" defTabSz="914400" rtl="0" eaLnBrk="1" latinLnBrk="0" hangingPunct="1">
+              <a:lnSpc>
+                <a:spcPct val="110000"/>
+              </a:lnSpc>
+              <a:spcBef>
+                <a:spcPts val="700"/>
+              </a:spcBef>
+              <a:buClr>
+                <a:schemeClr val="tx2"/>
+              </a:buClr>
+              <a:buFont typeface="Arial" panose="020B0604020202020204" pitchFamily="34" charset="0"/>
+              <a:buChar char="•"/>
+              <a:defRPr sz="1600" kern="1200">
+                <a:solidFill>
+                  <a:schemeClr val="tx1">
+                    <a:lumMod val="65000"/>
+                    <a:lumOff val="35000"/>
+                  </a:schemeClr>
+                </a:solidFill>
+                <a:latin typeface="+mn-lt"/>
+                <a:ea typeface="+mn-ea"/>
+                <a:cs typeface="+mn-cs"/>
+              </a:defRPr>
+            </a:lvl3pPr>
+            <a:lvl4pPr marL="1600200" indent="-228600" algn="l" defTabSz="914400" rtl="0" eaLnBrk="1" latinLnBrk="0" hangingPunct="1">
+              <a:lnSpc>
+                <a:spcPct val="110000"/>
+              </a:lnSpc>
+              <a:spcBef>
+                <a:spcPts val="700"/>
+              </a:spcBef>
+              <a:buClr>
+                <a:schemeClr val="tx2"/>
+              </a:buClr>
+              <a:buFont typeface="Gill Sans MT" panose="020B0502020104020203" pitchFamily="34" charset="0"/>
+              <a:buChar char="–"/>
+              <a:defRPr sz="1400" kern="1200">
+                <a:solidFill>
+                  <a:schemeClr val="tx1">
+                    <a:lumMod val="65000"/>
+                    <a:lumOff val="35000"/>
+                  </a:schemeClr>
+                </a:solidFill>
+                <a:latin typeface="+mn-lt"/>
+                <a:ea typeface="+mn-ea"/>
+                <a:cs typeface="+mn-cs"/>
+              </a:defRPr>
+            </a:lvl4pPr>
+            <a:lvl5pPr marL="2057400" indent="-228600" algn="l" defTabSz="914400" rtl="0" eaLnBrk="1" latinLnBrk="0" hangingPunct="1">
+              <a:lnSpc>
+                <a:spcPct val="110000"/>
+              </a:lnSpc>
+              <a:spcBef>
+                <a:spcPts val="700"/>
+              </a:spcBef>
+              <a:buClr>
+                <a:schemeClr val="tx2"/>
+              </a:buClr>
+              <a:buFont typeface="Arial" panose="020B0604020202020204" pitchFamily="34" charset="0"/>
+              <a:buChar char="•"/>
+              <a:defRPr sz="1400" kern="1200">
+                <a:solidFill>
+                  <a:schemeClr val="tx1">
+                    <a:lumMod val="65000"/>
+                    <a:lumOff val="35000"/>
+                  </a:schemeClr>
+                </a:solidFill>
+                <a:latin typeface="+mn-lt"/>
+                <a:ea typeface="+mn-ea"/>
+                <a:cs typeface="+mn-cs"/>
+              </a:defRPr>
+            </a:lvl5pPr>
+            <a:lvl6pPr marL="2514600" indent="-228600" algn="l" defTabSz="914400" rtl="0" eaLnBrk="1" latinLnBrk="0" hangingPunct="1">
+              <a:lnSpc>
+                <a:spcPct val="110000"/>
+              </a:lnSpc>
+              <a:spcBef>
+                <a:spcPts val="700"/>
+              </a:spcBef>
+              <a:buClr>
+                <a:schemeClr val="tx2"/>
+              </a:buClr>
+              <a:buFont typeface="Gill Sans MT" panose="020B0502020104020203" pitchFamily="34" charset="0"/>
+              <a:buChar char="–"/>
+              <a:defRPr sz="1400" kern="1200">
+                <a:solidFill>
+                  <a:schemeClr val="tx1">
+                    <a:lumMod val="65000"/>
+                    <a:lumOff val="35000"/>
+                  </a:schemeClr>
+                </a:solidFill>
+                <a:latin typeface="+mn-lt"/>
+                <a:ea typeface="+mn-ea"/>
+                <a:cs typeface="+mn-cs"/>
+              </a:defRPr>
+            </a:lvl6pPr>
+            <a:lvl7pPr marL="2971800" indent="-228600" algn="l" defTabSz="914400" rtl="0" eaLnBrk="1" latinLnBrk="0" hangingPunct="1">
+              <a:lnSpc>
+                <a:spcPct val="110000"/>
+              </a:lnSpc>
+              <a:spcBef>
+                <a:spcPts val="700"/>
+              </a:spcBef>
+              <a:buClr>
+                <a:schemeClr val="tx2"/>
+              </a:buClr>
+              <a:buFont typeface="Arial" panose="020B0604020202020204" pitchFamily="34" charset="0"/>
+              <a:buChar char="•"/>
+              <a:defRPr sz="1400" kern="1200">
+                <a:solidFill>
+                  <a:schemeClr val="tx1">
+                    <a:lumMod val="65000"/>
+                    <a:lumOff val="35000"/>
+                  </a:schemeClr>
+                </a:solidFill>
+                <a:latin typeface="+mn-lt"/>
+                <a:ea typeface="+mn-ea"/>
+                <a:cs typeface="+mn-cs"/>
+              </a:defRPr>
+            </a:lvl7pPr>
+            <a:lvl8pPr marL="3429000" indent="-228600" algn="l" defTabSz="914400" rtl="0" eaLnBrk="1" latinLnBrk="0" hangingPunct="1">
+              <a:lnSpc>
+                <a:spcPct val="110000"/>
+              </a:lnSpc>
+              <a:spcBef>
+                <a:spcPts val="700"/>
+              </a:spcBef>
+              <a:buClr>
+                <a:schemeClr val="tx2"/>
+              </a:buClr>
+              <a:buFont typeface="Gill Sans MT" panose="020B0502020104020203" pitchFamily="34" charset="0"/>
+              <a:buChar char="–"/>
+              <a:defRPr sz="1400" kern="1200" baseline="0">
+                <a:solidFill>
+                  <a:schemeClr val="tx1">
+                    <a:lumMod val="65000"/>
+                    <a:lumOff val="35000"/>
+                  </a:schemeClr>
+                </a:solidFill>
+                <a:latin typeface="+mn-lt"/>
+                <a:ea typeface="+mn-ea"/>
+                <a:cs typeface="+mn-cs"/>
+              </a:defRPr>
+            </a:lvl8pPr>
+            <a:lvl9pPr marL="3886200" indent="-228600" algn="l" defTabSz="914400" rtl="0" eaLnBrk="1" latinLnBrk="0" hangingPunct="1">
+              <a:lnSpc>
+                <a:spcPct val="110000"/>
+              </a:lnSpc>
+              <a:spcBef>
+                <a:spcPts val="700"/>
+              </a:spcBef>
+              <a:buClr>
+                <a:schemeClr val="tx2"/>
+              </a:buClr>
+              <a:buFont typeface="Arial" panose="020B0604020202020204" pitchFamily="34" charset="0"/>
+              <a:buChar char="•"/>
+              <a:defRPr sz="1400" kern="1200" baseline="0">
+                <a:solidFill>
+                  <a:schemeClr val="tx1">
+                    <a:lumMod val="65000"/>
+                    <a:lumOff val="35000"/>
+                  </a:schemeClr>
+                </a:solidFill>
+                <a:latin typeface="+mn-lt"/>
+                <a:ea typeface="+mn-ea"/>
+                <a:cs typeface="+mn-cs"/>
+              </a:defRPr>
+            </a:lvl9pPr>
+          </a:lstStyle>
+          <a:p>
+            <a:pPr marL="0" indent="0" algn="just">
+              <a:buFont typeface="Arial" panose="020B0604020202020204" pitchFamily="34" charset="0"/>
+              <a:buNone/>
+            </a:pPr>
+            <a:r>
+              <a:rPr lang="it-IT" dirty="0"/>
+              <a:t>Si è deciso di sostituire il sistema in sottosistemi, garantendo un basso accoppiamento ed un elevata coesione tramite l’ausilio di un’architettura aperta così da favorirne la </a:t>
+            </a:r>
+            <a:r>
+              <a:rPr lang="it-IT" b="1" dirty="0"/>
+              <a:t>modificabilità</a:t>
+            </a:r>
+            <a:r>
+              <a:rPr lang="it-IT" dirty="0"/>
+              <a:t>.</a:t>
             </a:r>
           </a:p>
         </p:txBody>
       </p:sp>
       <p:sp>
         <p:nvSpPr>
-          <p:cNvPr id="3" name="Segnaposto contenuto 2">
+          <p:cNvPr id="7" name="Segnaposto contenuto 6">
             <a:extLst>
               <a:ext uri="{FF2B5EF4-FFF2-40B4-BE49-F238E27FC236}">
-                <a16:creationId xmlns:a16="http://schemas.microsoft.com/office/drawing/2014/main" id="{0D1F4823-2969-402A-86AF-FE8D80B3F521}"/>
+                <a16:creationId xmlns:a16="http://schemas.microsoft.com/office/drawing/2014/main" id="{AD18D81D-EA23-4A8F-9342-9F8E1BAFFAC7}"/>
               </a:ext>
             </a:extLst>
           </p:cNvPr>
@@ -9548,8 +10802,8 @@
         </p:nvSpPr>
         <p:spPr>
           <a:xfrm>
-            <a:off x="1285887" y="200626"/>
-            <a:ext cx="10178322" cy="3593591"/>
+            <a:off x="1176428" y="225564"/>
+            <a:ext cx="10178322" cy="1329771"/>
           </a:xfrm>
         </p:spPr>
         <p:txBody>
@@ -9561,15 +10815,40 @@
             </a:pPr>
             <a:r>
               <a:rPr lang="it-IT" dirty="0"/>
-              <a:t>con particolare riferimento all’utilizzo di design pattern (sarà importante spiegare perché e come il loro utilizzo si è reso necessario);</a:t>
-            </a:r>
+              <a:t>Durante il system design si è deciso di decomporre il sistema in una decomposizione a tre </a:t>
+            </a:r>
+            <a:r>
+              <a:rPr lang="it-IT" dirty="0" err="1"/>
+              <a:t>layer</a:t>
+            </a:r>
+            <a:r>
+              <a:rPr lang="it-IT" dirty="0"/>
+              <a:t>, chiamata comunemente </a:t>
+            </a:r>
+            <a:r>
+              <a:rPr lang="it-IT" b="1" dirty="0"/>
+              <a:t>Model-</a:t>
+            </a:r>
+            <a:r>
+              <a:rPr lang="it-IT" b="1" dirty="0" err="1"/>
+              <a:t>View</a:t>
+            </a:r>
+            <a:r>
+              <a:rPr lang="it-IT" b="1" dirty="0"/>
+              <a:t>-Control</a:t>
+            </a:r>
+            <a:r>
+              <a:rPr lang="it-IT" dirty="0"/>
+              <a:t>.  </a:t>
+            </a:r>
+            <a:endParaRPr lang="it-IT" b="1" dirty="0"/>
           </a:p>
         </p:txBody>
       </p:sp>
     </p:spTree>
     <p:extLst>
       <p:ext uri="{BB962C8B-B14F-4D97-AF65-F5344CB8AC3E}">
-        <p14:creationId xmlns:p14="http://schemas.microsoft.com/office/powerpoint/2010/main" val="3456291858"/>
+        <p14:creationId xmlns:p14="http://schemas.microsoft.com/office/powerpoint/2010/main" val="65010365"/>
       </p:ext>
     </p:extLst>
   </p:cSld>
@@ -9631,17 +10910,17 @@
                   <a:srgbClr val="F8B323"/>
                 </a:solidFill>
               </a:rPr>
-              <a:t>TESTING</a:t>
+              <a:t>OBJECT DESIGN</a:t>
             </a:r>
           </a:p>
         </p:txBody>
       </p:sp>
       <p:sp>
         <p:nvSpPr>
-          <p:cNvPr id="3" name="Segnaposto contenuto 2">
+          <p:cNvPr id="7" name="Segnaposto contenuto 6">
             <a:extLst>
               <a:ext uri="{FF2B5EF4-FFF2-40B4-BE49-F238E27FC236}">
-                <a16:creationId xmlns:a16="http://schemas.microsoft.com/office/drawing/2014/main" id="{0D1F4823-2969-402A-86AF-FE8D80B3F521}"/>
+                <a16:creationId xmlns:a16="http://schemas.microsoft.com/office/drawing/2014/main" id="{AD18D81D-EA23-4A8F-9342-9F8E1BAFFAC7}"/>
               </a:ext>
             </a:extLst>
           </p:cNvPr>
@@ -9654,12 +10933,14 @@
         </p:nvSpPr>
         <p:spPr>
           <a:xfrm>
-            <a:off x="1285887" y="200626"/>
-            <a:ext cx="10178322" cy="3593591"/>
+            <a:off x="1176428" y="225563"/>
+            <a:ext cx="10178322" cy="6038503"/>
           </a:xfrm>
         </p:spPr>
         <p:txBody>
-          <a:bodyPr/>
+          <a:bodyPr>
+            <a:normAutofit/>
+          </a:bodyPr>
           <a:lstStyle/>
           <a:p>
             <a:pPr marL="0" indent="0">
@@ -9667,7 +10948,145 @@
             </a:pPr>
             <a:r>
               <a:rPr lang="it-IT" dirty="0"/>
-              <a:t>con particolare riferimento alla strategie e alle tipologie di testing adottate nel progetto. Inoltre, sarebbe apprezzata la discussione di un esempio di test case sviluppato nel contesto del progetto</a:t>
+              <a:t>Nella fase dell’Object Design sono stati individuati i seguenti </a:t>
+            </a:r>
+            <a:r>
+              <a:rPr lang="it-IT" b="1" dirty="0"/>
+              <a:t>trade-off</a:t>
+            </a:r>
+            <a:r>
+              <a:rPr lang="it-IT" dirty="0"/>
+              <a:t>:</a:t>
+            </a:r>
+          </a:p>
+          <a:p>
+            <a:pPr>
+              <a:buSzPct val="140000"/>
+              <a:buBlip>
+                <a:blip r:embed="rId2"/>
+              </a:buBlip>
+            </a:pPr>
+            <a:r>
+              <a:rPr lang="it-IT" b="1" i="1" dirty="0"/>
+              <a:t>Prestazioni vs Affidabilità</a:t>
+            </a:r>
+            <a:r>
+              <a:rPr lang="it-IT" dirty="0"/>
+              <a:t>: il sistema deve garantire una minor tempi di risposta (compresi tra i 50 decimi e 1 secondo) anche a costo dell’affidabilità, se necessario.</a:t>
+            </a:r>
+          </a:p>
+          <a:p>
+            <a:pPr>
+              <a:buSzPct val="140000"/>
+              <a:buBlip>
+                <a:blip r:embed="rId2"/>
+              </a:buBlip>
+            </a:pPr>
+            <a:r>
+              <a:rPr lang="it-IT" b="1" i="1" dirty="0"/>
+              <a:t>Tempo di rilascio vs Funzionalità</a:t>
+            </a:r>
+            <a:r>
+              <a:rPr lang="it-IT" dirty="0"/>
+              <a:t>: il sistema implementerà tutte le funzioni previste a discapito dei tempi di rilascio necessari per la realizzazione degli stessi.</a:t>
+            </a:r>
+          </a:p>
+          <a:p>
+            <a:pPr>
+              <a:buSzPct val="140000"/>
+              <a:buBlip>
+                <a:blip r:embed="rId2"/>
+              </a:buBlip>
+            </a:pPr>
+            <a:r>
+              <a:rPr lang="it-IT" b="1" i="1" dirty="0"/>
+              <a:t>Disponibilità vs Tolleranza ai guasti</a:t>
+            </a:r>
+            <a:r>
+              <a:rPr lang="it-IT" dirty="0"/>
+              <a:t>: si preferisce garantire un sistema sempre disponibile anche se non affidabile o che non garantisce una coerenza dei dati coinvolti piuttosto che un sistema volto alla tolleranza ai guasti.</a:t>
+            </a:r>
+          </a:p>
+          <a:p>
+            <a:pPr>
+              <a:buSzPct val="140000"/>
+              <a:buBlip>
+                <a:blip r:embed="rId2"/>
+              </a:buBlip>
+            </a:pPr>
+            <a:r>
+              <a:rPr lang="it-IT" b="1" i="1" dirty="0"/>
+              <a:t>Buy vs Build</a:t>
+            </a:r>
+            <a:r>
+              <a:rPr lang="it-IT" dirty="0"/>
+              <a:t>: la necessità di sviluppare un’applicazione web permette di accedere ad una collezione molto vasta di framework e librerie. In questo caso infatti si vuole evitare di costruire soluzioni eccessivamente primitive che vengono già fornite in vari servizi. Per questo motivo si utilizzeranno delle componenti off-the-</a:t>
+            </a:r>
+            <a:r>
+              <a:rPr lang="it-IT" dirty="0" err="1"/>
+              <a:t>shelf</a:t>
+            </a:r>
+            <a:r>
+              <a:rPr lang="it-IT" dirty="0"/>
+              <a:t> per l’implementazione delle funzioni principali.</a:t>
+            </a:r>
+          </a:p>
+        </p:txBody>
+      </p:sp>
+      <p:sp>
+        <p:nvSpPr>
+          <p:cNvPr id="6" name="Titolo 1">
+            <a:extLst>
+              <a:ext uri="{FF2B5EF4-FFF2-40B4-BE49-F238E27FC236}">
+                <a16:creationId xmlns:a16="http://schemas.microsoft.com/office/drawing/2014/main" id="{A6C6F182-0DCE-4C5B-8CCA-0EDF8DCDBFC6}"/>
+              </a:ext>
+            </a:extLst>
+          </p:cNvPr>
+          <p:cNvSpPr txBox="1">
+            <a:spLocks/>
+          </p:cNvSpPr>
+          <p:nvPr/>
+        </p:nvSpPr>
+        <p:spPr>
+          <a:xfrm rot="16200000">
+            <a:off x="11043378" y="5804759"/>
+            <a:ext cx="1578634" cy="527848"/>
+          </a:xfrm>
+          <a:prstGeom prst="rect">
+            <a:avLst/>
+          </a:prstGeom>
+        </p:spPr>
+        <p:txBody>
+          <a:bodyPr vert="horz" lIns="91440" tIns="45720" rIns="91440" bIns="45720" rtlCol="0" anchor="t">
+            <a:normAutofit fontScale="97500" lnSpcReduction="10000"/>
+          </a:bodyPr>
+          <a:lstStyle>
+            <a:lvl1pPr algn="l" defTabSz="914400" rtl="0" eaLnBrk="1" latinLnBrk="0" hangingPunct="1">
+              <a:lnSpc>
+                <a:spcPct val="90000"/>
+              </a:lnSpc>
+              <a:spcBef>
+                <a:spcPct val="0"/>
+              </a:spcBef>
+              <a:buNone/>
+              <a:defRPr sz="5100" kern="1200" cap="all" spc="200" baseline="0">
+                <a:solidFill>
+                  <a:schemeClr val="tx2"/>
+                </a:solidFill>
+                <a:latin typeface="+mj-lt"/>
+                <a:ea typeface="+mj-ea"/>
+                <a:cs typeface="+mj-cs"/>
+              </a:defRPr>
+            </a:lvl1pPr>
+          </a:lstStyle>
+          <a:p>
+            <a:r>
+              <a:rPr lang="it-IT" sz="3600" dirty="0">
+                <a:solidFill>
+                  <a:srgbClr val="F8B323"/>
+                </a:solidFill>
+              </a:rPr>
+              <a:t>odd</a:t>
             </a:r>
           </a:p>
         </p:txBody>
@@ -9675,7 +11094,7 @@
     </p:spTree>
     <p:extLst>
       <p:ext uri="{BB962C8B-B14F-4D97-AF65-F5344CB8AC3E}">
-        <p14:creationId xmlns:p14="http://schemas.microsoft.com/office/powerpoint/2010/main" val="2350664765"/>
+        <p14:creationId xmlns:p14="http://schemas.microsoft.com/office/powerpoint/2010/main" val="1577201347"/>
       </p:ext>
     </p:extLst>
   </p:cSld>
@@ -9737,56 +11156,410 @@
                   <a:srgbClr val="F8B323"/>
                 </a:solidFill>
               </a:rPr>
-              <a:t>LESSON </a:t>
-            </a:r>
-            <a:r>
-              <a:rPr lang="it-IT" sz="4000" dirty="0" err="1">
+              <a:t>OBJECT DESIGN</a:t>
+            </a:r>
+          </a:p>
+        </p:txBody>
+      </p:sp>
+      <p:pic>
+        <p:nvPicPr>
+          <p:cNvPr id="7" name="Segnaposto contenuto 6">
+            <a:extLst>
+              <a:ext uri="{FF2B5EF4-FFF2-40B4-BE49-F238E27FC236}">
+                <a16:creationId xmlns:a16="http://schemas.microsoft.com/office/drawing/2014/main" id="{EF0C49BA-F59F-4ACE-AB8A-A1557E518F4D}"/>
+              </a:ext>
+            </a:extLst>
+          </p:cNvPr>
+          <p:cNvPicPr>
+            <a:picLocks noGrp="1" noChangeAspect="1"/>
+          </p:cNvPicPr>
+          <p:nvPr>
+            <p:ph idx="1"/>
+          </p:nvPr>
+        </p:nvPicPr>
+        <p:blipFill>
+          <a:blip r:embed="rId2">
+            <a:extLst>
+              <a:ext uri="{BEBA8EAE-BF5A-486C-A8C5-ECC9F3942E4B}">
+                <a14:imgProps xmlns:a14="http://schemas.microsoft.com/office/drawing/2010/main">
+                  <a14:imgLayer r:embed="rId3">
+                    <a14:imgEffect>
+                      <a14:backgroundRemoval t="9561" b="99483" l="9884" r="99855">
+                        <a14:foregroundMark x1="79942" y1="34109" x2="88808" y2="25581"/>
+                        <a14:foregroundMark x1="88808" y1="25581" x2="89535" y2="44186"/>
+                        <a14:foregroundMark x1="89535" y1="44186" x2="93169" y2="57623"/>
+                        <a14:foregroundMark x1="93169" y1="57623" x2="97674" y2="65891"/>
+                        <a14:foregroundMark x1="94186" y1="43152" x2="99855" y2="41860"/>
+                        <a14:foregroundMark x1="98983" y1="95607" x2="92006" y2="99483"/>
+                      </a14:backgroundRemoval>
+                    </a14:imgEffect>
+                  </a14:imgLayer>
+                </a14:imgProps>
+              </a:ext>
+              <a:ext uri="{28A0092B-C50C-407E-A947-70E740481C1C}">
+                <a14:useLocalDpi xmlns:a14="http://schemas.microsoft.com/office/drawing/2010/main" val="0"/>
+              </a:ext>
+            </a:extLst>
+          </a:blip>
+          <a:stretch>
+            <a:fillRect/>
+          </a:stretch>
+        </p:blipFill>
+        <p:spPr>
+          <a:xfrm>
+            <a:off x="5518785" y="3263900"/>
+            <a:ext cx="6389511" cy="3594100"/>
+          </a:xfrm>
+        </p:spPr>
+      </p:pic>
+      <p:sp>
+        <p:nvSpPr>
+          <p:cNvPr id="4" name="Titolo 1">
+            <a:extLst>
+              <a:ext uri="{FF2B5EF4-FFF2-40B4-BE49-F238E27FC236}">
+                <a16:creationId xmlns:a16="http://schemas.microsoft.com/office/drawing/2014/main" id="{FDFA7B44-0F00-4341-BECB-BFC10328F82B}"/>
+              </a:ext>
+            </a:extLst>
+          </p:cNvPr>
+          <p:cNvSpPr txBox="1">
+            <a:spLocks/>
+          </p:cNvSpPr>
+          <p:nvPr/>
+        </p:nvSpPr>
+        <p:spPr>
+          <a:xfrm rot="16200000">
+            <a:off x="11043378" y="5804759"/>
+            <a:ext cx="1578634" cy="527848"/>
+          </a:xfrm>
+          <a:prstGeom prst="rect">
+            <a:avLst/>
+          </a:prstGeom>
+        </p:spPr>
+        <p:txBody>
+          <a:bodyPr vert="horz" lIns="91440" tIns="45720" rIns="91440" bIns="45720" rtlCol="0" anchor="t">
+            <a:normAutofit fontScale="97500" lnSpcReduction="10000"/>
+          </a:bodyPr>
+          <a:lstStyle>
+            <a:lvl1pPr algn="l" defTabSz="914400" rtl="0" eaLnBrk="1" latinLnBrk="0" hangingPunct="1">
+              <a:lnSpc>
+                <a:spcPct val="90000"/>
+              </a:lnSpc>
+              <a:spcBef>
+                <a:spcPct val="0"/>
+              </a:spcBef>
+              <a:buNone/>
+              <a:defRPr sz="5100" kern="1200" cap="all" spc="200" baseline="0">
+                <a:solidFill>
+                  <a:schemeClr val="tx2"/>
+                </a:solidFill>
+                <a:latin typeface="+mj-lt"/>
+                <a:ea typeface="+mj-ea"/>
+                <a:cs typeface="+mj-cs"/>
+              </a:defRPr>
+            </a:lvl1pPr>
+          </a:lstStyle>
+          <a:p>
+            <a:r>
+              <a:rPr lang="it-IT" sz="3600" dirty="0">
                 <a:solidFill>
                   <a:srgbClr val="F8B323"/>
                 </a:solidFill>
               </a:rPr>
-              <a:t>learned</a:t>
-            </a:r>
-            <a:endParaRPr lang="it-IT" sz="4000" dirty="0">
-              <a:solidFill>
-                <a:srgbClr val="F8B323"/>
-              </a:solidFill>
-            </a:endParaRPr>
+              <a:t>odd</a:t>
+            </a:r>
           </a:p>
         </p:txBody>
       </p:sp>
       <p:sp>
         <p:nvSpPr>
-          <p:cNvPr id="3" name="Segnaposto contenuto 2">
+          <p:cNvPr id="8" name="Fumetto: rettangolo 7">
             <a:extLst>
               <a:ext uri="{FF2B5EF4-FFF2-40B4-BE49-F238E27FC236}">
-                <a16:creationId xmlns:a16="http://schemas.microsoft.com/office/drawing/2014/main" id="{0D1F4823-2969-402A-86AF-FE8D80B3F521}"/>
+                <a16:creationId xmlns:a16="http://schemas.microsoft.com/office/drawing/2014/main" id="{3A848A25-D9A4-4301-A00B-1D5A3C188ED0}"/>
               </a:ext>
             </a:extLst>
           </p:cNvPr>
-          <p:cNvSpPr>
-            <a:spLocks noGrp="1"/>
-          </p:cNvSpPr>
-          <p:nvPr>
-            <p:ph idx="1"/>
-          </p:nvPr>
+          <p:cNvSpPr/>
+          <p:nvPr/>
         </p:nvSpPr>
         <p:spPr>
           <a:xfrm>
-            <a:off x="1285887" y="200626"/>
-            <a:ext cx="10178322" cy="3593591"/>
+            <a:off x="6374674" y="4191531"/>
+            <a:ext cx="3852286" cy="1087833"/>
           </a:xfrm>
+          <a:prstGeom prst="wedgeRectCallout">
+            <a:avLst>
+              <a:gd name="adj1" fmla="val 55187"/>
+              <a:gd name="adj2" fmla="val -21395"/>
+            </a:avLst>
+          </a:prstGeom>
+          <a:ln>
+            <a:noFill/>
+          </a:ln>
+        </p:spPr>
+        <p:style>
+          <a:lnRef idx="2">
+            <a:schemeClr val="accent1">
+              <a:shade val="50000"/>
+            </a:schemeClr>
+          </a:lnRef>
+          <a:fillRef idx="1">
+            <a:schemeClr val="accent1"/>
+          </a:fillRef>
+          <a:effectRef idx="0">
+            <a:schemeClr val="accent1"/>
+          </a:effectRef>
+          <a:fontRef idx="minor">
+            <a:schemeClr val="lt1"/>
+          </a:fontRef>
+        </p:style>
+        <p:txBody>
+          <a:bodyPr rtlCol="0" anchor="ctr"/>
+          <a:lstStyle/>
+          <a:p>
+            <a:pPr algn="ctr"/>
+            <a:r>
+              <a:rPr lang="it-IT" dirty="0">
+                <a:solidFill>
+                  <a:schemeClr val="tx1"/>
+                </a:solidFill>
+              </a:rPr>
+              <a:t>Trovo aberrante la sconsiderata decisione di non usufruire di design pattern.</a:t>
+            </a:r>
+          </a:p>
+        </p:txBody>
+      </p:sp>
+      <p:sp>
+        <p:nvSpPr>
+          <p:cNvPr id="9" name="CasellaDiTesto 8">
+            <a:extLst>
+              <a:ext uri="{FF2B5EF4-FFF2-40B4-BE49-F238E27FC236}">
+                <a16:creationId xmlns:a16="http://schemas.microsoft.com/office/drawing/2014/main" id="{79B19D4C-85BB-458B-9067-20A8F2B09AAF}"/>
+              </a:ext>
+            </a:extLst>
+          </p:cNvPr>
+          <p:cNvSpPr txBox="1"/>
+          <p:nvPr/>
+        </p:nvSpPr>
+        <p:spPr>
+          <a:xfrm>
+            <a:off x="1045029" y="409303"/>
+            <a:ext cx="10659291" cy="3170099"/>
+          </a:xfrm>
+          <a:prstGeom prst="rect">
+            <a:avLst/>
+          </a:prstGeom>
+          <a:noFill/>
         </p:spPr>
         <p:txBody>
-          <a:bodyPr/>
+          <a:bodyPr wrap="square" rtlCol="0">
+            <a:spAutoFit/>
+          </a:bodyPr>
           <a:lstStyle/>
           <a:p>
-            <a:pPr marL="0" indent="0">
-              <a:buNone/>
+            <a:r>
+              <a:rPr lang="it-IT" sz="2000" dirty="0">
+                <a:solidFill>
+                  <a:schemeClr val="tx1">
+                    <a:lumMod val="65000"/>
+                    <a:lumOff val="35000"/>
+                  </a:schemeClr>
+                </a:solidFill>
+              </a:rPr>
+              <a:t>Nel</a:t>
+            </a:r>
+            <a:r>
+              <a:rPr lang="it-IT" dirty="0"/>
+              <a:t> </a:t>
+            </a:r>
+            <a:r>
+              <a:rPr lang="it-IT" sz="2000" dirty="0">
+                <a:solidFill>
+                  <a:schemeClr val="tx1">
+                    <a:lumMod val="65000"/>
+                    <a:lumOff val="35000"/>
+                  </a:schemeClr>
+                </a:solidFill>
+              </a:rPr>
+              <a:t>nostro progetto per non reinventare soluzioni a problemi già risolti, utilizziamo i </a:t>
+            </a:r>
+            <a:r>
+              <a:rPr lang="it-IT" sz="2000" b="1" dirty="0">
+                <a:solidFill>
+                  <a:schemeClr val="tx1">
+                    <a:lumMod val="65000"/>
+                    <a:lumOff val="35000"/>
+                  </a:schemeClr>
+                </a:solidFill>
+              </a:rPr>
+              <a:t>design pattern</a:t>
+            </a:r>
+            <a:r>
+              <a:rPr lang="it-IT" sz="2000" dirty="0">
+                <a:solidFill>
+                  <a:schemeClr val="tx1">
+                    <a:lumMod val="65000"/>
+                    <a:lumOff val="35000"/>
+                  </a:schemeClr>
+                </a:solidFill>
+              </a:rPr>
+              <a:t>, in particolare tre:</a:t>
+            </a:r>
+          </a:p>
+          <a:p>
+            <a:endParaRPr lang="it-IT" sz="2000" dirty="0">
+              <a:solidFill>
+                <a:schemeClr val="tx1">
+                  <a:lumMod val="65000"/>
+                  <a:lumOff val="35000"/>
+                </a:schemeClr>
+              </a:solidFill>
+            </a:endParaRPr>
+          </a:p>
+          <a:p>
+            <a:pPr marL="342900" indent="-342900">
+              <a:buSzPct val="140000"/>
+              <a:buBlip>
+                <a:blip r:embed="rId4"/>
+              </a:buBlip>
             </a:pPr>
             <a:r>
-              <a:rPr lang="it-IT" dirty="0"/>
-              <a:t>ovvero le principali esperienze e conoscenze apprese durante il progetto. Queste possono non solo essere relative al lato tecnico dell’ingegneria del software, ma anche e soprattutto a quello socio-tecnico (ad esempio, cosa avete appreso lavorando in gruppo? Quali errori non fareste di nuovo?</a:t>
+              <a:rPr lang="it-IT" sz="2000" b="1" dirty="0">
+                <a:solidFill>
+                  <a:schemeClr val="tx1">
+                    <a:lumMod val="65000"/>
+                    <a:lumOff val="35000"/>
+                  </a:schemeClr>
+                </a:solidFill>
+              </a:rPr>
+              <a:t>Singleton</a:t>
+            </a:r>
+          </a:p>
+          <a:p>
+            <a:pPr lvl="1">
+              <a:buSzPct val="140000"/>
+            </a:pPr>
+            <a:r>
+              <a:rPr lang="it-IT" sz="2000" dirty="0">
+                <a:solidFill>
+                  <a:schemeClr val="tx1">
+                    <a:lumMod val="65000"/>
+                    <a:lumOff val="35000"/>
+                  </a:schemeClr>
+                </a:solidFill>
+              </a:rPr>
+              <a:t>Tipo di pattern </a:t>
+            </a:r>
+            <a:r>
+              <a:rPr lang="it-IT" sz="2000" dirty="0" err="1">
+                <a:solidFill>
+                  <a:schemeClr val="tx1">
+                    <a:lumMod val="65000"/>
+                    <a:lumOff val="35000"/>
+                  </a:schemeClr>
+                </a:solidFill>
+              </a:rPr>
+              <a:t>creazionale</a:t>
+            </a:r>
+            <a:r>
+              <a:rPr lang="it-IT" sz="2000" dirty="0">
+                <a:solidFill>
+                  <a:schemeClr val="tx1">
+                    <a:lumMod val="65000"/>
+                    <a:lumOff val="35000"/>
+                  </a:schemeClr>
+                </a:solidFill>
+              </a:rPr>
+              <a:t>, che riguarda il processo di creazione di oggetti.</a:t>
+            </a:r>
+          </a:p>
+          <a:p>
+            <a:pPr marL="342900" indent="-342900">
+              <a:buSzPct val="140000"/>
+              <a:buBlip>
+                <a:blip r:embed="rId4"/>
+              </a:buBlip>
+            </a:pPr>
+            <a:r>
+              <a:rPr lang="it-IT" sz="2000" b="1" dirty="0" err="1">
+                <a:solidFill>
+                  <a:schemeClr val="tx1">
+                    <a:lumMod val="65000"/>
+                    <a:lumOff val="35000"/>
+                  </a:schemeClr>
+                </a:solidFill>
+              </a:rPr>
+              <a:t>Façade</a:t>
+            </a:r>
+            <a:endParaRPr lang="it-IT" sz="2000" b="1" dirty="0">
+              <a:solidFill>
+                <a:schemeClr val="tx1">
+                  <a:lumMod val="65000"/>
+                  <a:lumOff val="35000"/>
+                </a:schemeClr>
+              </a:solidFill>
+            </a:endParaRPr>
+          </a:p>
+          <a:p>
+            <a:pPr lvl="1">
+              <a:buSzPct val="140000"/>
+            </a:pPr>
+            <a:r>
+              <a:rPr lang="it-IT" sz="2000" dirty="0">
+                <a:solidFill>
+                  <a:schemeClr val="tx1">
+                    <a:lumMod val="65000"/>
+                    <a:lumOff val="35000"/>
+                  </a:schemeClr>
+                </a:solidFill>
+              </a:rPr>
+              <a:t>Tipo di pattern strutture, che definisce le relazioni tra classi e sottoclassi.</a:t>
+            </a:r>
+          </a:p>
+          <a:p>
+            <a:pPr marL="342900" indent="-342900">
+              <a:buSzPct val="140000"/>
+              <a:buBlip>
+                <a:blip r:embed="rId4"/>
+              </a:buBlip>
+            </a:pPr>
+            <a:r>
+              <a:rPr lang="it-IT" sz="2000" b="1" dirty="0" err="1">
+                <a:solidFill>
+                  <a:schemeClr val="tx1">
+                    <a:lumMod val="65000"/>
+                    <a:lumOff val="35000"/>
+                  </a:schemeClr>
+                </a:solidFill>
+              </a:rPr>
+              <a:t>Protection</a:t>
+            </a:r>
+            <a:r>
+              <a:rPr lang="it-IT" sz="2000" b="1" dirty="0">
+                <a:solidFill>
+                  <a:schemeClr val="tx1">
+                    <a:lumMod val="65000"/>
+                    <a:lumOff val="35000"/>
+                  </a:schemeClr>
+                </a:solidFill>
+              </a:rPr>
+              <a:t> proxy</a:t>
+            </a:r>
+          </a:p>
+          <a:p>
+            <a:pPr lvl="1">
+              <a:buSzPct val="140000"/>
+            </a:pPr>
+            <a:r>
+              <a:rPr lang="it-IT" sz="2000" dirty="0">
+                <a:solidFill>
+                  <a:schemeClr val="tx1">
+                    <a:lumMod val="65000"/>
+                    <a:lumOff val="35000"/>
+                  </a:schemeClr>
+                </a:solidFill>
+              </a:rPr>
+              <a:t>Tipo di pattern strutturale, che si occupa come gli oggetti interagiscono reciprocamente e come distribuiscono tra di essi la responsabilità.</a:t>
             </a:r>
           </a:p>
         </p:txBody>
@@ -9794,7 +11567,7 @@
     </p:spTree>
     <p:extLst>
       <p:ext uri="{BB962C8B-B14F-4D97-AF65-F5344CB8AC3E}">
-        <p14:creationId xmlns:p14="http://schemas.microsoft.com/office/powerpoint/2010/main" val="3869268727"/>
+        <p14:creationId xmlns:p14="http://schemas.microsoft.com/office/powerpoint/2010/main" val="3456291858"/>
       </p:ext>
     </p:extLst>
   </p:cSld>
@@ -9851,27 +11624,80 @@
           <a:p>
             <a:pPr algn="r"/>
             <a:r>
-              <a:rPr lang="it-IT" sz="4000" dirty="0" err="1">
+              <a:rPr lang="it-IT" sz="4000" dirty="0">
                 <a:solidFill>
                   <a:srgbClr val="F8B323"/>
                 </a:solidFill>
               </a:rPr>
-              <a:t>effort</a:t>
-            </a:r>
-            <a:endParaRPr lang="it-IT" sz="4000" dirty="0">
-              <a:solidFill>
-                <a:srgbClr val="F8B323"/>
-              </a:solidFill>
-            </a:endParaRPr>
+              <a:t>OBJECT DESIGN - singleton</a:t>
+            </a:r>
           </a:p>
         </p:txBody>
       </p:sp>
       <p:sp>
         <p:nvSpPr>
-          <p:cNvPr id="3" name="Segnaposto contenuto 2">
+          <p:cNvPr id="4" name="Titolo 1">
             <a:extLst>
               <a:ext uri="{FF2B5EF4-FFF2-40B4-BE49-F238E27FC236}">
-                <a16:creationId xmlns:a16="http://schemas.microsoft.com/office/drawing/2014/main" id="{0D1F4823-2969-402A-86AF-FE8D80B3F521}"/>
+                <a16:creationId xmlns:a16="http://schemas.microsoft.com/office/drawing/2014/main" id="{FDFA7B44-0F00-4341-BECB-BFC10328F82B}"/>
+              </a:ext>
+            </a:extLst>
+          </p:cNvPr>
+          <p:cNvSpPr txBox="1">
+            <a:spLocks/>
+          </p:cNvSpPr>
+          <p:nvPr/>
+        </p:nvSpPr>
+        <p:spPr>
+          <a:xfrm rot="16200000">
+            <a:off x="11043378" y="5804759"/>
+            <a:ext cx="1578634" cy="527848"/>
+          </a:xfrm>
+          <a:prstGeom prst="rect">
+            <a:avLst/>
+          </a:prstGeom>
+        </p:spPr>
+        <p:txBody>
+          <a:bodyPr vert="horz" lIns="91440" tIns="45720" rIns="91440" bIns="45720" rtlCol="0" anchor="t">
+            <a:normAutofit fontScale="97500" lnSpcReduction="10000"/>
+          </a:bodyPr>
+          <a:lstStyle>
+            <a:lvl1pPr algn="l" defTabSz="914400" rtl="0" eaLnBrk="1" latinLnBrk="0" hangingPunct="1">
+              <a:lnSpc>
+                <a:spcPct val="90000"/>
+              </a:lnSpc>
+              <a:spcBef>
+                <a:spcPct val="0"/>
+              </a:spcBef>
+              <a:buNone/>
+              <a:defRPr sz="5100" kern="1200" cap="all" spc="200" baseline="0">
+                <a:solidFill>
+                  <a:schemeClr val="tx2"/>
+                </a:solidFill>
+                <a:latin typeface="+mj-lt"/>
+                <a:ea typeface="+mj-ea"/>
+                <a:cs typeface="+mj-cs"/>
+              </a:defRPr>
+            </a:lvl1pPr>
+          </a:lstStyle>
+          <a:p>
+            <a:r>
+              <a:rPr lang="it-IT" sz="3600" dirty="0">
+                <a:solidFill>
+                  <a:srgbClr val="F8B323"/>
+                </a:solidFill>
+              </a:rPr>
+              <a:t>odd</a:t>
+            </a:r>
+          </a:p>
+        </p:txBody>
+      </p:sp>
+      <p:sp>
+        <p:nvSpPr>
+          <p:cNvPr id="5" name="Segnaposto contenuto 4">
+            <a:extLst>
+              <a:ext uri="{FF2B5EF4-FFF2-40B4-BE49-F238E27FC236}">
+                <a16:creationId xmlns:a16="http://schemas.microsoft.com/office/drawing/2014/main" id="{4007AA87-826E-4B21-8762-CD6068594966}"/>
               </a:ext>
             </a:extLst>
           </p:cNvPr>
@@ -9884,12 +11710,14 @@
         </p:nvSpPr>
         <p:spPr>
           <a:xfrm>
-            <a:off x="1285887" y="200626"/>
-            <a:ext cx="10178322" cy="3593591"/>
+            <a:off x="1181443" y="5059680"/>
+            <a:ext cx="10178322" cy="1473055"/>
           </a:xfrm>
         </p:spPr>
         <p:txBody>
-          <a:bodyPr/>
+          <a:bodyPr>
+            <a:normAutofit/>
+          </a:bodyPr>
           <a:lstStyle/>
           <a:p>
             <a:pPr marL="0" indent="0">
@@ -9897,23 +11725,357 @@
             </a:pPr>
             <a:r>
               <a:rPr lang="it-IT" dirty="0"/>
-              <a:t>Una ***chiara*** indicazione di come l’</a:t>
+              <a:t>Abbiamo utilizzato questo design pattern per gestire la classe </a:t>
             </a:r>
             <a:r>
               <a:rPr lang="it-IT" dirty="0" err="1"/>
-              <a:t>effort</a:t>
+              <a:t>ConnectionSingleton</a:t>
             </a:r>
             <a:r>
               <a:rPr lang="it-IT" dirty="0"/>
-              <a:t> del progetto è stato distribuito tra i membri del team. A questo proposito, vi ricordiamo che i vari artefatti sviluppati nel progetto devono avere l’indicazione dell’autore (o degli autori) - pertanto, sarebbe apprezzato caricare una documentazione finale che indichi i contributi individuali</a:t>
-            </a:r>
+              <a:t> che consente di effettuare tutte le operazioni con il database.</a:t>
+            </a:r>
+          </a:p>
+        </p:txBody>
+      </p:sp>
+      <p:pic>
+        <p:nvPicPr>
+          <p:cNvPr id="10" name="image5.png">
+            <a:extLst>
+              <a:ext uri="{FF2B5EF4-FFF2-40B4-BE49-F238E27FC236}">
+                <a16:creationId xmlns:a16="http://schemas.microsoft.com/office/drawing/2014/main" id="{6CDEB163-A991-4A5D-A61D-8C475370B836}"/>
+              </a:ext>
+            </a:extLst>
+          </p:cNvPr>
+          <p:cNvPicPr/>
+          <p:nvPr/>
+        </p:nvPicPr>
+        <p:blipFill>
+          <a:blip r:embed="rId2">
+            <a:extLst>
+              <a:ext uri="{28A0092B-C50C-407E-A947-70E740481C1C}">
+                <a14:useLocalDpi xmlns:a14="http://schemas.microsoft.com/office/drawing/2010/main" val="0"/>
+              </a:ext>
+            </a:extLst>
+          </a:blip>
+          <a:stretch>
+            <a:fillRect/>
+          </a:stretch>
+        </p:blipFill>
+        <p:spPr>
+          <a:xfrm>
+            <a:off x="7246408" y="94832"/>
+            <a:ext cx="4586287" cy="4833027"/>
+          </a:xfrm>
+          <a:prstGeom prst="rect">
+            <a:avLst/>
+          </a:prstGeom>
+          <a:ln/>
+        </p:spPr>
+      </p:pic>
+      <p:sp>
+        <p:nvSpPr>
+          <p:cNvPr id="12" name="Segnaposto contenuto 4">
+            <a:extLst>
+              <a:ext uri="{FF2B5EF4-FFF2-40B4-BE49-F238E27FC236}">
+                <a16:creationId xmlns:a16="http://schemas.microsoft.com/office/drawing/2014/main" id="{6275FCE3-F8FB-4863-9971-8CEFCBA8C740}"/>
+              </a:ext>
+            </a:extLst>
+          </p:cNvPr>
+          <p:cNvSpPr txBox="1">
+            <a:spLocks/>
+          </p:cNvSpPr>
+          <p:nvPr/>
+        </p:nvSpPr>
+        <p:spPr>
+          <a:xfrm>
+            <a:off x="1181443" y="195943"/>
+            <a:ext cx="5855083" cy="4731916"/>
+          </a:xfrm>
+          <a:prstGeom prst="rect">
+            <a:avLst/>
+          </a:prstGeom>
+        </p:spPr>
+        <p:txBody>
+          <a:bodyPr vert="horz" lIns="91440" tIns="45720" rIns="91440" bIns="45720" rtlCol="0">
+            <a:normAutofit/>
+          </a:bodyPr>
+          <a:lstStyle>
+            <a:lvl1pPr marL="228600" indent="-228600" algn="l" defTabSz="914400" rtl="0" eaLnBrk="1" latinLnBrk="0" hangingPunct="1">
+              <a:lnSpc>
+                <a:spcPct val="110000"/>
+              </a:lnSpc>
+              <a:spcBef>
+                <a:spcPts val="700"/>
+              </a:spcBef>
+              <a:buClr>
+                <a:schemeClr val="tx2"/>
+              </a:buClr>
+              <a:buFont typeface="Arial" panose="020B0604020202020204" pitchFamily="34" charset="0"/>
+              <a:buChar char="•"/>
+              <a:defRPr sz="2000" kern="1200">
+                <a:solidFill>
+                  <a:schemeClr val="tx1">
+                    <a:lumMod val="65000"/>
+                    <a:lumOff val="35000"/>
+                  </a:schemeClr>
+                </a:solidFill>
+                <a:latin typeface="+mn-lt"/>
+                <a:ea typeface="+mn-ea"/>
+                <a:cs typeface="+mn-cs"/>
+              </a:defRPr>
+            </a:lvl1pPr>
+            <a:lvl2pPr marL="685800" indent="-228600" algn="l" defTabSz="914400" rtl="0" eaLnBrk="1" latinLnBrk="0" hangingPunct="1">
+              <a:lnSpc>
+                <a:spcPct val="110000"/>
+              </a:lnSpc>
+              <a:spcBef>
+                <a:spcPts val="700"/>
+              </a:spcBef>
+              <a:buClr>
+                <a:schemeClr val="tx2"/>
+              </a:buClr>
+              <a:buFont typeface="Gill Sans MT" panose="020B0502020104020203" pitchFamily="34" charset="0"/>
+              <a:buChar char="–"/>
+              <a:defRPr sz="1800" kern="1200">
+                <a:solidFill>
+                  <a:schemeClr val="tx1">
+                    <a:lumMod val="65000"/>
+                    <a:lumOff val="35000"/>
+                  </a:schemeClr>
+                </a:solidFill>
+                <a:latin typeface="+mn-lt"/>
+                <a:ea typeface="+mn-ea"/>
+                <a:cs typeface="+mn-cs"/>
+              </a:defRPr>
+            </a:lvl2pPr>
+            <a:lvl3pPr marL="1143000" indent="-228600" algn="l" defTabSz="914400" rtl="0" eaLnBrk="1" latinLnBrk="0" hangingPunct="1">
+              <a:lnSpc>
+                <a:spcPct val="110000"/>
+              </a:lnSpc>
+              <a:spcBef>
+                <a:spcPts val="700"/>
+              </a:spcBef>
+              <a:buClr>
+                <a:schemeClr val="tx2"/>
+              </a:buClr>
+              <a:buFont typeface="Arial" panose="020B0604020202020204" pitchFamily="34" charset="0"/>
+              <a:buChar char="•"/>
+              <a:defRPr sz="1600" kern="1200">
+                <a:solidFill>
+                  <a:schemeClr val="tx1">
+                    <a:lumMod val="65000"/>
+                    <a:lumOff val="35000"/>
+                  </a:schemeClr>
+                </a:solidFill>
+                <a:latin typeface="+mn-lt"/>
+                <a:ea typeface="+mn-ea"/>
+                <a:cs typeface="+mn-cs"/>
+              </a:defRPr>
+            </a:lvl3pPr>
+            <a:lvl4pPr marL="1600200" indent="-228600" algn="l" defTabSz="914400" rtl="0" eaLnBrk="1" latinLnBrk="0" hangingPunct="1">
+              <a:lnSpc>
+                <a:spcPct val="110000"/>
+              </a:lnSpc>
+              <a:spcBef>
+                <a:spcPts val="700"/>
+              </a:spcBef>
+              <a:buClr>
+                <a:schemeClr val="tx2"/>
+              </a:buClr>
+              <a:buFont typeface="Gill Sans MT" panose="020B0502020104020203" pitchFamily="34" charset="0"/>
+              <a:buChar char="–"/>
+              <a:defRPr sz="1400" kern="1200">
+                <a:solidFill>
+                  <a:schemeClr val="tx1">
+                    <a:lumMod val="65000"/>
+                    <a:lumOff val="35000"/>
+                  </a:schemeClr>
+                </a:solidFill>
+                <a:latin typeface="+mn-lt"/>
+                <a:ea typeface="+mn-ea"/>
+                <a:cs typeface="+mn-cs"/>
+              </a:defRPr>
+            </a:lvl4pPr>
+            <a:lvl5pPr marL="2057400" indent="-228600" algn="l" defTabSz="914400" rtl="0" eaLnBrk="1" latinLnBrk="0" hangingPunct="1">
+              <a:lnSpc>
+                <a:spcPct val="110000"/>
+              </a:lnSpc>
+              <a:spcBef>
+                <a:spcPts val="700"/>
+              </a:spcBef>
+              <a:buClr>
+                <a:schemeClr val="tx2"/>
+              </a:buClr>
+              <a:buFont typeface="Arial" panose="020B0604020202020204" pitchFamily="34" charset="0"/>
+              <a:buChar char="•"/>
+              <a:defRPr sz="1400" kern="1200">
+                <a:solidFill>
+                  <a:schemeClr val="tx1">
+                    <a:lumMod val="65000"/>
+                    <a:lumOff val="35000"/>
+                  </a:schemeClr>
+                </a:solidFill>
+                <a:latin typeface="+mn-lt"/>
+                <a:ea typeface="+mn-ea"/>
+                <a:cs typeface="+mn-cs"/>
+              </a:defRPr>
+            </a:lvl5pPr>
+            <a:lvl6pPr marL="2514600" indent="-228600" algn="l" defTabSz="914400" rtl="0" eaLnBrk="1" latinLnBrk="0" hangingPunct="1">
+              <a:lnSpc>
+                <a:spcPct val="110000"/>
+              </a:lnSpc>
+              <a:spcBef>
+                <a:spcPts val="700"/>
+              </a:spcBef>
+              <a:buClr>
+                <a:schemeClr val="tx2"/>
+              </a:buClr>
+              <a:buFont typeface="Gill Sans MT" panose="020B0502020104020203" pitchFamily="34" charset="0"/>
+              <a:buChar char="–"/>
+              <a:defRPr sz="1400" kern="1200">
+                <a:solidFill>
+                  <a:schemeClr val="tx1">
+                    <a:lumMod val="65000"/>
+                    <a:lumOff val="35000"/>
+                  </a:schemeClr>
+                </a:solidFill>
+                <a:latin typeface="+mn-lt"/>
+                <a:ea typeface="+mn-ea"/>
+                <a:cs typeface="+mn-cs"/>
+              </a:defRPr>
+            </a:lvl6pPr>
+            <a:lvl7pPr marL="2971800" indent="-228600" algn="l" defTabSz="914400" rtl="0" eaLnBrk="1" latinLnBrk="0" hangingPunct="1">
+              <a:lnSpc>
+                <a:spcPct val="110000"/>
+              </a:lnSpc>
+              <a:spcBef>
+                <a:spcPts val="700"/>
+              </a:spcBef>
+              <a:buClr>
+                <a:schemeClr val="tx2"/>
+              </a:buClr>
+              <a:buFont typeface="Arial" panose="020B0604020202020204" pitchFamily="34" charset="0"/>
+              <a:buChar char="•"/>
+              <a:defRPr sz="1400" kern="1200">
+                <a:solidFill>
+                  <a:schemeClr val="tx1">
+                    <a:lumMod val="65000"/>
+                    <a:lumOff val="35000"/>
+                  </a:schemeClr>
+                </a:solidFill>
+                <a:latin typeface="+mn-lt"/>
+                <a:ea typeface="+mn-ea"/>
+                <a:cs typeface="+mn-cs"/>
+              </a:defRPr>
+            </a:lvl7pPr>
+            <a:lvl8pPr marL="3429000" indent="-228600" algn="l" defTabSz="914400" rtl="0" eaLnBrk="1" latinLnBrk="0" hangingPunct="1">
+              <a:lnSpc>
+                <a:spcPct val="110000"/>
+              </a:lnSpc>
+              <a:spcBef>
+                <a:spcPts val="700"/>
+              </a:spcBef>
+              <a:buClr>
+                <a:schemeClr val="tx2"/>
+              </a:buClr>
+              <a:buFont typeface="Gill Sans MT" panose="020B0502020104020203" pitchFamily="34" charset="0"/>
+              <a:buChar char="–"/>
+              <a:defRPr sz="1400" kern="1200" baseline="0">
+                <a:solidFill>
+                  <a:schemeClr val="tx1">
+                    <a:lumMod val="65000"/>
+                    <a:lumOff val="35000"/>
+                  </a:schemeClr>
+                </a:solidFill>
+                <a:latin typeface="+mn-lt"/>
+                <a:ea typeface="+mn-ea"/>
+                <a:cs typeface="+mn-cs"/>
+              </a:defRPr>
+            </a:lvl8pPr>
+            <a:lvl9pPr marL="3886200" indent="-228600" algn="l" defTabSz="914400" rtl="0" eaLnBrk="1" latinLnBrk="0" hangingPunct="1">
+              <a:lnSpc>
+                <a:spcPct val="110000"/>
+              </a:lnSpc>
+              <a:spcBef>
+                <a:spcPts val="700"/>
+              </a:spcBef>
+              <a:buClr>
+                <a:schemeClr val="tx2"/>
+              </a:buClr>
+              <a:buFont typeface="Arial" panose="020B0604020202020204" pitchFamily="34" charset="0"/>
+              <a:buChar char="•"/>
+              <a:defRPr sz="1400" kern="1200" baseline="0">
+                <a:solidFill>
+                  <a:schemeClr val="tx1">
+                    <a:lumMod val="65000"/>
+                    <a:lumOff val="35000"/>
+                  </a:schemeClr>
+                </a:solidFill>
+                <a:latin typeface="+mn-lt"/>
+                <a:ea typeface="+mn-ea"/>
+                <a:cs typeface="+mn-cs"/>
+              </a:defRPr>
+            </a:lvl9pPr>
+          </a:lstStyle>
+          <a:p>
+            <a:pPr marL="0" indent="0">
+              <a:buFont typeface="Arial" panose="020B0604020202020204" pitchFamily="34" charset="0"/>
+              <a:buNone/>
+            </a:pPr>
+            <a:r>
+              <a:rPr lang="it-IT" dirty="0"/>
+              <a:t>Nel livello dei Model sono presenti tre sottosistemi i quali gestiscono la comunicazione con le relative tabelle presenti nel database.</a:t>
+            </a:r>
+          </a:p>
+          <a:p>
+            <a:pPr marL="0" indent="0">
+              <a:buFont typeface="Arial" panose="020B0604020202020204" pitchFamily="34" charset="0"/>
+              <a:buNone/>
+            </a:pPr>
+            <a:r>
+              <a:rPr lang="it-IT" dirty="0"/>
+              <a:t>Al fine di evitare di istanziare a ogni chiamata al database la connessione al suddetto, abbiamo usufruito del design pattern </a:t>
+            </a:r>
+            <a:r>
+              <a:rPr lang="it-IT" b="1" dirty="0"/>
+              <a:t>singleton</a:t>
+            </a:r>
+            <a:r>
+              <a:rPr lang="it-IT" dirty="0"/>
+              <a:t>, il quale ci ha permesso di generare una singola istanza al database che avverrà a ogni avvio del programma.</a:t>
+            </a:r>
+          </a:p>
+          <a:p>
+            <a:pPr marL="0" indent="0">
+              <a:buNone/>
+            </a:pPr>
+            <a:r>
+              <a:rPr lang="it-IT" dirty="0"/>
+              <a:t>Il singleton dunque è un design pattern </a:t>
+            </a:r>
+            <a:r>
+              <a:rPr lang="it-IT" dirty="0" err="1"/>
+              <a:t>creazionale</a:t>
+            </a:r>
+            <a:r>
+              <a:rPr lang="it-IT" dirty="0"/>
+              <a:t> che ha lo scopo di garantire che di una determinata classe venga creata una e una sola istanza, e di fornire un punto di accesso globale a tale istanza.</a:t>
+            </a:r>
+          </a:p>
+          <a:p>
+            <a:pPr marL="0" indent="0">
+              <a:buFont typeface="Arial" panose="020B0604020202020204" pitchFamily="34" charset="0"/>
+              <a:buNone/>
+            </a:pPr>
+            <a:endParaRPr lang="it-IT" dirty="0"/>
           </a:p>
         </p:txBody>
       </p:sp>
     </p:spTree>
     <p:extLst>
       <p:ext uri="{BB962C8B-B14F-4D97-AF65-F5344CB8AC3E}">
-        <p14:creationId xmlns:p14="http://schemas.microsoft.com/office/powerpoint/2010/main" val="2445842115"/>
+        <p14:creationId xmlns:p14="http://schemas.microsoft.com/office/powerpoint/2010/main" val="313320276"/>
       </p:ext>
     </p:extLst>
   </p:cSld>
@@ -9975,170 +12137,676 @@
                   <a:srgbClr val="F8B323"/>
                 </a:solidFill>
               </a:rPr>
-              <a:t>metriche</a:t>
-            </a:r>
+              <a:t>OBJECT DESIGN - </a:t>
+            </a:r>
+            <a:r>
+              <a:rPr lang="it-IT" sz="4000" dirty="0" err="1">
+                <a:solidFill>
+                  <a:srgbClr val="F8B323"/>
+                </a:solidFill>
+              </a:rPr>
+              <a:t>FAçade</a:t>
+            </a:r>
+            <a:endParaRPr lang="it-IT" sz="4000" dirty="0">
+              <a:solidFill>
+                <a:srgbClr val="F8B323"/>
+              </a:solidFill>
+            </a:endParaRPr>
           </a:p>
         </p:txBody>
       </p:sp>
       <p:sp>
         <p:nvSpPr>
-          <p:cNvPr id="3" name="Segnaposto contenuto 2">
+          <p:cNvPr id="4" name="Titolo 1">
             <a:extLst>
               <a:ext uri="{FF2B5EF4-FFF2-40B4-BE49-F238E27FC236}">
-                <a16:creationId xmlns:a16="http://schemas.microsoft.com/office/drawing/2014/main" id="{0D1F4823-2969-402A-86AF-FE8D80B3F521}"/>
+                <a16:creationId xmlns:a16="http://schemas.microsoft.com/office/drawing/2014/main" id="{FDFA7B44-0F00-4341-BECB-BFC10328F82B}"/>
               </a:ext>
             </a:extLst>
           </p:cNvPr>
-          <p:cNvSpPr>
-            <a:spLocks noGrp="1"/>
+          <p:cNvSpPr txBox="1">
+            <a:spLocks/>
           </p:cNvSpPr>
-          <p:nvPr>
-            <p:ph idx="1"/>
-          </p:nvPr>
+          <p:nvPr/>
+        </p:nvSpPr>
+        <p:spPr>
+          <a:xfrm rot="16200000">
+            <a:off x="11043378" y="5804759"/>
+            <a:ext cx="1578634" cy="527848"/>
+          </a:xfrm>
+          <a:prstGeom prst="rect">
+            <a:avLst/>
+          </a:prstGeom>
+        </p:spPr>
+        <p:txBody>
+          <a:bodyPr vert="horz" lIns="91440" tIns="45720" rIns="91440" bIns="45720" rtlCol="0" anchor="t">
+            <a:normAutofit fontScale="97500" lnSpcReduction="10000"/>
+          </a:bodyPr>
+          <a:lstStyle>
+            <a:lvl1pPr algn="l" defTabSz="914400" rtl="0" eaLnBrk="1" latinLnBrk="0" hangingPunct="1">
+              <a:lnSpc>
+                <a:spcPct val="90000"/>
+              </a:lnSpc>
+              <a:spcBef>
+                <a:spcPct val="0"/>
+              </a:spcBef>
+              <a:buNone/>
+              <a:defRPr sz="5100" kern="1200" cap="all" spc="200" baseline="0">
+                <a:solidFill>
+                  <a:schemeClr val="tx2"/>
+                </a:solidFill>
+                <a:latin typeface="+mj-lt"/>
+                <a:ea typeface="+mj-ea"/>
+                <a:cs typeface="+mj-cs"/>
+              </a:defRPr>
+            </a:lvl1pPr>
+          </a:lstStyle>
+          <a:p>
+            <a:r>
+              <a:rPr lang="it-IT" sz="3600" dirty="0">
+                <a:solidFill>
+                  <a:srgbClr val="F8B323"/>
+                </a:solidFill>
+              </a:rPr>
+              <a:t>odd</a:t>
+            </a:r>
+          </a:p>
+        </p:txBody>
+      </p:sp>
+      <p:sp>
+        <p:nvSpPr>
+          <p:cNvPr id="12" name="Segnaposto contenuto 4">
+            <a:extLst>
+              <a:ext uri="{FF2B5EF4-FFF2-40B4-BE49-F238E27FC236}">
+                <a16:creationId xmlns:a16="http://schemas.microsoft.com/office/drawing/2014/main" id="{6275FCE3-F8FB-4863-9971-8CEFCBA8C740}"/>
+              </a:ext>
+            </a:extLst>
+          </p:cNvPr>
+          <p:cNvSpPr txBox="1">
+            <a:spLocks/>
+          </p:cNvSpPr>
+          <p:nvPr/>
         </p:nvSpPr>
         <p:spPr>
           <a:xfrm>
-            <a:off x="1285887" y="200626"/>
-            <a:ext cx="10178322" cy="3593591"/>
+            <a:off x="1182456" y="1872343"/>
+            <a:ext cx="4496546" cy="4632959"/>
           </a:xfrm>
+          <a:prstGeom prst="rect">
+            <a:avLst/>
+          </a:prstGeom>
         </p:spPr>
         <p:txBody>
-          <a:bodyPr/>
-          <a:lstStyle/>
-          <a:p>
-            <a:pPr marL="0" indent="0" algn="l">
+          <a:bodyPr vert="horz" lIns="91440" tIns="45720" rIns="91440" bIns="45720" rtlCol="0">
+            <a:normAutofit fontScale="92500" lnSpcReduction="10000"/>
+          </a:bodyPr>
+          <a:lstStyle>
+            <a:lvl1pPr marL="228600" indent="-228600" algn="l" defTabSz="914400" rtl="0" eaLnBrk="1" latinLnBrk="0" hangingPunct="1">
+              <a:lnSpc>
+                <a:spcPct val="110000"/>
+              </a:lnSpc>
+              <a:spcBef>
+                <a:spcPts val="700"/>
+              </a:spcBef>
+              <a:buClr>
+                <a:schemeClr val="tx2"/>
+              </a:buClr>
+              <a:buFont typeface="Arial" panose="020B0604020202020204" pitchFamily="34" charset="0"/>
+              <a:buChar char="•"/>
+              <a:defRPr sz="2000" kern="1200">
+                <a:solidFill>
+                  <a:schemeClr val="tx1">
+                    <a:lumMod val="65000"/>
+                    <a:lumOff val="35000"/>
+                  </a:schemeClr>
+                </a:solidFill>
+                <a:latin typeface="+mn-lt"/>
+                <a:ea typeface="+mn-ea"/>
+                <a:cs typeface="+mn-cs"/>
+              </a:defRPr>
+            </a:lvl1pPr>
+            <a:lvl2pPr marL="685800" indent="-228600" algn="l" defTabSz="914400" rtl="0" eaLnBrk="1" latinLnBrk="0" hangingPunct="1">
+              <a:lnSpc>
+                <a:spcPct val="110000"/>
+              </a:lnSpc>
+              <a:spcBef>
+                <a:spcPts val="700"/>
+              </a:spcBef>
+              <a:buClr>
+                <a:schemeClr val="tx2"/>
+              </a:buClr>
+              <a:buFont typeface="Gill Sans MT" panose="020B0502020104020203" pitchFamily="34" charset="0"/>
+              <a:buChar char="–"/>
+              <a:defRPr sz="1800" kern="1200">
+                <a:solidFill>
+                  <a:schemeClr val="tx1">
+                    <a:lumMod val="65000"/>
+                    <a:lumOff val="35000"/>
+                  </a:schemeClr>
+                </a:solidFill>
+                <a:latin typeface="+mn-lt"/>
+                <a:ea typeface="+mn-ea"/>
+                <a:cs typeface="+mn-cs"/>
+              </a:defRPr>
+            </a:lvl2pPr>
+            <a:lvl3pPr marL="1143000" indent="-228600" algn="l" defTabSz="914400" rtl="0" eaLnBrk="1" latinLnBrk="0" hangingPunct="1">
+              <a:lnSpc>
+                <a:spcPct val="110000"/>
+              </a:lnSpc>
+              <a:spcBef>
+                <a:spcPts val="700"/>
+              </a:spcBef>
+              <a:buClr>
+                <a:schemeClr val="tx2"/>
+              </a:buClr>
+              <a:buFont typeface="Arial" panose="020B0604020202020204" pitchFamily="34" charset="0"/>
+              <a:buChar char="•"/>
+              <a:defRPr sz="1600" kern="1200">
+                <a:solidFill>
+                  <a:schemeClr val="tx1">
+                    <a:lumMod val="65000"/>
+                    <a:lumOff val="35000"/>
+                  </a:schemeClr>
+                </a:solidFill>
+                <a:latin typeface="+mn-lt"/>
+                <a:ea typeface="+mn-ea"/>
+                <a:cs typeface="+mn-cs"/>
+              </a:defRPr>
+            </a:lvl3pPr>
+            <a:lvl4pPr marL="1600200" indent="-228600" algn="l" defTabSz="914400" rtl="0" eaLnBrk="1" latinLnBrk="0" hangingPunct="1">
+              <a:lnSpc>
+                <a:spcPct val="110000"/>
+              </a:lnSpc>
+              <a:spcBef>
+                <a:spcPts val="700"/>
+              </a:spcBef>
+              <a:buClr>
+                <a:schemeClr val="tx2"/>
+              </a:buClr>
+              <a:buFont typeface="Gill Sans MT" panose="020B0502020104020203" pitchFamily="34" charset="0"/>
+              <a:buChar char="–"/>
+              <a:defRPr sz="1400" kern="1200">
+                <a:solidFill>
+                  <a:schemeClr val="tx1">
+                    <a:lumMod val="65000"/>
+                    <a:lumOff val="35000"/>
+                  </a:schemeClr>
+                </a:solidFill>
+                <a:latin typeface="+mn-lt"/>
+                <a:ea typeface="+mn-ea"/>
+                <a:cs typeface="+mn-cs"/>
+              </a:defRPr>
+            </a:lvl4pPr>
+            <a:lvl5pPr marL="2057400" indent="-228600" algn="l" defTabSz="914400" rtl="0" eaLnBrk="1" latinLnBrk="0" hangingPunct="1">
+              <a:lnSpc>
+                <a:spcPct val="110000"/>
+              </a:lnSpc>
+              <a:spcBef>
+                <a:spcPts val="700"/>
+              </a:spcBef>
+              <a:buClr>
+                <a:schemeClr val="tx2"/>
+              </a:buClr>
+              <a:buFont typeface="Arial" panose="020B0604020202020204" pitchFamily="34" charset="0"/>
+              <a:buChar char="•"/>
+              <a:defRPr sz="1400" kern="1200">
+                <a:solidFill>
+                  <a:schemeClr val="tx1">
+                    <a:lumMod val="65000"/>
+                    <a:lumOff val="35000"/>
+                  </a:schemeClr>
+                </a:solidFill>
+                <a:latin typeface="+mn-lt"/>
+                <a:ea typeface="+mn-ea"/>
+                <a:cs typeface="+mn-cs"/>
+              </a:defRPr>
+            </a:lvl5pPr>
+            <a:lvl6pPr marL="2514600" indent="-228600" algn="l" defTabSz="914400" rtl="0" eaLnBrk="1" latinLnBrk="0" hangingPunct="1">
+              <a:lnSpc>
+                <a:spcPct val="110000"/>
+              </a:lnSpc>
+              <a:spcBef>
+                <a:spcPts val="700"/>
+              </a:spcBef>
+              <a:buClr>
+                <a:schemeClr val="tx2"/>
+              </a:buClr>
+              <a:buFont typeface="Gill Sans MT" panose="020B0502020104020203" pitchFamily="34" charset="0"/>
+              <a:buChar char="–"/>
+              <a:defRPr sz="1400" kern="1200">
+                <a:solidFill>
+                  <a:schemeClr val="tx1">
+                    <a:lumMod val="65000"/>
+                    <a:lumOff val="35000"/>
+                  </a:schemeClr>
+                </a:solidFill>
+                <a:latin typeface="+mn-lt"/>
+                <a:ea typeface="+mn-ea"/>
+                <a:cs typeface="+mn-cs"/>
+              </a:defRPr>
+            </a:lvl6pPr>
+            <a:lvl7pPr marL="2971800" indent="-228600" algn="l" defTabSz="914400" rtl="0" eaLnBrk="1" latinLnBrk="0" hangingPunct="1">
+              <a:lnSpc>
+                <a:spcPct val="110000"/>
+              </a:lnSpc>
+              <a:spcBef>
+                <a:spcPts val="700"/>
+              </a:spcBef>
+              <a:buClr>
+                <a:schemeClr val="tx2"/>
+              </a:buClr>
+              <a:buFont typeface="Arial" panose="020B0604020202020204" pitchFamily="34" charset="0"/>
+              <a:buChar char="•"/>
+              <a:defRPr sz="1400" kern="1200">
+                <a:solidFill>
+                  <a:schemeClr val="tx1">
+                    <a:lumMod val="65000"/>
+                    <a:lumOff val="35000"/>
+                  </a:schemeClr>
+                </a:solidFill>
+                <a:latin typeface="+mn-lt"/>
+                <a:ea typeface="+mn-ea"/>
+                <a:cs typeface="+mn-cs"/>
+              </a:defRPr>
+            </a:lvl7pPr>
+            <a:lvl8pPr marL="3429000" indent="-228600" algn="l" defTabSz="914400" rtl="0" eaLnBrk="1" latinLnBrk="0" hangingPunct="1">
+              <a:lnSpc>
+                <a:spcPct val="110000"/>
+              </a:lnSpc>
+              <a:spcBef>
+                <a:spcPts val="700"/>
+              </a:spcBef>
+              <a:buClr>
+                <a:schemeClr val="tx2"/>
+              </a:buClr>
+              <a:buFont typeface="Gill Sans MT" panose="020B0502020104020203" pitchFamily="34" charset="0"/>
+              <a:buChar char="–"/>
+              <a:defRPr sz="1400" kern="1200" baseline="0">
+                <a:solidFill>
+                  <a:schemeClr val="tx1">
+                    <a:lumMod val="65000"/>
+                    <a:lumOff val="35000"/>
+                  </a:schemeClr>
+                </a:solidFill>
+                <a:latin typeface="+mn-lt"/>
+                <a:ea typeface="+mn-ea"/>
+                <a:cs typeface="+mn-cs"/>
+              </a:defRPr>
+            </a:lvl8pPr>
+            <a:lvl9pPr marL="3886200" indent="-228600" algn="l" defTabSz="914400" rtl="0" eaLnBrk="1" latinLnBrk="0" hangingPunct="1">
+              <a:lnSpc>
+                <a:spcPct val="110000"/>
+              </a:lnSpc>
+              <a:spcBef>
+                <a:spcPts val="700"/>
+              </a:spcBef>
+              <a:buClr>
+                <a:schemeClr val="tx2"/>
+              </a:buClr>
+              <a:buFont typeface="Arial" panose="020B0604020202020204" pitchFamily="34" charset="0"/>
+              <a:buChar char="•"/>
+              <a:defRPr sz="1400" kern="1200" baseline="0">
+                <a:solidFill>
+                  <a:schemeClr val="tx1">
+                    <a:lumMod val="65000"/>
+                    <a:lumOff val="35000"/>
+                  </a:schemeClr>
+                </a:solidFill>
+                <a:latin typeface="+mn-lt"/>
+                <a:ea typeface="+mn-ea"/>
+                <a:cs typeface="+mn-cs"/>
+              </a:defRPr>
+            </a:lvl9pPr>
+          </a:lstStyle>
+          <a:p>
+            <a:pPr marL="0" indent="0">
+              <a:buFont typeface="Arial" panose="020B0604020202020204" pitchFamily="34" charset="0"/>
               <a:buNone/>
             </a:pPr>
             <a:r>
-              <a:rPr lang="it-IT" b="0" i="0" dirty="0">
-                <a:solidFill>
-                  <a:srgbClr val="222222"/>
-                </a:solidFill>
-                <a:effectLst/>
-                <a:latin typeface="Roboto" panose="02000000000000000000" pitchFamily="2" charset="0"/>
-              </a:rPr>
-              <a:t>Metriche del software, come, ad esempio: LOC (Lines of Code) totali del progetto, numero di design pattern implementati, numero di test case e test suite sviluppate, </a:t>
-            </a:r>
-            <a:r>
-              <a:rPr lang="it-IT" b="0" i="0" dirty="0" err="1">
-                <a:solidFill>
-                  <a:srgbClr val="222222"/>
-                </a:solidFill>
-                <a:effectLst/>
-                <a:latin typeface="Roboto" panose="02000000000000000000" pitchFamily="2" charset="0"/>
-              </a:rPr>
-              <a:t>branch</a:t>
-            </a:r>
-            <a:r>
-              <a:rPr lang="it-IT" b="0" i="0" dirty="0">
-                <a:solidFill>
-                  <a:srgbClr val="222222"/>
-                </a:solidFill>
-                <a:effectLst/>
-                <a:latin typeface="Roboto" panose="02000000000000000000" pitchFamily="2" charset="0"/>
-              </a:rPr>
-              <a:t> coverage dei casi di test, numero di warning identificati (e risolti) da </a:t>
-            </a:r>
-            <a:r>
-              <a:rPr lang="it-IT" b="0" i="0" dirty="0" err="1">
-                <a:solidFill>
-                  <a:srgbClr val="222222"/>
-                </a:solidFill>
-                <a:effectLst/>
-                <a:latin typeface="Roboto" panose="02000000000000000000" pitchFamily="2" charset="0"/>
-              </a:rPr>
-              <a:t>CheckStyle</a:t>
-            </a:r>
-            <a:r>
-              <a:rPr lang="it-IT" b="0" i="0" dirty="0">
-                <a:solidFill>
-                  <a:srgbClr val="222222"/>
-                </a:solidFill>
-                <a:effectLst/>
-                <a:latin typeface="Roboto" panose="02000000000000000000" pitchFamily="2" charset="0"/>
-              </a:rPr>
-              <a:t>. Ulteriori metriche che possano descrivere il vostro progetto sono ben accette. Inoltre, richiediamo la presentazione di alcune statistiche </a:t>
-            </a:r>
-            <a:r>
-              <a:rPr lang="it-IT" b="0" i="0" dirty="0">
-                <a:solidFill>
-                  <a:srgbClr val="1155CC"/>
-                </a:solidFill>
-                <a:effectLst/>
-                <a:latin typeface="Roboto" panose="02000000000000000000" pitchFamily="2" charset="0"/>
-                <a:hlinkClick r:id="rId2" tooltip="Github"/>
-              </a:rPr>
-              <a:t>GitHub</a:t>
-            </a:r>
-            <a:r>
-              <a:rPr lang="it-IT" b="0" i="0" dirty="0">
-                <a:solidFill>
-                  <a:srgbClr val="222222"/>
-                </a:solidFill>
-                <a:effectLst/>
-                <a:latin typeface="Roboto" panose="02000000000000000000" pitchFamily="2" charset="0"/>
-              </a:rPr>
-              <a:t>, come numero di </a:t>
-            </a:r>
-            <a:r>
-              <a:rPr lang="it-IT" b="0" i="0" dirty="0" err="1">
-                <a:solidFill>
-                  <a:srgbClr val="222222"/>
-                </a:solidFill>
-                <a:effectLst/>
-                <a:latin typeface="Roboto" panose="02000000000000000000" pitchFamily="2" charset="0"/>
-              </a:rPr>
-              <a:t>commit</a:t>
-            </a:r>
-            <a:r>
-              <a:rPr lang="it-IT" b="0" i="0" dirty="0">
-                <a:solidFill>
-                  <a:srgbClr val="222222"/>
-                </a:solidFill>
-                <a:effectLst/>
-                <a:latin typeface="Roboto" panose="02000000000000000000" pitchFamily="2" charset="0"/>
-              </a:rPr>
-              <a:t> totale e numero di </a:t>
-            </a:r>
-            <a:r>
-              <a:rPr lang="it-IT" b="0" i="0" dirty="0" err="1">
-                <a:solidFill>
-                  <a:srgbClr val="222222"/>
-                </a:solidFill>
-                <a:effectLst/>
-                <a:latin typeface="Roboto" panose="02000000000000000000" pitchFamily="2" charset="0"/>
-              </a:rPr>
-              <a:t>commit</a:t>
-            </a:r>
-            <a:r>
-              <a:rPr lang="it-IT" b="0" i="0" dirty="0">
-                <a:solidFill>
-                  <a:srgbClr val="222222"/>
-                </a:solidFill>
-                <a:effectLst/>
-                <a:latin typeface="Roboto" panose="02000000000000000000" pitchFamily="2" charset="0"/>
-              </a:rPr>
-              <a:t> per team </a:t>
-            </a:r>
-            <a:r>
-              <a:rPr lang="it-IT" b="0" i="0" dirty="0" err="1">
-                <a:solidFill>
-                  <a:srgbClr val="222222"/>
-                </a:solidFill>
-                <a:effectLst/>
-                <a:latin typeface="Roboto" panose="02000000000000000000" pitchFamily="2" charset="0"/>
-              </a:rPr>
-              <a:t>member</a:t>
-            </a:r>
-            <a:r>
-              <a:rPr lang="it-IT" b="0" i="0" dirty="0">
-                <a:solidFill>
-                  <a:srgbClr val="222222"/>
-                </a:solidFill>
-                <a:effectLst/>
-                <a:latin typeface="Roboto" panose="02000000000000000000" pitchFamily="2" charset="0"/>
-              </a:rPr>
-              <a:t>. </a:t>
+              <a:rPr lang="it-IT" dirty="0"/>
+              <a:t>Il </a:t>
+            </a:r>
+            <a:r>
+              <a:rPr lang="it-IT" b="1" dirty="0" err="1"/>
+              <a:t>Façade</a:t>
+            </a:r>
+            <a:r>
+              <a:rPr lang="it-IT" b="1" dirty="0"/>
+              <a:t> Pattern </a:t>
+            </a:r>
+            <a:r>
+              <a:rPr lang="it-IT" dirty="0"/>
+              <a:t>è un design pattern di tipo Strutturale che nasconde la complessità di un sistema e offre una interfaccia ai client che vogliono accedere ad esso.</a:t>
+            </a:r>
+          </a:p>
+          <a:p>
+            <a:pPr marL="0" indent="0">
+              <a:buFont typeface="Arial" panose="020B0604020202020204" pitchFamily="34" charset="0"/>
+              <a:buNone/>
+            </a:pPr>
+            <a:r>
+              <a:rPr lang="it-IT" dirty="0"/>
+              <a:t>L'utilizzo del </a:t>
+            </a:r>
+            <a:r>
+              <a:rPr lang="it-IT" b="1" dirty="0" err="1"/>
+              <a:t>Façade</a:t>
+            </a:r>
+            <a:r>
+              <a:rPr lang="it-IT" b="1" dirty="0"/>
+              <a:t> Pattern </a:t>
+            </a:r>
+            <a:r>
+              <a:rPr lang="it-IT" dirty="0"/>
+              <a:t>ci permette di rendere l’accesso ai servizi di un sottosistema complesso più semplici senza preoccuparsi del funzionamento interno dello stesso. Intendiamo quindi utilizzare quindi questo design pattern per semplificare l’accesso ai servizi del sottosistema che si occupa dei log-in e log-out e della visualizzazione delle categorie e dei prodotti.</a:t>
+            </a:r>
+          </a:p>
+          <a:p>
+            <a:pPr marL="0" indent="0">
+              <a:buFont typeface="Arial" panose="020B0604020202020204" pitchFamily="34" charset="0"/>
+              <a:buNone/>
+            </a:pPr>
+            <a:endParaRPr lang="it-IT" dirty="0"/>
+          </a:p>
+        </p:txBody>
+      </p:sp>
+      <p:pic>
+        <p:nvPicPr>
+          <p:cNvPr id="7" name="image1.png">
+            <a:extLst>
+              <a:ext uri="{FF2B5EF4-FFF2-40B4-BE49-F238E27FC236}">
+                <a16:creationId xmlns:a16="http://schemas.microsoft.com/office/drawing/2014/main" id="{A8B36FC0-3853-4D8F-8866-9CD710729631}"/>
+              </a:ext>
+            </a:extLst>
+          </p:cNvPr>
+          <p:cNvPicPr/>
+          <p:nvPr/>
+        </p:nvPicPr>
+        <p:blipFill>
+          <a:blip r:embed="rId2">
+            <a:extLst>
+              <a:ext uri="{28A0092B-C50C-407E-A947-70E740481C1C}">
+                <a14:useLocalDpi xmlns:a14="http://schemas.microsoft.com/office/drawing/2010/main" val="0"/>
+              </a:ext>
+            </a:extLst>
+          </a:blip>
+          <a:stretch>
+            <a:fillRect/>
+          </a:stretch>
+        </p:blipFill>
+        <p:spPr>
+          <a:xfrm>
+            <a:off x="5835756" y="1349174"/>
+            <a:ext cx="5996939" cy="4159649"/>
+          </a:xfrm>
+          <a:prstGeom prst="rect">
+            <a:avLst/>
+          </a:prstGeom>
+          <a:ln/>
+        </p:spPr>
+      </p:pic>
+      <p:sp>
+        <p:nvSpPr>
+          <p:cNvPr id="11" name="Segnaposto contenuto 4">
+            <a:extLst>
+              <a:ext uri="{FF2B5EF4-FFF2-40B4-BE49-F238E27FC236}">
+                <a16:creationId xmlns:a16="http://schemas.microsoft.com/office/drawing/2014/main" id="{DC009839-6EB2-4439-97C2-072332CE459D}"/>
+              </a:ext>
+            </a:extLst>
+          </p:cNvPr>
+          <p:cNvSpPr txBox="1">
+            <a:spLocks/>
+          </p:cNvSpPr>
+          <p:nvPr/>
+        </p:nvSpPr>
+        <p:spPr>
+          <a:xfrm>
+            <a:off x="1122509" y="256904"/>
+            <a:ext cx="4496546" cy="1380308"/>
+          </a:xfrm>
+          <a:prstGeom prst="rect">
+            <a:avLst/>
+          </a:prstGeom>
+        </p:spPr>
+        <p:txBody>
+          <a:bodyPr vert="horz" lIns="91440" tIns="45720" rIns="91440" bIns="45720" rtlCol="0">
+            <a:normAutofit/>
+          </a:bodyPr>
+          <a:lstStyle>
+            <a:lvl1pPr marL="228600" indent="-228600" algn="l" defTabSz="914400" rtl="0" eaLnBrk="1" latinLnBrk="0" hangingPunct="1">
+              <a:lnSpc>
+                <a:spcPct val="110000"/>
+              </a:lnSpc>
+              <a:spcBef>
+                <a:spcPts val="700"/>
+              </a:spcBef>
+              <a:buClr>
+                <a:schemeClr val="tx2"/>
+              </a:buClr>
+              <a:buFont typeface="Arial" panose="020B0604020202020204" pitchFamily="34" charset="0"/>
+              <a:buChar char="•"/>
+              <a:defRPr sz="2000" kern="1200">
+                <a:solidFill>
+                  <a:schemeClr val="tx1">
+                    <a:lumMod val="65000"/>
+                    <a:lumOff val="35000"/>
+                  </a:schemeClr>
+                </a:solidFill>
+                <a:latin typeface="+mn-lt"/>
+                <a:ea typeface="+mn-ea"/>
+                <a:cs typeface="+mn-cs"/>
+              </a:defRPr>
+            </a:lvl1pPr>
+            <a:lvl2pPr marL="685800" indent="-228600" algn="l" defTabSz="914400" rtl="0" eaLnBrk="1" latinLnBrk="0" hangingPunct="1">
+              <a:lnSpc>
+                <a:spcPct val="110000"/>
+              </a:lnSpc>
+              <a:spcBef>
+                <a:spcPts val="700"/>
+              </a:spcBef>
+              <a:buClr>
+                <a:schemeClr val="tx2"/>
+              </a:buClr>
+              <a:buFont typeface="Gill Sans MT" panose="020B0502020104020203" pitchFamily="34" charset="0"/>
+              <a:buChar char="–"/>
+              <a:defRPr sz="1800" kern="1200">
+                <a:solidFill>
+                  <a:schemeClr val="tx1">
+                    <a:lumMod val="65000"/>
+                    <a:lumOff val="35000"/>
+                  </a:schemeClr>
+                </a:solidFill>
+                <a:latin typeface="+mn-lt"/>
+                <a:ea typeface="+mn-ea"/>
+                <a:cs typeface="+mn-cs"/>
+              </a:defRPr>
+            </a:lvl2pPr>
+            <a:lvl3pPr marL="1143000" indent="-228600" algn="l" defTabSz="914400" rtl="0" eaLnBrk="1" latinLnBrk="0" hangingPunct="1">
+              <a:lnSpc>
+                <a:spcPct val="110000"/>
+              </a:lnSpc>
+              <a:spcBef>
+                <a:spcPts val="700"/>
+              </a:spcBef>
+              <a:buClr>
+                <a:schemeClr val="tx2"/>
+              </a:buClr>
+              <a:buFont typeface="Arial" panose="020B0604020202020204" pitchFamily="34" charset="0"/>
+              <a:buChar char="•"/>
+              <a:defRPr sz="1600" kern="1200">
+                <a:solidFill>
+                  <a:schemeClr val="tx1">
+                    <a:lumMod val="65000"/>
+                    <a:lumOff val="35000"/>
+                  </a:schemeClr>
+                </a:solidFill>
+                <a:latin typeface="+mn-lt"/>
+                <a:ea typeface="+mn-ea"/>
+                <a:cs typeface="+mn-cs"/>
+              </a:defRPr>
+            </a:lvl3pPr>
+            <a:lvl4pPr marL="1600200" indent="-228600" algn="l" defTabSz="914400" rtl="0" eaLnBrk="1" latinLnBrk="0" hangingPunct="1">
+              <a:lnSpc>
+                <a:spcPct val="110000"/>
+              </a:lnSpc>
+              <a:spcBef>
+                <a:spcPts val="700"/>
+              </a:spcBef>
+              <a:buClr>
+                <a:schemeClr val="tx2"/>
+              </a:buClr>
+              <a:buFont typeface="Gill Sans MT" panose="020B0502020104020203" pitchFamily="34" charset="0"/>
+              <a:buChar char="–"/>
+              <a:defRPr sz="1400" kern="1200">
+                <a:solidFill>
+                  <a:schemeClr val="tx1">
+                    <a:lumMod val="65000"/>
+                    <a:lumOff val="35000"/>
+                  </a:schemeClr>
+                </a:solidFill>
+                <a:latin typeface="+mn-lt"/>
+                <a:ea typeface="+mn-ea"/>
+                <a:cs typeface="+mn-cs"/>
+              </a:defRPr>
+            </a:lvl4pPr>
+            <a:lvl5pPr marL="2057400" indent="-228600" algn="l" defTabSz="914400" rtl="0" eaLnBrk="1" latinLnBrk="0" hangingPunct="1">
+              <a:lnSpc>
+                <a:spcPct val="110000"/>
+              </a:lnSpc>
+              <a:spcBef>
+                <a:spcPts val="700"/>
+              </a:spcBef>
+              <a:buClr>
+                <a:schemeClr val="tx2"/>
+              </a:buClr>
+              <a:buFont typeface="Arial" panose="020B0604020202020204" pitchFamily="34" charset="0"/>
+              <a:buChar char="•"/>
+              <a:defRPr sz="1400" kern="1200">
+                <a:solidFill>
+                  <a:schemeClr val="tx1">
+                    <a:lumMod val="65000"/>
+                    <a:lumOff val="35000"/>
+                  </a:schemeClr>
+                </a:solidFill>
+                <a:latin typeface="+mn-lt"/>
+                <a:ea typeface="+mn-ea"/>
+                <a:cs typeface="+mn-cs"/>
+              </a:defRPr>
+            </a:lvl5pPr>
+            <a:lvl6pPr marL="2514600" indent="-228600" algn="l" defTabSz="914400" rtl="0" eaLnBrk="1" latinLnBrk="0" hangingPunct="1">
+              <a:lnSpc>
+                <a:spcPct val="110000"/>
+              </a:lnSpc>
+              <a:spcBef>
+                <a:spcPts val="700"/>
+              </a:spcBef>
+              <a:buClr>
+                <a:schemeClr val="tx2"/>
+              </a:buClr>
+              <a:buFont typeface="Gill Sans MT" panose="020B0502020104020203" pitchFamily="34" charset="0"/>
+              <a:buChar char="–"/>
+              <a:defRPr sz="1400" kern="1200">
+                <a:solidFill>
+                  <a:schemeClr val="tx1">
+                    <a:lumMod val="65000"/>
+                    <a:lumOff val="35000"/>
+                  </a:schemeClr>
+                </a:solidFill>
+                <a:latin typeface="+mn-lt"/>
+                <a:ea typeface="+mn-ea"/>
+                <a:cs typeface="+mn-cs"/>
+              </a:defRPr>
+            </a:lvl6pPr>
+            <a:lvl7pPr marL="2971800" indent="-228600" algn="l" defTabSz="914400" rtl="0" eaLnBrk="1" latinLnBrk="0" hangingPunct="1">
+              <a:lnSpc>
+                <a:spcPct val="110000"/>
+              </a:lnSpc>
+              <a:spcBef>
+                <a:spcPts val="700"/>
+              </a:spcBef>
+              <a:buClr>
+                <a:schemeClr val="tx2"/>
+              </a:buClr>
+              <a:buFont typeface="Arial" panose="020B0604020202020204" pitchFamily="34" charset="0"/>
+              <a:buChar char="•"/>
+              <a:defRPr sz="1400" kern="1200">
+                <a:solidFill>
+                  <a:schemeClr val="tx1">
+                    <a:lumMod val="65000"/>
+                    <a:lumOff val="35000"/>
+                  </a:schemeClr>
+                </a:solidFill>
+                <a:latin typeface="+mn-lt"/>
+                <a:ea typeface="+mn-ea"/>
+                <a:cs typeface="+mn-cs"/>
+              </a:defRPr>
+            </a:lvl7pPr>
+            <a:lvl8pPr marL="3429000" indent="-228600" algn="l" defTabSz="914400" rtl="0" eaLnBrk="1" latinLnBrk="0" hangingPunct="1">
+              <a:lnSpc>
+                <a:spcPct val="110000"/>
+              </a:lnSpc>
+              <a:spcBef>
+                <a:spcPts val="700"/>
+              </a:spcBef>
+              <a:buClr>
+                <a:schemeClr val="tx2"/>
+              </a:buClr>
+              <a:buFont typeface="Gill Sans MT" panose="020B0502020104020203" pitchFamily="34" charset="0"/>
+              <a:buChar char="–"/>
+              <a:defRPr sz="1400" kern="1200" baseline="0">
+                <a:solidFill>
+                  <a:schemeClr val="tx1">
+                    <a:lumMod val="65000"/>
+                    <a:lumOff val="35000"/>
+                  </a:schemeClr>
+                </a:solidFill>
+                <a:latin typeface="+mn-lt"/>
+                <a:ea typeface="+mn-ea"/>
+                <a:cs typeface="+mn-cs"/>
+              </a:defRPr>
+            </a:lvl8pPr>
+            <a:lvl9pPr marL="3886200" indent="-228600" algn="l" defTabSz="914400" rtl="0" eaLnBrk="1" latinLnBrk="0" hangingPunct="1">
+              <a:lnSpc>
+                <a:spcPct val="110000"/>
+              </a:lnSpc>
+              <a:spcBef>
+                <a:spcPts val="700"/>
+              </a:spcBef>
+              <a:buClr>
+                <a:schemeClr val="tx2"/>
+              </a:buClr>
+              <a:buFont typeface="Arial" panose="020B0604020202020204" pitchFamily="34" charset="0"/>
+              <a:buChar char="•"/>
+              <a:defRPr sz="1400" kern="1200" baseline="0">
+                <a:solidFill>
+                  <a:schemeClr val="tx1">
+                    <a:lumMod val="65000"/>
+                    <a:lumOff val="35000"/>
+                  </a:schemeClr>
+                </a:solidFill>
+                <a:latin typeface="+mn-lt"/>
+                <a:ea typeface="+mn-ea"/>
+                <a:cs typeface="+mn-cs"/>
+              </a:defRPr>
+            </a:lvl9pPr>
+          </a:lstStyle>
+          <a:p>
+            <a:pPr marL="0" indent="0">
+              <a:buFont typeface="Arial" panose="020B0604020202020204" pitchFamily="34" charset="0"/>
+              <a:buNone/>
+            </a:pPr>
+            <a:r>
+              <a:rPr lang="it-IT" dirty="0"/>
+              <a:t>Nel livello di </a:t>
+            </a:r>
+            <a:r>
+              <a:rPr lang="it-IT" dirty="0" err="1"/>
+              <a:t>view</a:t>
+            </a:r>
+            <a:r>
+              <a:rPr lang="it-IT" dirty="0"/>
+              <a:t> ci sono tre sottosistemi che permettono la visualizzazione in base al tipo di utente.</a:t>
             </a:r>
           </a:p>
         </p:txBody>
@@ -10146,7 +12814,7 @@
     </p:spTree>
     <p:extLst>
       <p:ext uri="{BB962C8B-B14F-4D97-AF65-F5344CB8AC3E}">
-        <p14:creationId xmlns:p14="http://schemas.microsoft.com/office/powerpoint/2010/main" val="29124466"/>
+        <p14:creationId xmlns:p14="http://schemas.microsoft.com/office/powerpoint/2010/main" val="3003350138"/>
       </p:ext>
     </p:extLst>
   </p:cSld>
@@ -10203,103 +12871,682 @@
           <a:p>
             <a:pPr algn="r"/>
             <a:r>
-              <a:rPr lang="it-IT" sz="4000" dirty="0">
+              <a:rPr lang="it-IT" sz="3200" dirty="0">
                 <a:solidFill>
                   <a:srgbClr val="F8B323"/>
                 </a:solidFill>
               </a:rPr>
-              <a:t>Criteri di accettazione</a:t>
+              <a:t>OBJECT DESIGN – </a:t>
+            </a:r>
+            <a:r>
+              <a:rPr lang="it-IT" sz="3200" dirty="0" err="1">
+                <a:solidFill>
+                  <a:srgbClr val="F8B323"/>
+                </a:solidFill>
+              </a:rPr>
+              <a:t>protection</a:t>
+            </a:r>
+            <a:r>
+              <a:rPr lang="it-IT" sz="3200" dirty="0">
+                <a:solidFill>
+                  <a:srgbClr val="F8B323"/>
+                </a:solidFill>
+              </a:rPr>
+              <a:t> proxy</a:t>
             </a:r>
           </a:p>
         </p:txBody>
       </p:sp>
       <p:sp>
         <p:nvSpPr>
-          <p:cNvPr id="3" name="Segnaposto contenuto 2">
+          <p:cNvPr id="4" name="Titolo 1">
             <a:extLst>
               <a:ext uri="{FF2B5EF4-FFF2-40B4-BE49-F238E27FC236}">
-                <a16:creationId xmlns:a16="http://schemas.microsoft.com/office/drawing/2014/main" id="{0D1F4823-2969-402A-86AF-FE8D80B3F521}"/>
+                <a16:creationId xmlns:a16="http://schemas.microsoft.com/office/drawing/2014/main" id="{FDFA7B44-0F00-4341-BECB-BFC10328F82B}"/>
               </a:ext>
             </a:extLst>
           </p:cNvPr>
-          <p:cNvSpPr>
-            <a:spLocks noGrp="1"/>
+          <p:cNvSpPr txBox="1">
+            <a:spLocks/>
           </p:cNvSpPr>
-          <p:nvPr>
-            <p:ph idx="1"/>
-          </p:nvPr>
+          <p:nvPr/>
+        </p:nvSpPr>
+        <p:spPr>
+          <a:xfrm rot="16200000">
+            <a:off x="11043378" y="5804759"/>
+            <a:ext cx="1578634" cy="527848"/>
+          </a:xfrm>
+          <a:prstGeom prst="rect">
+            <a:avLst/>
+          </a:prstGeom>
+        </p:spPr>
+        <p:txBody>
+          <a:bodyPr vert="horz" lIns="91440" tIns="45720" rIns="91440" bIns="45720" rtlCol="0" anchor="t">
+            <a:normAutofit fontScale="97500" lnSpcReduction="10000"/>
+          </a:bodyPr>
+          <a:lstStyle>
+            <a:lvl1pPr algn="l" defTabSz="914400" rtl="0" eaLnBrk="1" latinLnBrk="0" hangingPunct="1">
+              <a:lnSpc>
+                <a:spcPct val="90000"/>
+              </a:lnSpc>
+              <a:spcBef>
+                <a:spcPct val="0"/>
+              </a:spcBef>
+              <a:buNone/>
+              <a:defRPr sz="5100" kern="1200" cap="all" spc="200" baseline="0">
+                <a:solidFill>
+                  <a:schemeClr val="tx2"/>
+                </a:solidFill>
+                <a:latin typeface="+mj-lt"/>
+                <a:ea typeface="+mj-ea"/>
+                <a:cs typeface="+mj-cs"/>
+              </a:defRPr>
+            </a:lvl1pPr>
+          </a:lstStyle>
+          <a:p>
+            <a:r>
+              <a:rPr lang="it-IT" sz="3600" dirty="0">
+                <a:solidFill>
+                  <a:srgbClr val="F8B323"/>
+                </a:solidFill>
+              </a:rPr>
+              <a:t>odd</a:t>
+            </a:r>
+          </a:p>
+        </p:txBody>
+      </p:sp>
+      <p:sp>
+        <p:nvSpPr>
+          <p:cNvPr id="12" name="Segnaposto contenuto 4">
+            <a:extLst>
+              <a:ext uri="{FF2B5EF4-FFF2-40B4-BE49-F238E27FC236}">
+                <a16:creationId xmlns:a16="http://schemas.microsoft.com/office/drawing/2014/main" id="{6275FCE3-F8FB-4863-9971-8CEFCBA8C740}"/>
+              </a:ext>
+            </a:extLst>
+          </p:cNvPr>
+          <p:cNvSpPr txBox="1">
+            <a:spLocks/>
+          </p:cNvSpPr>
+          <p:nvPr/>
         </p:nvSpPr>
         <p:spPr>
           <a:xfrm>
-            <a:off x="1285887" y="200626"/>
-            <a:ext cx="10178322" cy="3593591"/>
+            <a:off x="1182456" y="3973484"/>
+            <a:ext cx="4496546" cy="2531818"/>
           </a:xfrm>
+          <a:prstGeom prst="rect">
+            <a:avLst/>
+          </a:prstGeom>
         </p:spPr>
         <p:txBody>
-          <a:bodyPr/>
-          <a:lstStyle/>
-          <a:p>
-            <a:pPr marL="0" indent="0" algn="l">
+          <a:bodyPr vert="horz" lIns="91440" tIns="45720" rIns="91440" bIns="45720" rtlCol="0">
+            <a:normAutofit/>
+          </a:bodyPr>
+          <a:lstStyle>
+            <a:lvl1pPr marL="228600" indent="-228600" algn="l" defTabSz="914400" rtl="0" eaLnBrk="1" latinLnBrk="0" hangingPunct="1">
+              <a:lnSpc>
+                <a:spcPct val="110000"/>
+              </a:lnSpc>
+              <a:spcBef>
+                <a:spcPts val="700"/>
+              </a:spcBef>
+              <a:buClr>
+                <a:schemeClr val="tx2"/>
+              </a:buClr>
+              <a:buFont typeface="Arial" panose="020B0604020202020204" pitchFamily="34" charset="0"/>
+              <a:buChar char="•"/>
+              <a:defRPr sz="2000" kern="1200">
+                <a:solidFill>
+                  <a:schemeClr val="tx1">
+                    <a:lumMod val="65000"/>
+                    <a:lumOff val="35000"/>
+                  </a:schemeClr>
+                </a:solidFill>
+                <a:latin typeface="+mn-lt"/>
+                <a:ea typeface="+mn-ea"/>
+                <a:cs typeface="+mn-cs"/>
+              </a:defRPr>
+            </a:lvl1pPr>
+            <a:lvl2pPr marL="685800" indent="-228600" algn="l" defTabSz="914400" rtl="0" eaLnBrk="1" latinLnBrk="0" hangingPunct="1">
+              <a:lnSpc>
+                <a:spcPct val="110000"/>
+              </a:lnSpc>
+              <a:spcBef>
+                <a:spcPts val="700"/>
+              </a:spcBef>
+              <a:buClr>
+                <a:schemeClr val="tx2"/>
+              </a:buClr>
+              <a:buFont typeface="Gill Sans MT" panose="020B0502020104020203" pitchFamily="34" charset="0"/>
+              <a:buChar char="–"/>
+              <a:defRPr sz="1800" kern="1200">
+                <a:solidFill>
+                  <a:schemeClr val="tx1">
+                    <a:lumMod val="65000"/>
+                    <a:lumOff val="35000"/>
+                  </a:schemeClr>
+                </a:solidFill>
+                <a:latin typeface="+mn-lt"/>
+                <a:ea typeface="+mn-ea"/>
+                <a:cs typeface="+mn-cs"/>
+              </a:defRPr>
+            </a:lvl2pPr>
+            <a:lvl3pPr marL="1143000" indent="-228600" algn="l" defTabSz="914400" rtl="0" eaLnBrk="1" latinLnBrk="0" hangingPunct="1">
+              <a:lnSpc>
+                <a:spcPct val="110000"/>
+              </a:lnSpc>
+              <a:spcBef>
+                <a:spcPts val="700"/>
+              </a:spcBef>
+              <a:buClr>
+                <a:schemeClr val="tx2"/>
+              </a:buClr>
+              <a:buFont typeface="Arial" panose="020B0604020202020204" pitchFamily="34" charset="0"/>
+              <a:buChar char="•"/>
+              <a:defRPr sz="1600" kern="1200">
+                <a:solidFill>
+                  <a:schemeClr val="tx1">
+                    <a:lumMod val="65000"/>
+                    <a:lumOff val="35000"/>
+                  </a:schemeClr>
+                </a:solidFill>
+                <a:latin typeface="+mn-lt"/>
+                <a:ea typeface="+mn-ea"/>
+                <a:cs typeface="+mn-cs"/>
+              </a:defRPr>
+            </a:lvl3pPr>
+            <a:lvl4pPr marL="1600200" indent="-228600" algn="l" defTabSz="914400" rtl="0" eaLnBrk="1" latinLnBrk="0" hangingPunct="1">
+              <a:lnSpc>
+                <a:spcPct val="110000"/>
+              </a:lnSpc>
+              <a:spcBef>
+                <a:spcPts val="700"/>
+              </a:spcBef>
+              <a:buClr>
+                <a:schemeClr val="tx2"/>
+              </a:buClr>
+              <a:buFont typeface="Gill Sans MT" panose="020B0502020104020203" pitchFamily="34" charset="0"/>
+              <a:buChar char="–"/>
+              <a:defRPr sz="1400" kern="1200">
+                <a:solidFill>
+                  <a:schemeClr val="tx1">
+                    <a:lumMod val="65000"/>
+                    <a:lumOff val="35000"/>
+                  </a:schemeClr>
+                </a:solidFill>
+                <a:latin typeface="+mn-lt"/>
+                <a:ea typeface="+mn-ea"/>
+                <a:cs typeface="+mn-cs"/>
+              </a:defRPr>
+            </a:lvl4pPr>
+            <a:lvl5pPr marL="2057400" indent="-228600" algn="l" defTabSz="914400" rtl="0" eaLnBrk="1" latinLnBrk="0" hangingPunct="1">
+              <a:lnSpc>
+                <a:spcPct val="110000"/>
+              </a:lnSpc>
+              <a:spcBef>
+                <a:spcPts val="700"/>
+              </a:spcBef>
+              <a:buClr>
+                <a:schemeClr val="tx2"/>
+              </a:buClr>
+              <a:buFont typeface="Arial" panose="020B0604020202020204" pitchFamily="34" charset="0"/>
+              <a:buChar char="•"/>
+              <a:defRPr sz="1400" kern="1200">
+                <a:solidFill>
+                  <a:schemeClr val="tx1">
+                    <a:lumMod val="65000"/>
+                    <a:lumOff val="35000"/>
+                  </a:schemeClr>
+                </a:solidFill>
+                <a:latin typeface="+mn-lt"/>
+                <a:ea typeface="+mn-ea"/>
+                <a:cs typeface="+mn-cs"/>
+              </a:defRPr>
+            </a:lvl5pPr>
+            <a:lvl6pPr marL="2514600" indent="-228600" algn="l" defTabSz="914400" rtl="0" eaLnBrk="1" latinLnBrk="0" hangingPunct="1">
+              <a:lnSpc>
+                <a:spcPct val="110000"/>
+              </a:lnSpc>
+              <a:spcBef>
+                <a:spcPts val="700"/>
+              </a:spcBef>
+              <a:buClr>
+                <a:schemeClr val="tx2"/>
+              </a:buClr>
+              <a:buFont typeface="Gill Sans MT" panose="020B0502020104020203" pitchFamily="34" charset="0"/>
+              <a:buChar char="–"/>
+              <a:defRPr sz="1400" kern="1200">
+                <a:solidFill>
+                  <a:schemeClr val="tx1">
+                    <a:lumMod val="65000"/>
+                    <a:lumOff val="35000"/>
+                  </a:schemeClr>
+                </a:solidFill>
+                <a:latin typeface="+mn-lt"/>
+                <a:ea typeface="+mn-ea"/>
+                <a:cs typeface="+mn-cs"/>
+              </a:defRPr>
+            </a:lvl6pPr>
+            <a:lvl7pPr marL="2971800" indent="-228600" algn="l" defTabSz="914400" rtl="0" eaLnBrk="1" latinLnBrk="0" hangingPunct="1">
+              <a:lnSpc>
+                <a:spcPct val="110000"/>
+              </a:lnSpc>
+              <a:spcBef>
+                <a:spcPts val="700"/>
+              </a:spcBef>
+              <a:buClr>
+                <a:schemeClr val="tx2"/>
+              </a:buClr>
+              <a:buFont typeface="Arial" panose="020B0604020202020204" pitchFamily="34" charset="0"/>
+              <a:buChar char="•"/>
+              <a:defRPr sz="1400" kern="1200">
+                <a:solidFill>
+                  <a:schemeClr val="tx1">
+                    <a:lumMod val="65000"/>
+                    <a:lumOff val="35000"/>
+                  </a:schemeClr>
+                </a:solidFill>
+                <a:latin typeface="+mn-lt"/>
+                <a:ea typeface="+mn-ea"/>
+                <a:cs typeface="+mn-cs"/>
+              </a:defRPr>
+            </a:lvl7pPr>
+            <a:lvl8pPr marL="3429000" indent="-228600" algn="l" defTabSz="914400" rtl="0" eaLnBrk="1" latinLnBrk="0" hangingPunct="1">
+              <a:lnSpc>
+                <a:spcPct val="110000"/>
+              </a:lnSpc>
+              <a:spcBef>
+                <a:spcPts val="700"/>
+              </a:spcBef>
+              <a:buClr>
+                <a:schemeClr val="tx2"/>
+              </a:buClr>
+              <a:buFont typeface="Gill Sans MT" panose="020B0502020104020203" pitchFamily="34" charset="0"/>
+              <a:buChar char="–"/>
+              <a:defRPr sz="1400" kern="1200" baseline="0">
+                <a:solidFill>
+                  <a:schemeClr val="tx1">
+                    <a:lumMod val="65000"/>
+                    <a:lumOff val="35000"/>
+                  </a:schemeClr>
+                </a:solidFill>
+                <a:latin typeface="+mn-lt"/>
+                <a:ea typeface="+mn-ea"/>
+                <a:cs typeface="+mn-cs"/>
+              </a:defRPr>
+            </a:lvl8pPr>
+            <a:lvl9pPr marL="3886200" indent="-228600" algn="l" defTabSz="914400" rtl="0" eaLnBrk="1" latinLnBrk="0" hangingPunct="1">
+              <a:lnSpc>
+                <a:spcPct val="110000"/>
+              </a:lnSpc>
+              <a:spcBef>
+                <a:spcPts val="700"/>
+              </a:spcBef>
+              <a:buClr>
+                <a:schemeClr val="tx2"/>
+              </a:buClr>
+              <a:buFont typeface="Arial" panose="020B0604020202020204" pitchFamily="34" charset="0"/>
+              <a:buChar char="•"/>
+              <a:defRPr sz="1400" kern="1200" baseline="0">
+                <a:solidFill>
+                  <a:schemeClr val="tx1">
+                    <a:lumMod val="65000"/>
+                    <a:lumOff val="35000"/>
+                  </a:schemeClr>
+                </a:solidFill>
+                <a:latin typeface="+mn-lt"/>
+                <a:ea typeface="+mn-ea"/>
+                <a:cs typeface="+mn-cs"/>
+              </a:defRPr>
+            </a:lvl9pPr>
+          </a:lstStyle>
+          <a:p>
+            <a:pPr marL="0" indent="0">
+              <a:buFont typeface="Arial" panose="020B0604020202020204" pitchFamily="34" charset="0"/>
               <a:buNone/>
             </a:pPr>
             <a:r>
-              <a:rPr lang="it-IT" b="0" i="0" dirty="0">
-                <a:solidFill>
-                  <a:srgbClr val="222222"/>
-                </a:solidFill>
-                <a:effectLst/>
-                <a:latin typeface="Roboto" panose="02000000000000000000" pitchFamily="2" charset="0"/>
-              </a:rPr>
-              <a:t>Criteri di accettazione del vostro progetto, con particolare riferimento a se e come questi siano stati rispettati. Fate riferimento allo </a:t>
-            </a:r>
-            <a:r>
-              <a:rPr lang="it-IT" b="0" i="0" dirty="0" err="1">
-                <a:solidFill>
-                  <a:srgbClr val="222222"/>
-                </a:solidFill>
-                <a:effectLst/>
-                <a:latin typeface="Roboto" panose="02000000000000000000" pitchFamily="2" charset="0"/>
-              </a:rPr>
-              <a:t>statement</a:t>
-            </a:r>
-            <a:r>
-              <a:rPr lang="it-IT" b="0" i="0" dirty="0">
-                <a:solidFill>
-                  <a:srgbClr val="222222"/>
-                </a:solidFill>
-                <a:effectLst/>
-                <a:latin typeface="Roboto" panose="02000000000000000000" pitchFamily="2" charset="0"/>
-              </a:rPr>
-              <a:t> of work presentato alla </a:t>
-            </a:r>
-            <a:r>
-              <a:rPr lang="it-IT" b="0" i="0" dirty="0">
-                <a:solidFill>
-                  <a:srgbClr val="1155CC"/>
-                </a:solidFill>
-                <a:effectLst/>
-                <a:latin typeface="Roboto" panose="02000000000000000000" pitchFamily="2" charset="0"/>
-                <a:hlinkClick r:id="rId2" tooltip="Consegna Intermedia"/>
-              </a:rPr>
-              <a:t>consegna intermedia</a:t>
-            </a:r>
-            <a:r>
-              <a:rPr lang="it-IT" b="0" i="0" dirty="0">
-                <a:solidFill>
-                  <a:srgbClr val="222222"/>
-                </a:solidFill>
-                <a:effectLst/>
-                <a:latin typeface="Roboto" panose="02000000000000000000" pitchFamily="2" charset="0"/>
-              </a:rPr>
-              <a:t> e confrontato quanto fatto con quanto prestabilito.</a:t>
+              <a:rPr lang="it-IT" dirty="0"/>
+              <a:t>Il </a:t>
+            </a:r>
+            <a:r>
+              <a:rPr lang="it-IT" b="1" dirty="0" err="1"/>
+              <a:t>Protection</a:t>
+            </a:r>
+            <a:r>
+              <a:rPr lang="it-IT" b="1" dirty="0"/>
+              <a:t> Proxy </a:t>
+            </a:r>
+            <a:r>
+              <a:rPr lang="it-IT" dirty="0"/>
+              <a:t>è una particolare tipologia di design pattern di tipo strutturale che regola e gestisce gli accessi ai servizi di un sottosistema che necessita controlli sulle richieste, assicurando l’accesso solo agli aventi diritto.</a:t>
             </a:r>
           </a:p>
         </p:txBody>
       </p:sp>
+      <p:sp>
+        <p:nvSpPr>
+          <p:cNvPr id="11" name="Segnaposto contenuto 4">
+            <a:extLst>
+              <a:ext uri="{FF2B5EF4-FFF2-40B4-BE49-F238E27FC236}">
+                <a16:creationId xmlns:a16="http://schemas.microsoft.com/office/drawing/2014/main" id="{DC009839-6EB2-4439-97C2-072332CE459D}"/>
+              </a:ext>
+            </a:extLst>
+          </p:cNvPr>
+          <p:cNvSpPr txBox="1">
+            <a:spLocks/>
+          </p:cNvSpPr>
+          <p:nvPr/>
+        </p:nvSpPr>
+        <p:spPr>
+          <a:xfrm>
+            <a:off x="1122509" y="256904"/>
+            <a:ext cx="4496546" cy="3267692"/>
+          </a:xfrm>
+          <a:prstGeom prst="rect">
+            <a:avLst/>
+          </a:prstGeom>
+        </p:spPr>
+        <p:txBody>
+          <a:bodyPr vert="horz" lIns="91440" tIns="45720" rIns="91440" bIns="45720" rtlCol="0">
+            <a:normAutofit/>
+          </a:bodyPr>
+          <a:lstStyle>
+            <a:lvl1pPr marL="228600" indent="-228600" algn="l" defTabSz="914400" rtl="0" eaLnBrk="1" latinLnBrk="0" hangingPunct="1">
+              <a:lnSpc>
+                <a:spcPct val="110000"/>
+              </a:lnSpc>
+              <a:spcBef>
+                <a:spcPts val="700"/>
+              </a:spcBef>
+              <a:buClr>
+                <a:schemeClr val="tx2"/>
+              </a:buClr>
+              <a:buFont typeface="Arial" panose="020B0604020202020204" pitchFamily="34" charset="0"/>
+              <a:buChar char="•"/>
+              <a:defRPr sz="2000" kern="1200">
+                <a:solidFill>
+                  <a:schemeClr val="tx1">
+                    <a:lumMod val="65000"/>
+                    <a:lumOff val="35000"/>
+                  </a:schemeClr>
+                </a:solidFill>
+                <a:latin typeface="+mn-lt"/>
+                <a:ea typeface="+mn-ea"/>
+                <a:cs typeface="+mn-cs"/>
+              </a:defRPr>
+            </a:lvl1pPr>
+            <a:lvl2pPr marL="685800" indent="-228600" algn="l" defTabSz="914400" rtl="0" eaLnBrk="1" latinLnBrk="0" hangingPunct="1">
+              <a:lnSpc>
+                <a:spcPct val="110000"/>
+              </a:lnSpc>
+              <a:spcBef>
+                <a:spcPts val="700"/>
+              </a:spcBef>
+              <a:buClr>
+                <a:schemeClr val="tx2"/>
+              </a:buClr>
+              <a:buFont typeface="Gill Sans MT" panose="020B0502020104020203" pitchFamily="34" charset="0"/>
+              <a:buChar char="–"/>
+              <a:defRPr sz="1800" kern="1200">
+                <a:solidFill>
+                  <a:schemeClr val="tx1">
+                    <a:lumMod val="65000"/>
+                    <a:lumOff val="35000"/>
+                  </a:schemeClr>
+                </a:solidFill>
+                <a:latin typeface="+mn-lt"/>
+                <a:ea typeface="+mn-ea"/>
+                <a:cs typeface="+mn-cs"/>
+              </a:defRPr>
+            </a:lvl2pPr>
+            <a:lvl3pPr marL="1143000" indent="-228600" algn="l" defTabSz="914400" rtl="0" eaLnBrk="1" latinLnBrk="0" hangingPunct="1">
+              <a:lnSpc>
+                <a:spcPct val="110000"/>
+              </a:lnSpc>
+              <a:spcBef>
+                <a:spcPts val="700"/>
+              </a:spcBef>
+              <a:buClr>
+                <a:schemeClr val="tx2"/>
+              </a:buClr>
+              <a:buFont typeface="Arial" panose="020B0604020202020204" pitchFamily="34" charset="0"/>
+              <a:buChar char="•"/>
+              <a:defRPr sz="1600" kern="1200">
+                <a:solidFill>
+                  <a:schemeClr val="tx1">
+                    <a:lumMod val="65000"/>
+                    <a:lumOff val="35000"/>
+                  </a:schemeClr>
+                </a:solidFill>
+                <a:latin typeface="+mn-lt"/>
+                <a:ea typeface="+mn-ea"/>
+                <a:cs typeface="+mn-cs"/>
+              </a:defRPr>
+            </a:lvl3pPr>
+            <a:lvl4pPr marL="1600200" indent="-228600" algn="l" defTabSz="914400" rtl="0" eaLnBrk="1" latinLnBrk="0" hangingPunct="1">
+              <a:lnSpc>
+                <a:spcPct val="110000"/>
+              </a:lnSpc>
+              <a:spcBef>
+                <a:spcPts val="700"/>
+              </a:spcBef>
+              <a:buClr>
+                <a:schemeClr val="tx2"/>
+              </a:buClr>
+              <a:buFont typeface="Gill Sans MT" panose="020B0502020104020203" pitchFamily="34" charset="0"/>
+              <a:buChar char="–"/>
+              <a:defRPr sz="1400" kern="1200">
+                <a:solidFill>
+                  <a:schemeClr val="tx1">
+                    <a:lumMod val="65000"/>
+                    <a:lumOff val="35000"/>
+                  </a:schemeClr>
+                </a:solidFill>
+                <a:latin typeface="+mn-lt"/>
+                <a:ea typeface="+mn-ea"/>
+                <a:cs typeface="+mn-cs"/>
+              </a:defRPr>
+            </a:lvl4pPr>
+            <a:lvl5pPr marL="2057400" indent="-228600" algn="l" defTabSz="914400" rtl="0" eaLnBrk="1" latinLnBrk="0" hangingPunct="1">
+              <a:lnSpc>
+                <a:spcPct val="110000"/>
+              </a:lnSpc>
+              <a:spcBef>
+                <a:spcPts val="700"/>
+              </a:spcBef>
+              <a:buClr>
+                <a:schemeClr val="tx2"/>
+              </a:buClr>
+              <a:buFont typeface="Arial" panose="020B0604020202020204" pitchFamily="34" charset="0"/>
+              <a:buChar char="•"/>
+              <a:defRPr sz="1400" kern="1200">
+                <a:solidFill>
+                  <a:schemeClr val="tx1">
+                    <a:lumMod val="65000"/>
+                    <a:lumOff val="35000"/>
+                  </a:schemeClr>
+                </a:solidFill>
+                <a:latin typeface="+mn-lt"/>
+                <a:ea typeface="+mn-ea"/>
+                <a:cs typeface="+mn-cs"/>
+              </a:defRPr>
+            </a:lvl5pPr>
+            <a:lvl6pPr marL="2514600" indent="-228600" algn="l" defTabSz="914400" rtl="0" eaLnBrk="1" latinLnBrk="0" hangingPunct="1">
+              <a:lnSpc>
+                <a:spcPct val="110000"/>
+              </a:lnSpc>
+              <a:spcBef>
+                <a:spcPts val="700"/>
+              </a:spcBef>
+              <a:buClr>
+                <a:schemeClr val="tx2"/>
+              </a:buClr>
+              <a:buFont typeface="Gill Sans MT" panose="020B0502020104020203" pitchFamily="34" charset="0"/>
+              <a:buChar char="–"/>
+              <a:defRPr sz="1400" kern="1200">
+                <a:solidFill>
+                  <a:schemeClr val="tx1">
+                    <a:lumMod val="65000"/>
+                    <a:lumOff val="35000"/>
+                  </a:schemeClr>
+                </a:solidFill>
+                <a:latin typeface="+mn-lt"/>
+                <a:ea typeface="+mn-ea"/>
+                <a:cs typeface="+mn-cs"/>
+              </a:defRPr>
+            </a:lvl6pPr>
+            <a:lvl7pPr marL="2971800" indent="-228600" algn="l" defTabSz="914400" rtl="0" eaLnBrk="1" latinLnBrk="0" hangingPunct="1">
+              <a:lnSpc>
+                <a:spcPct val="110000"/>
+              </a:lnSpc>
+              <a:spcBef>
+                <a:spcPts val="700"/>
+              </a:spcBef>
+              <a:buClr>
+                <a:schemeClr val="tx2"/>
+              </a:buClr>
+              <a:buFont typeface="Arial" panose="020B0604020202020204" pitchFamily="34" charset="0"/>
+              <a:buChar char="•"/>
+              <a:defRPr sz="1400" kern="1200">
+                <a:solidFill>
+                  <a:schemeClr val="tx1">
+                    <a:lumMod val="65000"/>
+                    <a:lumOff val="35000"/>
+                  </a:schemeClr>
+                </a:solidFill>
+                <a:latin typeface="+mn-lt"/>
+                <a:ea typeface="+mn-ea"/>
+                <a:cs typeface="+mn-cs"/>
+              </a:defRPr>
+            </a:lvl7pPr>
+            <a:lvl8pPr marL="3429000" indent="-228600" algn="l" defTabSz="914400" rtl="0" eaLnBrk="1" latinLnBrk="0" hangingPunct="1">
+              <a:lnSpc>
+                <a:spcPct val="110000"/>
+              </a:lnSpc>
+              <a:spcBef>
+                <a:spcPts val="700"/>
+              </a:spcBef>
+              <a:buClr>
+                <a:schemeClr val="tx2"/>
+              </a:buClr>
+              <a:buFont typeface="Gill Sans MT" panose="020B0502020104020203" pitchFamily="34" charset="0"/>
+              <a:buChar char="–"/>
+              <a:defRPr sz="1400" kern="1200" baseline="0">
+                <a:solidFill>
+                  <a:schemeClr val="tx1">
+                    <a:lumMod val="65000"/>
+                    <a:lumOff val="35000"/>
+                  </a:schemeClr>
+                </a:solidFill>
+                <a:latin typeface="+mn-lt"/>
+                <a:ea typeface="+mn-ea"/>
+                <a:cs typeface="+mn-cs"/>
+              </a:defRPr>
+            </a:lvl8pPr>
+            <a:lvl9pPr marL="3886200" indent="-228600" algn="l" defTabSz="914400" rtl="0" eaLnBrk="1" latinLnBrk="0" hangingPunct="1">
+              <a:lnSpc>
+                <a:spcPct val="110000"/>
+              </a:lnSpc>
+              <a:spcBef>
+                <a:spcPts val="700"/>
+              </a:spcBef>
+              <a:buClr>
+                <a:schemeClr val="tx2"/>
+              </a:buClr>
+              <a:buFont typeface="Arial" panose="020B0604020202020204" pitchFamily="34" charset="0"/>
+              <a:buChar char="•"/>
+              <a:defRPr sz="1400" kern="1200" baseline="0">
+                <a:solidFill>
+                  <a:schemeClr val="tx1">
+                    <a:lumMod val="65000"/>
+                    <a:lumOff val="35000"/>
+                  </a:schemeClr>
+                </a:solidFill>
+                <a:latin typeface="+mn-lt"/>
+                <a:ea typeface="+mn-ea"/>
+                <a:cs typeface="+mn-cs"/>
+              </a:defRPr>
+            </a:lvl9pPr>
+          </a:lstStyle>
+          <a:p>
+            <a:pPr marL="0" indent="0">
+              <a:buFont typeface="Arial" panose="020B0604020202020204" pitchFamily="34" charset="0"/>
+              <a:buNone/>
+            </a:pPr>
+            <a:r>
+              <a:rPr lang="it-IT" dirty="0"/>
+              <a:t>Nel livello di </a:t>
+            </a:r>
+            <a:r>
+              <a:rPr lang="it-IT" dirty="0" err="1"/>
+              <a:t>view</a:t>
+            </a:r>
+            <a:r>
+              <a:rPr lang="it-IT" dirty="0"/>
+              <a:t> ci sono tre sottosistemi che permettono la visualizzazione in base al tipo di utente. </a:t>
+            </a:r>
+            <a:br>
+              <a:rPr lang="it-IT" dirty="0"/>
+            </a:br>
+            <a:r>
+              <a:rPr lang="it-IT" dirty="0"/>
+              <a:t>Per gestire gli accessi alle funzionalità degli admin abbiamo implementato il </a:t>
+            </a:r>
+            <a:r>
+              <a:rPr lang="it-IT" b="1" dirty="0" err="1"/>
+              <a:t>Protection</a:t>
+            </a:r>
+            <a:r>
+              <a:rPr lang="it-IT" b="1" dirty="0"/>
+              <a:t> Proxy</a:t>
+            </a:r>
+            <a:r>
+              <a:rPr lang="it-IT" dirty="0"/>
+              <a:t>.</a:t>
+            </a:r>
+          </a:p>
+        </p:txBody>
+      </p:sp>
+      <p:pic>
+        <p:nvPicPr>
+          <p:cNvPr id="8" name="image2.png">
+            <a:extLst>
+              <a:ext uri="{FF2B5EF4-FFF2-40B4-BE49-F238E27FC236}">
+                <a16:creationId xmlns:a16="http://schemas.microsoft.com/office/drawing/2014/main" id="{B5DA4027-13D5-42B7-AB51-5D2BECFF51EE}"/>
+              </a:ext>
+            </a:extLst>
+          </p:cNvPr>
+          <p:cNvPicPr/>
+          <p:nvPr/>
+        </p:nvPicPr>
+        <p:blipFill>
+          <a:blip r:embed="rId2">
+            <a:extLst>
+              <a:ext uri="{28A0092B-C50C-407E-A947-70E740481C1C}">
+                <a14:useLocalDpi xmlns:a14="http://schemas.microsoft.com/office/drawing/2010/main" val="0"/>
+              </a:ext>
+            </a:extLst>
+          </a:blip>
+          <a:stretch>
+            <a:fillRect/>
+          </a:stretch>
+        </p:blipFill>
+        <p:spPr>
+          <a:xfrm>
+            <a:off x="6572947" y="773481"/>
+            <a:ext cx="5065051" cy="4743645"/>
+          </a:xfrm>
+          <a:prstGeom prst="rect">
+            <a:avLst/>
+          </a:prstGeom>
+          <a:ln/>
+        </p:spPr>
+      </p:pic>
     </p:spTree>
     <p:extLst>
       <p:ext uri="{BB962C8B-B14F-4D97-AF65-F5344CB8AC3E}">
-        <p14:creationId xmlns:p14="http://schemas.microsoft.com/office/powerpoint/2010/main" val="2247784960"/>
+        <p14:creationId xmlns:p14="http://schemas.microsoft.com/office/powerpoint/2010/main" val="3891635091"/>
       </p:ext>
     </p:extLst>
   </p:cSld>

--- a/Presentazione_Seconda consegna/2021_Presentazione_NC08.pptx
+++ b/Presentazione_Seconda consegna/2021_Presentazione_NC08.pptx
@@ -5,7 +5,7 @@
     <p:sldMasterId id="2147483710" r:id="rId1"/>
   </p:sldMasterIdLst>
   <p:notesMasterIdLst>
-    <p:notesMasterId r:id="rId17"/>
+    <p:notesMasterId r:id="rId18"/>
   </p:notesMasterIdLst>
   <p:sldIdLst>
     <p:sldId id="257" r:id="rId2"/>
@@ -19,10 +19,11 @@
     <p:sldId id="275" r:id="rId10"/>
     <p:sldId id="266" r:id="rId11"/>
     <p:sldId id="276" r:id="rId12"/>
-    <p:sldId id="267" r:id="rId13"/>
-    <p:sldId id="268" r:id="rId14"/>
-    <p:sldId id="269" r:id="rId15"/>
-    <p:sldId id="270" r:id="rId16"/>
+    <p:sldId id="277" r:id="rId13"/>
+    <p:sldId id="267" r:id="rId14"/>
+    <p:sldId id="268" r:id="rId15"/>
+    <p:sldId id="269" r:id="rId16"/>
+    <p:sldId id="270" r:id="rId17"/>
   </p:sldIdLst>
   <p:sldSz cx="12192000" cy="6858000"/>
   <p:notesSz cx="6858000" cy="9144000"/>
@@ -211,7 +212,7 @@
           <a:p>
             <a:fld id="{94AE6AE3-6C4F-4985-8BF4-D339751B5499}" type="datetimeFigureOut">
               <a:rPr lang="it-IT" smtClean="0"/>
-              <a:t>21/01/2022</a:t>
+              <a:t>22/01/2022</a:t>
             </a:fld>
             <a:endParaRPr lang="it-IT" dirty="0"/>
           </a:p>
@@ -1689,7 +1690,7 @@
           <a:p>
             <a:fld id="{246CB39B-5F4C-4A7E-9BE3-AAFD45576D16}" type="datetime2">
               <a:rPr lang="en-US" smtClean="0"/>
-              <a:t>Friday, January 21, 2022</a:t>
+              <a:t>Saturday, January 22, 2022</a:t>
             </a:fld>
             <a:endParaRPr lang="en-US" dirty="0"/>
           </a:p>
@@ -1932,7 +1933,7 @@
           <a:p>
             <a:fld id="{246CB39B-5F4C-4A7E-9BE3-AAFD45576D16}" type="datetime2">
               <a:rPr lang="en-US" smtClean="0"/>
-              <a:t>Friday, January 21, 2022</a:t>
+              <a:t>Saturday, January 22, 2022</a:t>
             </a:fld>
             <a:endParaRPr lang="en-US" dirty="0"/>
           </a:p>
@@ -2117,7 +2118,7 @@
           <a:p>
             <a:fld id="{246CB39B-5F4C-4A7E-9BE3-AAFD45576D16}" type="datetime2">
               <a:rPr lang="en-US" smtClean="0"/>
-              <a:t>Friday, January 21, 2022</a:t>
+              <a:t>Saturday, January 22, 2022</a:t>
             </a:fld>
             <a:endParaRPr lang="en-US" dirty="0"/>
           </a:p>
@@ -2292,7 +2293,7 @@
           <a:p>
             <a:fld id="{246CB39B-5F4C-4A7E-9BE3-AAFD45576D16}" type="datetime2">
               <a:rPr lang="en-US" smtClean="0"/>
-              <a:t>Friday, January 21, 2022</a:t>
+              <a:t>Saturday, January 22, 2022</a:t>
             </a:fld>
             <a:endParaRPr lang="en-US" dirty="0"/>
           </a:p>
@@ -2573,7 +2574,7 @@
           <a:p>
             <a:fld id="{246CB39B-5F4C-4A7E-9BE3-AAFD45576D16}" type="datetime2">
               <a:rPr lang="en-US" smtClean="0"/>
-              <a:t>Friday, January 21, 2022</a:t>
+              <a:t>Saturday, January 22, 2022</a:t>
             </a:fld>
             <a:endParaRPr lang="en-US" dirty="0"/>
           </a:p>
@@ -3779,7 +3780,7 @@
           <a:p>
             <a:fld id="{246CB39B-5F4C-4A7E-9BE3-AAFD45576D16}" type="datetime2">
               <a:rPr lang="en-US" smtClean="0"/>
-              <a:t>Friday, January 21, 2022</a:t>
+              <a:t>Saturday, January 22, 2022</a:t>
             </a:fld>
             <a:endParaRPr lang="en-US" dirty="0"/>
           </a:p>
@@ -4174,7 +4175,7 @@
           <a:p>
             <a:fld id="{246CB39B-5F4C-4A7E-9BE3-AAFD45576D16}" type="datetime2">
               <a:rPr lang="en-US" smtClean="0"/>
-              <a:t>Friday, January 21, 2022</a:t>
+              <a:t>Saturday, January 22, 2022</a:t>
             </a:fld>
             <a:endParaRPr lang="en-US" dirty="0"/>
           </a:p>
@@ -4302,7 +4303,7 @@
           <a:p>
             <a:fld id="{246CB39B-5F4C-4A7E-9BE3-AAFD45576D16}" type="datetime2">
               <a:rPr lang="en-US" smtClean="0"/>
-              <a:t>Friday, January 21, 2022</a:t>
+              <a:t>Saturday, January 22, 2022</a:t>
             </a:fld>
             <a:endParaRPr lang="en-US" dirty="0"/>
           </a:p>
@@ -4402,7 +4403,7 @@
           <a:p>
             <a:fld id="{246CB39B-5F4C-4A7E-9BE3-AAFD45576D16}" type="datetime2">
               <a:rPr lang="en-US" smtClean="0"/>
-              <a:t>Friday, January 21, 2022</a:t>
+              <a:t>Saturday, January 22, 2022</a:t>
             </a:fld>
             <a:endParaRPr lang="en-US" dirty="0"/>
           </a:p>
@@ -5170,7 +5171,7 @@
           <a:p>
             <a:fld id="{246CB39B-5F4C-4A7E-9BE3-AAFD45576D16}" type="datetime2">
               <a:rPr lang="en-US" smtClean="0"/>
-              <a:t>Friday, January 21, 2022</a:t>
+              <a:t>Saturday, January 22, 2022</a:t>
             </a:fld>
             <a:endParaRPr lang="en-US" dirty="0"/>
           </a:p>
@@ -6015,7 +6016,7 @@
           <a:p>
             <a:fld id="{246CB39B-5F4C-4A7E-9BE3-AAFD45576D16}" type="datetime2">
               <a:rPr lang="en-US" smtClean="0"/>
-              <a:t>Friday, January 21, 2022</a:t>
+              <a:t>Saturday, January 22, 2022</a:t>
             </a:fld>
             <a:endParaRPr lang="en-US" dirty="0"/>
           </a:p>
@@ -6247,7 +6248,7 @@
           <a:p>
             <a:fld id="{246CB39B-5F4C-4A7E-9BE3-AAFD45576D16}" type="datetime2">
               <a:rPr lang="en-US" smtClean="0"/>
-              <a:t>Friday, January 21, 2022</a:t>
+              <a:t>Saturday, January 22, 2022</a:t>
             </a:fld>
             <a:endParaRPr lang="en-US" dirty="0"/>
           </a:p>
@@ -9230,28 +9231,92 @@
         </p:nvSpPr>
         <p:spPr>
           <a:xfrm>
-            <a:off x="1177823" y="365760"/>
-            <a:ext cx="6162316" cy="5432125"/>
+            <a:off x="1072342" y="99753"/>
+            <a:ext cx="7514706" cy="4023360"/>
           </a:xfrm>
         </p:spPr>
         <p:txBody>
-          <a:bodyPr/>
+          <a:bodyPr>
+            <a:normAutofit/>
+          </a:bodyPr>
           <a:lstStyle/>
+          <a:p>
+            <a:pPr>
+              <a:buSzPct val="140000"/>
+              <a:buBlip>
+                <a:blip r:embed="rId2"/>
+              </a:buBlip>
+            </a:pPr>
+            <a:r>
+              <a:rPr lang="it-IT" dirty="0"/>
+              <a:t>La prima fase di testing è il </a:t>
+            </a:r>
+            <a:r>
+              <a:rPr lang="it-IT" b="1" dirty="0"/>
+              <a:t>Testing di Unità</a:t>
+            </a:r>
+            <a:r>
+              <a:rPr lang="it-IT" dirty="0"/>
+              <a:t>. </a:t>
+            </a:r>
+          </a:p>
           <a:p>
             <a:pPr marL="0" indent="0">
               <a:buNone/>
             </a:pPr>
             <a:r>
               <a:rPr lang="it-IT" dirty="0"/>
-              <a:t>La prima fase di testing è il </a:t>
+              <a:t>Le singole funzioni degli oggetti creati sono testati, utilizzando un approccio di tipo </a:t>
             </a:r>
             <a:r>
               <a:rPr lang="it-IT" b="1" dirty="0"/>
-              <a:t>Testing di Unità</a:t>
-            </a:r>
+              <a:t>black box. </a:t>
+            </a:r>
+          </a:p>
+          <a:p>
+            <a:pPr>
+              <a:buSzPct val="140000"/>
+              <a:buBlip>
+                <a:blip r:embed="rId2"/>
+              </a:buBlip>
+            </a:pPr>
             <a:r>
               <a:rPr lang="it-IT" dirty="0"/>
-              <a:t>. </a:t>
+              <a:t>Successivamente è stato svolto il testing di integrazione in cui le singole unità vengono combinate e testate come gruppo;</a:t>
+            </a:r>
+          </a:p>
+          <a:p>
+            <a:pPr marL="0" indent="0">
+              <a:buSzPct val="140000"/>
+              <a:buNone/>
+            </a:pPr>
+            <a:r>
+              <a:rPr lang="it-IT" dirty="0"/>
+              <a:t>   Come strategia scelta è stato utilizzato un approccio </a:t>
+            </a:r>
+            <a:r>
+              <a:rPr lang="it-IT" b="1" dirty="0"/>
+              <a:t>bottom-up.</a:t>
+            </a:r>
+          </a:p>
+          <a:p>
+            <a:pPr>
+              <a:buSzPct val="140000"/>
+              <a:buBlip>
+                <a:blip r:embed="rId2"/>
+              </a:buBlip>
+            </a:pPr>
+            <a:r>
+              <a:rPr lang="it-IT" dirty="0"/>
+              <a:t>Infine Si è svolto il testing di sistema utilizzando </a:t>
+            </a:r>
+            <a:r>
+              <a:rPr lang="it-IT" dirty="0" err="1"/>
+              <a:t>Katalon</a:t>
+            </a:r>
+            <a:r>
+              <a:rPr lang="it-IT" dirty="0"/>
+              <a:t> Recorder per testare i requisiti funzionali.</a:t>
             </a:r>
           </a:p>
           <a:p>
@@ -9260,19 +9325,16 @@
             </a:pPr>
             <a:r>
               <a:rPr lang="it-IT" dirty="0"/>
-              <a:t>Le singole funzioni degli oggetti creati verranno testati, utilizzando un approccio di tipo </a:t>
-            </a:r>
-            <a:r>
-              <a:rPr lang="it-IT" b="1" dirty="0"/>
-              <a:t>black box. </a:t>
-            </a:r>
-            <a:endParaRPr lang="it-IT" dirty="0"/>
-          </a:p>
-          <a:p>
-            <a:pPr marL="0" indent="0">
-              <a:buNone/>
-            </a:pPr>
-            <a:endParaRPr lang="it-IT" dirty="0"/>
+              <a:t>Di seguito viene riportata la </a:t>
+            </a:r>
+            <a:r>
+              <a:rPr lang="it-IT" dirty="0" err="1"/>
+              <a:t>branch</a:t>
+            </a:r>
+            <a:r>
+              <a:rPr lang="it-IT" dirty="0"/>
+              <a:t> coverage ottenuta testando l’intero progetto:</a:t>
+            </a:r>
           </a:p>
         </p:txBody>
       </p:sp>
@@ -9291,7 +9353,7 @@
           <p:nvPr/>
         </p:nvPicPr>
         <p:blipFill>
-          <a:blip r:embed="rId2">
+          <a:blip r:embed="rId3">
             <a:extLst>
               <a:ext uri="{28A0092B-C50C-407E-A947-70E740481C1C}">
                 <a14:useLocalDpi xmlns:a14="http://schemas.microsoft.com/office/drawing/2010/main" val="0"/>
@@ -9304,8 +9366,38 @@
         </p:blipFill>
         <p:spPr>
           <a:xfrm>
-            <a:off x="7597833" y="1412064"/>
-            <a:ext cx="3835895" cy="3701891"/>
+            <a:off x="8587048" y="99753"/>
+            <a:ext cx="3012935" cy="2907680"/>
+          </a:xfrm>
+          <a:prstGeom prst="rect">
+            <a:avLst/>
+          </a:prstGeom>
+        </p:spPr>
+      </p:pic>
+      <p:pic>
+        <p:nvPicPr>
+          <p:cNvPr id="7" name="Immagine 6">
+            <a:extLst>
+              <a:ext uri="{FF2B5EF4-FFF2-40B4-BE49-F238E27FC236}">
+                <a16:creationId xmlns:a16="http://schemas.microsoft.com/office/drawing/2014/main" id="{7A2B4A64-66B0-4E32-A8DA-957D84489DEB}"/>
+              </a:ext>
+            </a:extLst>
+          </p:cNvPr>
+          <p:cNvPicPr>
+            <a:picLocks noChangeAspect="1"/>
+          </p:cNvPicPr>
+          <p:nvPr/>
+        </p:nvPicPr>
+        <p:blipFill>
+          <a:blip r:embed="rId4"/>
+          <a:stretch>
+            <a:fillRect/>
+          </a:stretch>
+        </p:blipFill>
+        <p:spPr>
+          <a:xfrm>
+            <a:off x="1296785" y="4018792"/>
+            <a:ext cx="10180320" cy="2570279"/>
           </a:xfrm>
           <a:prstGeom prst="rect">
             <a:avLst/>
@@ -9322,10 +9414,2246 @@
   <p:clrMapOvr>
     <a:masterClrMapping/>
   </p:clrMapOvr>
+  <mc:AlternateContent xmlns:mc="http://schemas.openxmlformats.org/markup-compatibility/2006">
+    <mc:Choice xmlns:p14="http://schemas.microsoft.com/office/powerpoint/2010/main" Requires="p14">
+      <p:transition p14:dur="10"/>
+    </mc:Choice>
+    <mc:Fallback>
+      <p:transition/>
+    </mc:Fallback>
+  </mc:AlternateContent>
 </p:sld>
 </file>
 
 <file path=ppt/slides/slide12.xml><?xml version="1.0" encoding="utf-8"?>
+<p:sld xmlns:a="http://schemas.openxmlformats.org/drawingml/2006/main" xmlns:r="http://schemas.openxmlformats.org/officeDocument/2006/relationships" xmlns:p="http://schemas.openxmlformats.org/presentationml/2006/main">
+  <p:cSld>
+    <p:spTree>
+      <p:nvGrpSpPr>
+        <p:cNvPr id="1" name=""/>
+        <p:cNvGrpSpPr/>
+        <p:nvPr/>
+      </p:nvGrpSpPr>
+      <p:grpSpPr>
+        <a:xfrm>
+          <a:off x="0" y="0"/>
+          <a:ext cx="0" cy="0"/>
+          <a:chOff x="0" y="0"/>
+          <a:chExt cx="0" cy="0"/>
+        </a:xfrm>
+      </p:grpSpPr>
+      <p:sp>
+        <p:nvSpPr>
+          <p:cNvPr id="2" name="Titolo 1">
+            <a:extLst>
+              <a:ext uri="{FF2B5EF4-FFF2-40B4-BE49-F238E27FC236}">
+                <a16:creationId xmlns:a16="http://schemas.microsoft.com/office/drawing/2014/main" id="{B091881F-E104-4A2A-A90F-E9C96E8E73B4}"/>
+              </a:ext>
+            </a:extLst>
+          </p:cNvPr>
+          <p:cNvSpPr>
+            <a:spLocks noGrp="1"/>
+          </p:cNvSpPr>
+          <p:nvPr>
+            <p:ph type="title"/>
+          </p:nvPr>
+        </p:nvSpPr>
+        <p:spPr>
+          <a:xfrm rot="16200000">
+            <a:off x="-3053088" y="3053088"/>
+            <a:ext cx="6858003" cy="751823"/>
+          </a:xfrm>
+        </p:spPr>
+        <p:txBody>
+          <a:bodyPr>
+            <a:noAutofit/>
+          </a:bodyPr>
+          <a:lstStyle/>
+          <a:p>
+            <a:pPr algn="r"/>
+            <a:r>
+              <a:rPr lang="it-IT" sz="4800" dirty="0">
+                <a:solidFill>
+                  <a:srgbClr val="F8B323"/>
+                </a:solidFill>
+              </a:rPr>
+              <a:t>TESTING - Login Utente</a:t>
+            </a:r>
+          </a:p>
+        </p:txBody>
+      </p:sp>
+      <p:sp>
+        <p:nvSpPr>
+          <p:cNvPr id="3" name="Segnaposto contenuto 2">
+            <a:extLst>
+              <a:ext uri="{FF2B5EF4-FFF2-40B4-BE49-F238E27FC236}">
+                <a16:creationId xmlns:a16="http://schemas.microsoft.com/office/drawing/2014/main" id="{0D1F4823-2969-402A-86AF-FE8D80B3F521}"/>
+              </a:ext>
+            </a:extLst>
+          </p:cNvPr>
+          <p:cNvSpPr>
+            <a:spLocks noGrp="1"/>
+          </p:cNvSpPr>
+          <p:nvPr>
+            <p:ph idx="1"/>
+          </p:nvPr>
+        </p:nvSpPr>
+        <p:spPr>
+          <a:xfrm>
+            <a:off x="1231822" y="236912"/>
+            <a:ext cx="9840732" cy="627612"/>
+          </a:xfrm>
+        </p:spPr>
+        <p:txBody>
+          <a:bodyPr/>
+          <a:lstStyle/>
+          <a:p>
+            <a:pPr marL="0" indent="0" algn="ctr">
+              <a:buSzPct val="140000"/>
+              <a:buNone/>
+            </a:pPr>
+            <a:r>
+              <a:rPr lang="it-IT" dirty="0"/>
+              <a:t>Di seguito vi è un esempio di test case:  Test login utente.</a:t>
+            </a:r>
+          </a:p>
+        </p:txBody>
+      </p:sp>
+      <p:graphicFrame>
+        <p:nvGraphicFramePr>
+          <p:cNvPr id="4" name="Tabella 3">
+            <a:extLst>
+              <a:ext uri="{FF2B5EF4-FFF2-40B4-BE49-F238E27FC236}">
+                <a16:creationId xmlns:a16="http://schemas.microsoft.com/office/drawing/2014/main" id="{99B04F54-99D0-436F-8A6C-B5522248FFB7}"/>
+              </a:ext>
+            </a:extLst>
+          </p:cNvPr>
+          <p:cNvGraphicFramePr>
+            <a:graphicFrameLocks noGrp="1"/>
+          </p:cNvGraphicFramePr>
+          <p:nvPr>
+            <p:extLst>
+              <p:ext uri="{D42A27DB-BD31-4B8C-83A1-F6EECF244321}">
+                <p14:modId xmlns:p14="http://schemas.microsoft.com/office/powerpoint/2010/main" val="3186236629"/>
+              </p:ext>
+            </p:extLst>
+          </p:nvPr>
+        </p:nvGraphicFramePr>
+        <p:xfrm>
+          <a:off x="1058635" y="698270"/>
+          <a:ext cx="4283679" cy="3212516"/>
+        </p:xfrm>
+        <a:graphic>
+          <a:graphicData uri="http://schemas.openxmlformats.org/drawingml/2006/table">
+            <a:tbl>
+              <a:tblPr>
+                <a:tableStyleId>{5C22544A-7EE6-4342-B048-85BDC9FD1C3A}</a:tableStyleId>
+              </a:tblPr>
+              <a:tblGrid>
+                <a:gridCol w="2063271">
+                  <a:extLst>
+                    <a:ext uri="{9D8B030D-6E8A-4147-A177-3AD203B41FA5}">
+                      <a16:colId xmlns:a16="http://schemas.microsoft.com/office/drawing/2014/main" val="281780323"/>
+                    </a:ext>
+                  </a:extLst>
+                </a:gridCol>
+                <a:gridCol w="2220408">
+                  <a:extLst>
+                    <a:ext uri="{9D8B030D-6E8A-4147-A177-3AD203B41FA5}">
+                      <a16:colId xmlns:a16="http://schemas.microsoft.com/office/drawing/2014/main" val="1917772526"/>
+                    </a:ext>
+                  </a:extLst>
+                </a:gridCol>
+              </a:tblGrid>
+              <a:tr h="386821">
+                <a:tc gridSpan="2">
+                  <a:txBody>
+                    <a:bodyPr/>
+                    <a:lstStyle/>
+                    <a:p>
+                      <a:pPr marL="0" marR="0">
+                        <a:lnSpc>
+                          <a:spcPct val="115000"/>
+                        </a:lnSpc>
+                        <a:spcBef>
+                          <a:spcPts val="0"/>
+                        </a:spcBef>
+                        <a:spcAft>
+                          <a:spcPts val="0"/>
+                        </a:spcAft>
+                      </a:pPr>
+                      <a:r>
+                        <a:rPr lang="it-IT" sz="900">
+                          <a:effectLst/>
+                        </a:rPr>
+                        <a:t>                                         Parametro: E-mail</a:t>
+                      </a:r>
+                      <a:endParaRPr lang="it-IT" sz="800">
+                        <a:effectLst/>
+                      </a:endParaRPr>
+                    </a:p>
+                    <a:p>
+                      <a:pPr marL="0" marR="0">
+                        <a:lnSpc>
+                          <a:spcPct val="115000"/>
+                        </a:lnSpc>
+                        <a:spcBef>
+                          <a:spcPts val="0"/>
+                        </a:spcBef>
+                        <a:spcAft>
+                          <a:spcPts val="0"/>
+                        </a:spcAft>
+                      </a:pPr>
+                      <a:r>
+                        <a:rPr lang="it-IT" sz="900">
+                          <a:effectLst/>
+                        </a:rPr>
+                        <a:t>                                         Formato: [A-z0-9.+-]+@[A-z0-9.-]+.[A-z]{2,6}</a:t>
+                      </a:r>
+                      <a:endParaRPr lang="it-IT" sz="800">
+                        <a:effectLst/>
+                        <a:latin typeface="Arial" panose="020B0604020202020204" pitchFamily="34" charset="0"/>
+                        <a:ea typeface="Arial" panose="020B0604020202020204" pitchFamily="34" charset="0"/>
+                      </a:endParaRPr>
+                    </a:p>
+                  </a:txBody>
+                  <a:tcPr marL="80303" marR="80303" marT="40151" marB="40151"/>
+                </a:tc>
+                <a:tc hMerge="1">
+                  <a:txBody>
+                    <a:bodyPr/>
+                    <a:lstStyle/>
+                    <a:p>
+                      <a:endParaRPr lang="it-IT"/>
+                    </a:p>
+                  </a:txBody>
+                  <a:tcPr/>
+                </a:tc>
+                <a:extLst>
+                  <a:ext uri="{0D108BD9-81ED-4DB2-BD59-A6C34878D82A}">
+                    <a16:rowId xmlns:a16="http://schemas.microsoft.com/office/drawing/2014/main" val="2576402104"/>
+                  </a:ext>
+                </a:extLst>
+              </a:tr>
+              <a:tr h="232907">
+                <a:tc>
+                  <a:txBody>
+                    <a:bodyPr/>
+                    <a:lstStyle/>
+                    <a:p>
+                      <a:pPr marL="0" marR="0" algn="ctr">
+                        <a:lnSpc>
+                          <a:spcPct val="115000"/>
+                        </a:lnSpc>
+                        <a:spcBef>
+                          <a:spcPts val="0"/>
+                        </a:spcBef>
+                        <a:spcAft>
+                          <a:spcPts val="0"/>
+                        </a:spcAft>
+                      </a:pPr>
+                      <a:r>
+                        <a:rPr lang="it-IT" sz="900">
+                          <a:effectLst/>
+                        </a:rPr>
+                        <a:t> categorie </a:t>
+                      </a:r>
+                      <a:endParaRPr lang="it-IT" sz="800">
+                        <a:effectLst/>
+                        <a:latin typeface="Arial" panose="020B0604020202020204" pitchFamily="34" charset="0"/>
+                        <a:ea typeface="Arial" panose="020B0604020202020204" pitchFamily="34" charset="0"/>
+                      </a:endParaRPr>
+                    </a:p>
+                  </a:txBody>
+                  <a:tcPr marL="45547" marR="45547" marT="45547" marB="45547"/>
+                </a:tc>
+                <a:tc>
+                  <a:txBody>
+                    <a:bodyPr/>
+                    <a:lstStyle/>
+                    <a:p>
+                      <a:pPr marL="0" marR="0" algn="ctr">
+                        <a:lnSpc>
+                          <a:spcPct val="115000"/>
+                        </a:lnSpc>
+                        <a:spcBef>
+                          <a:spcPts val="0"/>
+                        </a:spcBef>
+                        <a:spcAft>
+                          <a:spcPts val="0"/>
+                        </a:spcAft>
+                      </a:pPr>
+                      <a:r>
+                        <a:rPr lang="it-IT" sz="900">
+                          <a:effectLst/>
+                        </a:rPr>
+                        <a:t>scelte </a:t>
+                      </a:r>
+                      <a:endParaRPr lang="it-IT" sz="800">
+                        <a:effectLst/>
+                        <a:latin typeface="Arial" panose="020B0604020202020204" pitchFamily="34" charset="0"/>
+                        <a:ea typeface="Arial" panose="020B0604020202020204" pitchFamily="34" charset="0"/>
+                      </a:endParaRPr>
+                    </a:p>
+                  </a:txBody>
+                  <a:tcPr marL="45547" marR="45547" marT="45547" marB="45547"/>
+                </a:tc>
+                <a:extLst>
+                  <a:ext uri="{0D108BD9-81ED-4DB2-BD59-A6C34878D82A}">
+                    <a16:rowId xmlns:a16="http://schemas.microsoft.com/office/drawing/2014/main" val="3331731097"/>
+                  </a:ext>
+                </a:extLst>
+              </a:tr>
+              <a:tr h="681563">
+                <a:tc>
+                  <a:txBody>
+                    <a:bodyPr/>
+                    <a:lstStyle/>
+                    <a:p>
+                      <a:pPr marL="0" marR="0" algn="ctr">
+                        <a:lnSpc>
+                          <a:spcPct val="115000"/>
+                        </a:lnSpc>
+                        <a:spcBef>
+                          <a:spcPts val="0"/>
+                        </a:spcBef>
+                        <a:spcAft>
+                          <a:spcPts val="0"/>
+                        </a:spcAft>
+                      </a:pPr>
+                      <a:r>
+                        <a:rPr lang="it-IT" sz="900">
+                          <a:effectLst/>
+                        </a:rPr>
+                        <a:t>Lunghezza (ma)                                                                                             </a:t>
+                      </a:r>
+                      <a:endParaRPr lang="it-IT" sz="800">
+                        <a:effectLst/>
+                      </a:endParaRPr>
+                    </a:p>
+                    <a:p>
+                      <a:pPr marL="0" marR="0">
+                        <a:lnSpc>
+                          <a:spcPct val="115000"/>
+                        </a:lnSpc>
+                        <a:spcBef>
+                          <a:spcPts val="0"/>
+                        </a:spcBef>
+                        <a:spcAft>
+                          <a:spcPts val="0"/>
+                        </a:spcAft>
+                      </a:pPr>
+                      <a:r>
+                        <a:rPr lang="it-IT" sz="900">
+                          <a:effectLst/>
+                        </a:rPr>
+                        <a:t>                                              </a:t>
+                      </a:r>
+                      <a:endParaRPr lang="it-IT" sz="800">
+                        <a:effectLst/>
+                        <a:latin typeface="Arial" panose="020B0604020202020204" pitchFamily="34" charset="0"/>
+                        <a:ea typeface="Arial" panose="020B0604020202020204" pitchFamily="34" charset="0"/>
+                      </a:endParaRPr>
+                    </a:p>
+                  </a:txBody>
+                  <a:tcPr marL="45547" marR="45547" marT="45547" marB="45547"/>
+                </a:tc>
+                <a:tc>
+                  <a:txBody>
+                    <a:bodyPr/>
+                    <a:lstStyle/>
+                    <a:p>
+                      <a:pPr marL="0" marR="0">
+                        <a:lnSpc>
+                          <a:spcPct val="115000"/>
+                        </a:lnSpc>
+                        <a:spcBef>
+                          <a:spcPts val="0"/>
+                        </a:spcBef>
+                        <a:spcAft>
+                          <a:spcPts val="0"/>
+                        </a:spcAft>
+                      </a:pPr>
+                      <a:r>
+                        <a:rPr lang="it-IT" sz="900">
+                          <a:effectLst/>
+                        </a:rPr>
+                        <a:t>1: lunghezza == 0 [errore]</a:t>
+                      </a:r>
+                      <a:endParaRPr lang="it-IT" sz="800">
+                        <a:effectLst/>
+                      </a:endParaRPr>
+                    </a:p>
+                    <a:p>
+                      <a:pPr marL="0" marR="0">
+                        <a:lnSpc>
+                          <a:spcPct val="115000"/>
+                        </a:lnSpc>
+                        <a:spcBef>
+                          <a:spcPts val="0"/>
+                        </a:spcBef>
+                        <a:spcAft>
+                          <a:spcPts val="0"/>
+                        </a:spcAft>
+                      </a:pPr>
+                      <a:r>
+                        <a:rPr lang="it-IT" sz="900">
+                          <a:effectLst/>
+                        </a:rPr>
+                        <a:t> </a:t>
+                      </a:r>
+                      <a:endParaRPr lang="it-IT" sz="800">
+                        <a:effectLst/>
+                      </a:endParaRPr>
+                    </a:p>
+                    <a:p>
+                      <a:pPr marL="0" marR="0">
+                        <a:lnSpc>
+                          <a:spcPct val="115000"/>
+                        </a:lnSpc>
+                        <a:spcBef>
+                          <a:spcPts val="0"/>
+                        </a:spcBef>
+                        <a:spcAft>
+                          <a:spcPts val="0"/>
+                        </a:spcAft>
+                      </a:pPr>
+                      <a:r>
+                        <a:rPr lang="it-IT" sz="900">
+                          <a:effectLst/>
+                        </a:rPr>
+                        <a:t> 2: lunghezza &gt; 0   [property lunghezzaMAok]                                                               </a:t>
+                      </a:r>
+                      <a:endParaRPr lang="it-IT" sz="800">
+                        <a:effectLst/>
+                        <a:latin typeface="Arial" panose="020B0604020202020204" pitchFamily="34" charset="0"/>
+                        <a:ea typeface="Arial" panose="020B0604020202020204" pitchFamily="34" charset="0"/>
+                      </a:endParaRPr>
+                    </a:p>
+                  </a:txBody>
+                  <a:tcPr marL="45547" marR="45547" marT="45547" marB="45547"/>
+                </a:tc>
+                <a:extLst>
+                  <a:ext uri="{0D108BD9-81ED-4DB2-BD59-A6C34878D82A}">
+                    <a16:rowId xmlns:a16="http://schemas.microsoft.com/office/drawing/2014/main" val="2235274518"/>
+                  </a:ext>
+                </a:extLst>
+              </a:tr>
+              <a:tr h="882698">
+                <a:tc>
+                  <a:txBody>
+                    <a:bodyPr/>
+                    <a:lstStyle/>
+                    <a:p>
+                      <a:pPr marL="0" marR="0" algn="ctr">
+                        <a:lnSpc>
+                          <a:spcPct val="115000"/>
+                        </a:lnSpc>
+                        <a:spcBef>
+                          <a:spcPts val="0"/>
+                        </a:spcBef>
+                        <a:spcAft>
+                          <a:spcPts val="0"/>
+                        </a:spcAft>
+                      </a:pPr>
+                      <a:r>
+                        <a:rPr lang="it-IT" sz="900">
+                          <a:effectLst/>
+                        </a:rPr>
+                        <a:t>Formato (il)                                                                                                                   </a:t>
+                      </a:r>
+                      <a:endParaRPr lang="it-IT" sz="800">
+                        <a:effectLst/>
+                        <a:latin typeface="Arial" panose="020B0604020202020204" pitchFamily="34" charset="0"/>
+                        <a:ea typeface="Arial" panose="020B0604020202020204" pitchFamily="34" charset="0"/>
+                      </a:endParaRPr>
+                    </a:p>
+                  </a:txBody>
+                  <a:tcPr marL="45547" marR="45547" marT="45547" marB="45547"/>
+                </a:tc>
+                <a:tc>
+                  <a:txBody>
+                    <a:bodyPr/>
+                    <a:lstStyle/>
+                    <a:p>
+                      <a:pPr marL="0" marR="0">
+                        <a:lnSpc>
+                          <a:spcPct val="115000"/>
+                        </a:lnSpc>
+                        <a:spcBef>
+                          <a:spcPts val="0"/>
+                        </a:spcBef>
+                        <a:spcAft>
+                          <a:spcPts val="0"/>
+                        </a:spcAft>
+                      </a:pPr>
+                      <a:r>
+                        <a:rPr lang="it-IT" sz="900">
+                          <a:effectLst/>
+                        </a:rPr>
+                        <a:t>1: rispetta il formato [ if lunghezzaMAok]                                                       [property formatoILok ]</a:t>
+                      </a:r>
+                      <a:endParaRPr lang="it-IT" sz="800">
+                        <a:effectLst/>
+                      </a:endParaRPr>
+                    </a:p>
+                    <a:p>
+                      <a:pPr marL="0" marR="0">
+                        <a:lnSpc>
+                          <a:spcPct val="115000"/>
+                        </a:lnSpc>
+                        <a:spcBef>
+                          <a:spcPts val="0"/>
+                        </a:spcBef>
+                        <a:spcAft>
+                          <a:spcPts val="0"/>
+                        </a:spcAft>
+                      </a:pPr>
+                      <a:r>
+                        <a:rPr lang="it-IT" sz="900">
+                          <a:effectLst/>
+                        </a:rPr>
+                        <a:t>                                                          </a:t>
+                      </a:r>
+                      <a:endParaRPr lang="it-IT" sz="800">
+                        <a:effectLst/>
+                      </a:endParaRPr>
+                    </a:p>
+                    <a:p>
+                      <a:pPr marL="0" marR="0">
+                        <a:lnSpc>
+                          <a:spcPct val="115000"/>
+                        </a:lnSpc>
+                        <a:spcBef>
+                          <a:spcPts val="0"/>
+                        </a:spcBef>
+                        <a:spcAft>
+                          <a:spcPts val="0"/>
+                        </a:spcAft>
+                      </a:pPr>
+                      <a:r>
+                        <a:rPr lang="it-IT" sz="900">
+                          <a:effectLst/>
+                        </a:rPr>
+                        <a:t>2: non rispetta il formato [ if                                                                    lunghezzaMAok] [ errore ]  </a:t>
+                      </a:r>
+                      <a:endParaRPr lang="it-IT" sz="800">
+                        <a:effectLst/>
+                        <a:latin typeface="Arial" panose="020B0604020202020204" pitchFamily="34" charset="0"/>
+                        <a:ea typeface="Arial" panose="020B0604020202020204" pitchFamily="34" charset="0"/>
+                      </a:endParaRPr>
+                    </a:p>
+                  </a:txBody>
+                  <a:tcPr marL="45547" marR="45547" marT="45547" marB="45547"/>
+                </a:tc>
+                <a:extLst>
+                  <a:ext uri="{0D108BD9-81ED-4DB2-BD59-A6C34878D82A}">
+                    <a16:rowId xmlns:a16="http://schemas.microsoft.com/office/drawing/2014/main" val="1407040558"/>
+                  </a:ext>
+                </a:extLst>
+              </a:tr>
+              <a:tr h="1002477">
+                <a:tc>
+                  <a:txBody>
+                    <a:bodyPr/>
+                    <a:lstStyle/>
+                    <a:p>
+                      <a:pPr marL="0" marR="0" algn="ctr">
+                        <a:lnSpc>
+                          <a:spcPct val="115000"/>
+                        </a:lnSpc>
+                        <a:spcBef>
+                          <a:spcPts val="0"/>
+                        </a:spcBef>
+                        <a:spcAft>
+                          <a:spcPts val="0"/>
+                        </a:spcAft>
+                      </a:pPr>
+                      <a:r>
+                        <a:rPr lang="it-IT" sz="900">
+                          <a:effectLst/>
+                        </a:rPr>
+                        <a:t>Esiste (es)                                                                                                             </a:t>
+                      </a:r>
+                      <a:endParaRPr lang="it-IT" sz="800">
+                        <a:effectLst/>
+                        <a:latin typeface="Arial" panose="020B0604020202020204" pitchFamily="34" charset="0"/>
+                        <a:ea typeface="Arial" panose="020B0604020202020204" pitchFamily="34" charset="0"/>
+                      </a:endParaRPr>
+                    </a:p>
+                  </a:txBody>
+                  <a:tcPr marL="45547" marR="45547" marT="45547" marB="45547"/>
+                </a:tc>
+                <a:tc>
+                  <a:txBody>
+                    <a:bodyPr/>
+                    <a:lstStyle/>
+                    <a:p>
+                      <a:pPr marL="0" marR="0">
+                        <a:lnSpc>
+                          <a:spcPct val="115000"/>
+                        </a:lnSpc>
+                        <a:spcBef>
+                          <a:spcPts val="0"/>
+                        </a:spcBef>
+                        <a:spcAft>
+                          <a:spcPts val="0"/>
+                        </a:spcAft>
+                      </a:pPr>
+                      <a:r>
+                        <a:rPr lang="it-IT" sz="900" dirty="0">
+                          <a:effectLst/>
+                        </a:rPr>
+                        <a:t>1.esiste nel </a:t>
+                      </a:r>
+                      <a:r>
+                        <a:rPr lang="it-IT" sz="900" dirty="0" err="1">
+                          <a:effectLst/>
+                        </a:rPr>
+                        <a:t>db</a:t>
+                      </a:r>
+                      <a:r>
+                        <a:rPr lang="it-IT" sz="900" dirty="0">
+                          <a:effectLst/>
+                        </a:rPr>
+                        <a:t> [</a:t>
+                      </a:r>
+                      <a:r>
+                        <a:rPr lang="it-IT" sz="900" dirty="0" err="1">
+                          <a:effectLst/>
+                        </a:rPr>
+                        <a:t>if</a:t>
+                      </a:r>
+                      <a:r>
+                        <a:rPr lang="it-IT" sz="900" dirty="0">
+                          <a:effectLst/>
+                        </a:rPr>
+                        <a:t> </a:t>
+                      </a:r>
+                      <a:r>
+                        <a:rPr lang="it-IT" sz="900" dirty="0" err="1">
+                          <a:effectLst/>
+                        </a:rPr>
+                        <a:t>lunghezzaMAok</a:t>
+                      </a:r>
+                      <a:r>
+                        <a:rPr lang="it-IT" sz="900" dirty="0">
+                          <a:effectLst/>
+                        </a:rPr>
+                        <a:t> and                                                         </a:t>
+                      </a:r>
+                      <a:r>
+                        <a:rPr lang="it-IT" sz="900" dirty="0" err="1">
+                          <a:effectLst/>
+                        </a:rPr>
+                        <a:t>formatoILok</a:t>
+                      </a:r>
+                      <a:r>
+                        <a:rPr lang="it-IT" sz="900" dirty="0">
+                          <a:effectLst/>
+                        </a:rPr>
+                        <a:t>] [errore] </a:t>
+                      </a:r>
+                      <a:endParaRPr lang="it-IT" sz="800" dirty="0">
+                        <a:effectLst/>
+                      </a:endParaRPr>
+                    </a:p>
+                    <a:p>
+                      <a:pPr marL="0" marR="0">
+                        <a:lnSpc>
+                          <a:spcPct val="115000"/>
+                        </a:lnSpc>
+                        <a:spcBef>
+                          <a:spcPts val="0"/>
+                        </a:spcBef>
+                        <a:spcAft>
+                          <a:spcPts val="0"/>
+                        </a:spcAft>
+                      </a:pPr>
+                      <a:r>
+                        <a:rPr lang="it-IT" sz="900" dirty="0">
+                          <a:effectLst/>
+                        </a:rPr>
+                        <a:t> </a:t>
+                      </a:r>
+                      <a:endParaRPr lang="it-IT" sz="800" dirty="0">
+                        <a:effectLst/>
+                      </a:endParaRPr>
+                    </a:p>
+                    <a:p>
+                      <a:pPr marL="0" marR="0">
+                        <a:lnSpc>
+                          <a:spcPct val="115000"/>
+                        </a:lnSpc>
+                        <a:spcBef>
+                          <a:spcPts val="0"/>
+                        </a:spcBef>
+                        <a:spcAft>
+                          <a:spcPts val="0"/>
+                        </a:spcAft>
+                      </a:pPr>
+                      <a:r>
+                        <a:rPr lang="it-IT" sz="900" dirty="0">
+                          <a:effectLst/>
+                        </a:rPr>
+                        <a:t> 2.non esiste nel </a:t>
+                      </a:r>
+                      <a:r>
+                        <a:rPr lang="it-IT" sz="900" dirty="0" err="1">
+                          <a:effectLst/>
+                        </a:rPr>
+                        <a:t>db</a:t>
+                      </a:r>
+                      <a:r>
+                        <a:rPr lang="it-IT" sz="900" dirty="0">
+                          <a:effectLst/>
+                        </a:rPr>
+                        <a:t> [</a:t>
+                      </a:r>
+                      <a:r>
+                        <a:rPr lang="it-IT" sz="900" dirty="0" err="1">
+                          <a:effectLst/>
+                        </a:rPr>
+                        <a:t>if</a:t>
+                      </a:r>
+                      <a:r>
+                        <a:rPr lang="it-IT" sz="900" dirty="0">
+                          <a:effectLst/>
+                        </a:rPr>
+                        <a:t> </a:t>
+                      </a:r>
+                      <a:r>
+                        <a:rPr lang="it-IT" sz="900" dirty="0" err="1">
+                          <a:effectLst/>
+                        </a:rPr>
+                        <a:t>lunghezzaMAok</a:t>
+                      </a:r>
+                      <a:r>
+                        <a:rPr lang="it-IT" sz="900" dirty="0">
+                          <a:effectLst/>
+                        </a:rPr>
+                        <a:t> and </a:t>
+                      </a:r>
+                      <a:r>
+                        <a:rPr lang="it-IT" sz="900" dirty="0" err="1">
+                          <a:effectLst/>
+                        </a:rPr>
+                        <a:t>formatoILok</a:t>
+                      </a:r>
+                      <a:r>
+                        <a:rPr lang="it-IT" sz="900" dirty="0">
+                          <a:effectLst/>
+                        </a:rPr>
+                        <a:t>] [</a:t>
+                      </a:r>
+                      <a:r>
+                        <a:rPr lang="it-IT" sz="900" dirty="0" err="1">
+                          <a:effectLst/>
+                        </a:rPr>
+                        <a:t>property</a:t>
+                      </a:r>
+                      <a:r>
+                        <a:rPr lang="it-IT" sz="900" dirty="0">
+                          <a:effectLst/>
+                        </a:rPr>
+                        <a:t> </a:t>
+                      </a:r>
+                      <a:r>
+                        <a:rPr lang="it-IT" sz="900" dirty="0" err="1">
+                          <a:effectLst/>
+                        </a:rPr>
+                        <a:t>esisteESok</a:t>
+                      </a:r>
+                      <a:r>
+                        <a:rPr lang="it-IT" sz="900" dirty="0">
+                          <a:effectLst/>
+                        </a:rPr>
+                        <a:t>]</a:t>
+                      </a:r>
+                      <a:endParaRPr lang="it-IT" sz="800" dirty="0">
+                        <a:effectLst/>
+                      </a:endParaRPr>
+                    </a:p>
+                    <a:p>
+                      <a:pPr marL="0" marR="0">
+                        <a:lnSpc>
+                          <a:spcPct val="115000"/>
+                        </a:lnSpc>
+                        <a:spcBef>
+                          <a:spcPts val="0"/>
+                        </a:spcBef>
+                        <a:spcAft>
+                          <a:spcPts val="0"/>
+                        </a:spcAft>
+                      </a:pPr>
+                      <a:r>
+                        <a:rPr lang="it-IT" sz="900" dirty="0">
+                          <a:effectLst/>
+                        </a:rPr>
+                        <a:t> </a:t>
+                      </a:r>
+                      <a:endParaRPr lang="it-IT" sz="800" dirty="0">
+                        <a:effectLst/>
+                        <a:latin typeface="Arial" panose="020B0604020202020204" pitchFamily="34" charset="0"/>
+                        <a:ea typeface="Arial" panose="020B0604020202020204" pitchFamily="34" charset="0"/>
+                      </a:endParaRPr>
+                    </a:p>
+                  </a:txBody>
+                  <a:tcPr marL="45547" marR="45547" marT="45547" marB="45547"/>
+                </a:tc>
+                <a:extLst>
+                  <a:ext uri="{0D108BD9-81ED-4DB2-BD59-A6C34878D82A}">
+                    <a16:rowId xmlns:a16="http://schemas.microsoft.com/office/drawing/2014/main" val="3022446946"/>
+                  </a:ext>
+                </a:extLst>
+              </a:tr>
+            </a:tbl>
+          </a:graphicData>
+        </a:graphic>
+      </p:graphicFrame>
+      <p:graphicFrame>
+        <p:nvGraphicFramePr>
+          <p:cNvPr id="5" name="Tabella 4">
+            <a:extLst>
+              <a:ext uri="{FF2B5EF4-FFF2-40B4-BE49-F238E27FC236}">
+                <a16:creationId xmlns:a16="http://schemas.microsoft.com/office/drawing/2014/main" id="{57AE0FF0-0F35-47A6-8B5E-F696833E4987}"/>
+              </a:ext>
+            </a:extLst>
+          </p:cNvPr>
+          <p:cNvGraphicFramePr>
+            <a:graphicFrameLocks noGrp="1"/>
+          </p:cNvGraphicFramePr>
+          <p:nvPr>
+            <p:extLst>
+              <p:ext uri="{D42A27DB-BD31-4B8C-83A1-F6EECF244321}">
+                <p14:modId xmlns:p14="http://schemas.microsoft.com/office/powerpoint/2010/main" val="2449435776"/>
+              </p:ext>
+            </p:extLst>
+          </p:nvPr>
+        </p:nvGraphicFramePr>
+        <p:xfrm>
+          <a:off x="5515500" y="698270"/>
+          <a:ext cx="3869768" cy="3064401"/>
+        </p:xfrm>
+        <a:graphic>
+          <a:graphicData uri="http://schemas.openxmlformats.org/drawingml/2006/table">
+            <a:tbl>
+              <a:tblPr>
+                <a:tableStyleId>{5C22544A-7EE6-4342-B048-85BDC9FD1C3A}</a:tableStyleId>
+              </a:tblPr>
+              <a:tblGrid>
+                <a:gridCol w="1934884">
+                  <a:extLst>
+                    <a:ext uri="{9D8B030D-6E8A-4147-A177-3AD203B41FA5}">
+                      <a16:colId xmlns:a16="http://schemas.microsoft.com/office/drawing/2014/main" val="1832171842"/>
+                    </a:ext>
+                  </a:extLst>
+                </a:gridCol>
+                <a:gridCol w="1934884">
+                  <a:extLst>
+                    <a:ext uri="{9D8B030D-6E8A-4147-A177-3AD203B41FA5}">
+                      <a16:colId xmlns:a16="http://schemas.microsoft.com/office/drawing/2014/main" val="4131154571"/>
+                    </a:ext>
+                  </a:extLst>
+                </a:gridCol>
+              </a:tblGrid>
+              <a:tr h="357365">
+                <a:tc gridSpan="2">
+                  <a:txBody>
+                    <a:bodyPr/>
+                    <a:lstStyle/>
+                    <a:p>
+                      <a:pPr marL="0" marR="0">
+                        <a:lnSpc>
+                          <a:spcPct val="115000"/>
+                        </a:lnSpc>
+                        <a:spcBef>
+                          <a:spcPts val="0"/>
+                        </a:spcBef>
+                        <a:spcAft>
+                          <a:spcPts val="0"/>
+                        </a:spcAft>
+                      </a:pPr>
+                      <a:r>
+                        <a:rPr lang="it-IT" sz="800" dirty="0">
+                          <a:effectLst/>
+                        </a:rPr>
+                        <a:t>                                         Parametro: Password</a:t>
+                      </a:r>
+                    </a:p>
+                    <a:p>
+                      <a:pPr marL="0" marR="0">
+                        <a:lnSpc>
+                          <a:spcPct val="115000"/>
+                        </a:lnSpc>
+                        <a:spcBef>
+                          <a:spcPts val="0"/>
+                        </a:spcBef>
+                        <a:spcAft>
+                          <a:spcPts val="0"/>
+                        </a:spcAft>
+                      </a:pPr>
+                      <a:r>
+                        <a:rPr lang="it-IT" sz="800" dirty="0">
+                          <a:effectLst/>
+                        </a:rPr>
+                        <a:t>                                         Formato: ^(?=.[A-Za-z])(?=.\d)[A-Za-z\d]{8,}$</a:t>
+                      </a:r>
+                      <a:endParaRPr lang="it-IT" sz="800" dirty="0">
+                        <a:effectLst/>
+                        <a:latin typeface="Arial" panose="020B0604020202020204" pitchFamily="34" charset="0"/>
+                        <a:ea typeface="Arial" panose="020B0604020202020204" pitchFamily="34" charset="0"/>
+                      </a:endParaRPr>
+                    </a:p>
+                  </a:txBody>
+                  <a:tcPr marL="77964" marR="77964" marT="38982" marB="38982"/>
+                </a:tc>
+                <a:tc hMerge="1">
+                  <a:txBody>
+                    <a:bodyPr/>
+                    <a:lstStyle/>
+                    <a:p>
+                      <a:endParaRPr lang="it-IT"/>
+                    </a:p>
+                  </a:txBody>
+                  <a:tcPr/>
+                </a:tc>
+                <a:extLst>
+                  <a:ext uri="{0D108BD9-81ED-4DB2-BD59-A6C34878D82A}">
+                    <a16:rowId xmlns:a16="http://schemas.microsoft.com/office/drawing/2014/main" val="672737579"/>
+                  </a:ext>
+                </a:extLst>
+              </a:tr>
+              <a:tr h="215472">
+                <a:tc>
+                  <a:txBody>
+                    <a:bodyPr/>
+                    <a:lstStyle/>
+                    <a:p>
+                      <a:pPr marL="0" marR="0" algn="ctr">
+                        <a:lnSpc>
+                          <a:spcPct val="115000"/>
+                        </a:lnSpc>
+                        <a:spcBef>
+                          <a:spcPts val="0"/>
+                        </a:spcBef>
+                        <a:spcAft>
+                          <a:spcPts val="0"/>
+                        </a:spcAft>
+                      </a:pPr>
+                      <a:r>
+                        <a:rPr lang="it-IT" sz="800">
+                          <a:effectLst/>
+                        </a:rPr>
+                        <a:t>categorie                                                     </a:t>
+                      </a:r>
+                      <a:endParaRPr lang="it-IT" sz="800">
+                        <a:effectLst/>
+                        <a:latin typeface="Arial" panose="020B0604020202020204" pitchFamily="34" charset="0"/>
+                        <a:ea typeface="Arial" panose="020B0604020202020204" pitchFamily="34" charset="0"/>
+                      </a:endParaRPr>
+                    </a:p>
+                  </a:txBody>
+                  <a:tcPr marL="42854" marR="42854" marT="42854" marB="42854"/>
+                </a:tc>
+                <a:tc>
+                  <a:txBody>
+                    <a:bodyPr/>
+                    <a:lstStyle/>
+                    <a:p>
+                      <a:pPr marL="0" marR="0" algn="ctr">
+                        <a:lnSpc>
+                          <a:spcPct val="115000"/>
+                        </a:lnSpc>
+                        <a:spcBef>
+                          <a:spcPts val="0"/>
+                        </a:spcBef>
+                        <a:spcAft>
+                          <a:spcPts val="0"/>
+                        </a:spcAft>
+                        <a:tabLst>
+                          <a:tab pos="1369060" algn="ctr"/>
+                        </a:tabLst>
+                      </a:pPr>
+                      <a:r>
+                        <a:rPr lang="it-IT" sz="800">
+                          <a:effectLst/>
+                        </a:rPr>
+                        <a:t>scelte</a:t>
+                      </a:r>
+                      <a:endParaRPr lang="it-IT" sz="800">
+                        <a:effectLst/>
+                        <a:latin typeface="Arial" panose="020B0604020202020204" pitchFamily="34" charset="0"/>
+                        <a:ea typeface="Arial" panose="020B0604020202020204" pitchFamily="34" charset="0"/>
+                      </a:endParaRPr>
+                    </a:p>
+                  </a:txBody>
+                  <a:tcPr marL="42854" marR="42854" marT="42854" marB="42854"/>
+                </a:tc>
+                <a:extLst>
+                  <a:ext uri="{0D108BD9-81ED-4DB2-BD59-A6C34878D82A}">
+                    <a16:rowId xmlns:a16="http://schemas.microsoft.com/office/drawing/2014/main" val="2115359717"/>
+                  </a:ext>
+                </a:extLst>
+              </a:tr>
+              <a:tr h="641276">
+                <a:tc>
+                  <a:txBody>
+                    <a:bodyPr/>
+                    <a:lstStyle/>
+                    <a:p>
+                      <a:pPr marL="0" marR="0" algn="ctr">
+                        <a:lnSpc>
+                          <a:spcPct val="115000"/>
+                        </a:lnSpc>
+                        <a:spcBef>
+                          <a:spcPts val="0"/>
+                        </a:spcBef>
+                        <a:spcAft>
+                          <a:spcPts val="0"/>
+                        </a:spcAft>
+                      </a:pPr>
+                      <a:r>
+                        <a:rPr lang="it-IT" sz="800">
+                          <a:effectLst/>
+                        </a:rPr>
+                        <a:t>Lunghezza (pa)                                                                                             </a:t>
+                      </a:r>
+                    </a:p>
+                    <a:p>
+                      <a:pPr marL="0" marR="0">
+                        <a:lnSpc>
+                          <a:spcPct val="115000"/>
+                        </a:lnSpc>
+                        <a:spcBef>
+                          <a:spcPts val="0"/>
+                        </a:spcBef>
+                        <a:spcAft>
+                          <a:spcPts val="0"/>
+                        </a:spcAft>
+                      </a:pPr>
+                      <a:r>
+                        <a:rPr lang="it-IT" sz="800">
+                          <a:effectLst/>
+                        </a:rPr>
+                        <a:t>                                              </a:t>
+                      </a:r>
+                      <a:endParaRPr lang="it-IT" sz="800">
+                        <a:effectLst/>
+                        <a:latin typeface="Arial" panose="020B0604020202020204" pitchFamily="34" charset="0"/>
+                        <a:ea typeface="Arial" panose="020B0604020202020204" pitchFamily="34" charset="0"/>
+                      </a:endParaRPr>
+                    </a:p>
+                  </a:txBody>
+                  <a:tcPr marL="42854" marR="42854" marT="42854" marB="42854"/>
+                </a:tc>
+                <a:tc>
+                  <a:txBody>
+                    <a:bodyPr/>
+                    <a:lstStyle/>
+                    <a:p>
+                      <a:pPr marL="0" marR="0">
+                        <a:lnSpc>
+                          <a:spcPct val="115000"/>
+                        </a:lnSpc>
+                        <a:spcBef>
+                          <a:spcPts val="0"/>
+                        </a:spcBef>
+                        <a:spcAft>
+                          <a:spcPts val="0"/>
+                        </a:spcAft>
+                      </a:pPr>
+                      <a:r>
+                        <a:rPr lang="it-IT" sz="800">
+                          <a:effectLst/>
+                        </a:rPr>
+                        <a:t>1: lunghezza &lt; 8[ errore]</a:t>
+                      </a:r>
+                    </a:p>
+                    <a:p>
+                      <a:pPr marL="0" marR="0">
+                        <a:lnSpc>
+                          <a:spcPct val="115000"/>
+                        </a:lnSpc>
+                        <a:spcBef>
+                          <a:spcPts val="0"/>
+                        </a:spcBef>
+                        <a:spcAft>
+                          <a:spcPts val="0"/>
+                        </a:spcAft>
+                      </a:pPr>
+                      <a:r>
+                        <a:rPr lang="it-IT" sz="800">
+                          <a:effectLst/>
+                        </a:rPr>
+                        <a:t>                                                                2: lunghezza &gt;= 8   [property                                                                   lunghezzaPAok]</a:t>
+                      </a:r>
+                      <a:endParaRPr lang="it-IT" sz="800">
+                        <a:effectLst/>
+                        <a:latin typeface="Arial" panose="020B0604020202020204" pitchFamily="34" charset="0"/>
+                        <a:ea typeface="Arial" panose="020B0604020202020204" pitchFamily="34" charset="0"/>
+                      </a:endParaRPr>
+                    </a:p>
+                  </a:txBody>
+                  <a:tcPr marL="42854" marR="42854" marT="42854" marB="42854"/>
+                </a:tc>
+                <a:extLst>
+                  <a:ext uri="{0D108BD9-81ED-4DB2-BD59-A6C34878D82A}">
+                    <a16:rowId xmlns:a16="http://schemas.microsoft.com/office/drawing/2014/main" val="826043453"/>
+                  </a:ext>
+                </a:extLst>
+              </a:tr>
+              <a:tr h="925144">
+                <a:tc>
+                  <a:txBody>
+                    <a:bodyPr/>
+                    <a:lstStyle/>
+                    <a:p>
+                      <a:pPr marL="0" marR="0" algn="ctr">
+                        <a:lnSpc>
+                          <a:spcPct val="115000"/>
+                        </a:lnSpc>
+                        <a:spcBef>
+                          <a:spcPts val="0"/>
+                        </a:spcBef>
+                        <a:spcAft>
+                          <a:spcPts val="0"/>
+                        </a:spcAft>
+                      </a:pPr>
+                      <a:r>
+                        <a:rPr lang="it-IT" sz="800">
+                          <a:effectLst/>
+                        </a:rPr>
+                        <a:t>Esiste (ep)</a:t>
+                      </a:r>
+                      <a:endParaRPr lang="it-IT" sz="800">
+                        <a:effectLst/>
+                        <a:latin typeface="Arial" panose="020B0604020202020204" pitchFamily="34" charset="0"/>
+                        <a:ea typeface="Arial" panose="020B0604020202020204" pitchFamily="34" charset="0"/>
+                      </a:endParaRPr>
+                    </a:p>
+                  </a:txBody>
+                  <a:tcPr marL="42854" marR="42854" marT="42854" marB="42854"/>
+                </a:tc>
+                <a:tc>
+                  <a:txBody>
+                    <a:bodyPr/>
+                    <a:lstStyle/>
+                    <a:p>
+                      <a:pPr marL="342900" marR="0" lvl="0" indent="-342900">
+                        <a:lnSpc>
+                          <a:spcPct val="115000"/>
+                        </a:lnSpc>
+                        <a:spcBef>
+                          <a:spcPts val="0"/>
+                        </a:spcBef>
+                        <a:spcAft>
+                          <a:spcPts val="0"/>
+                        </a:spcAft>
+                        <a:buFont typeface="+mj-lt"/>
+                        <a:buAutoNum type="arabicPeriod"/>
+                      </a:pPr>
+                      <a:r>
+                        <a:rPr lang="it-IT" sz="800" u="none" strike="noStrike">
+                          <a:effectLst/>
+                        </a:rPr>
+                        <a:t>esiste nel DB [if lunghezzaPAok and esisteESok] [property esisteEPok]</a:t>
+                      </a:r>
+                    </a:p>
+                    <a:p>
+                      <a:pPr marL="342900" marR="0" lvl="0" indent="-342900">
+                        <a:lnSpc>
+                          <a:spcPct val="115000"/>
+                        </a:lnSpc>
+                        <a:spcBef>
+                          <a:spcPts val="0"/>
+                        </a:spcBef>
+                        <a:spcAft>
+                          <a:spcPts val="0"/>
+                        </a:spcAft>
+                        <a:buFont typeface="+mj-lt"/>
+                        <a:buAutoNum type="arabicPeriod"/>
+                      </a:pPr>
+                      <a:r>
+                        <a:rPr lang="it-IT" sz="800" u="none" strike="noStrike">
+                          <a:effectLst/>
+                        </a:rPr>
+                        <a:t>non esiste nel DB [if lunghezzaLPok and esisteESok] [errore]</a:t>
+                      </a:r>
+                      <a:endParaRPr lang="it-IT" sz="800" u="none" strike="noStrike">
+                        <a:effectLst/>
+                        <a:latin typeface="Arial" panose="020B0604020202020204" pitchFamily="34" charset="0"/>
+                        <a:ea typeface="Arial" panose="020B0604020202020204" pitchFamily="34" charset="0"/>
+                      </a:endParaRPr>
+                    </a:p>
+                  </a:txBody>
+                  <a:tcPr marL="42854" marR="42854" marT="42854" marB="42854"/>
+                </a:tc>
+                <a:extLst>
+                  <a:ext uri="{0D108BD9-81ED-4DB2-BD59-A6C34878D82A}">
+                    <a16:rowId xmlns:a16="http://schemas.microsoft.com/office/drawing/2014/main" val="3568406256"/>
+                  </a:ext>
+                </a:extLst>
+              </a:tr>
+              <a:tr h="925144">
+                <a:tc>
+                  <a:txBody>
+                    <a:bodyPr/>
+                    <a:lstStyle/>
+                    <a:p>
+                      <a:pPr marL="0" marR="0" algn="ctr">
+                        <a:lnSpc>
+                          <a:spcPct val="115000"/>
+                        </a:lnSpc>
+                        <a:spcBef>
+                          <a:spcPts val="0"/>
+                        </a:spcBef>
+                        <a:spcAft>
+                          <a:spcPts val="0"/>
+                        </a:spcAft>
+                      </a:pPr>
+                      <a:r>
+                        <a:rPr lang="it-IT" sz="800" dirty="0">
+                          <a:effectLst/>
+                        </a:rPr>
+                        <a:t>Corrisponde (</a:t>
+                      </a:r>
+                      <a:r>
+                        <a:rPr lang="it-IT" sz="800" dirty="0" err="1">
+                          <a:effectLst/>
+                        </a:rPr>
+                        <a:t>cp</a:t>
+                      </a:r>
+                      <a:r>
+                        <a:rPr lang="it-IT" sz="800" dirty="0">
+                          <a:effectLst/>
+                        </a:rPr>
+                        <a:t>)</a:t>
+                      </a:r>
+                      <a:endParaRPr lang="it-IT" sz="800" dirty="0">
+                        <a:effectLst/>
+                        <a:latin typeface="Arial" panose="020B0604020202020204" pitchFamily="34" charset="0"/>
+                        <a:ea typeface="Arial" panose="020B0604020202020204" pitchFamily="34" charset="0"/>
+                      </a:endParaRPr>
+                    </a:p>
+                  </a:txBody>
+                  <a:tcPr marL="42854" marR="42854" marT="42854" marB="42854"/>
+                </a:tc>
+                <a:tc>
+                  <a:txBody>
+                    <a:bodyPr/>
+                    <a:lstStyle/>
+                    <a:p>
+                      <a:pPr marL="342900" marR="0" lvl="0" indent="-342900">
+                        <a:lnSpc>
+                          <a:spcPct val="115000"/>
+                        </a:lnSpc>
+                        <a:spcBef>
+                          <a:spcPts val="0"/>
+                        </a:spcBef>
+                        <a:spcAft>
+                          <a:spcPts val="0"/>
+                        </a:spcAft>
+                        <a:buFont typeface="+mj-lt"/>
+                        <a:buAutoNum type="arabicPeriod"/>
+                      </a:pPr>
+                      <a:r>
+                        <a:rPr lang="it-IT" sz="800" u="none" strike="noStrike" dirty="0">
+                          <a:effectLst/>
+                        </a:rPr>
+                        <a:t>corrisponde alla password della mail indicata [</a:t>
+                      </a:r>
+                      <a:r>
+                        <a:rPr lang="it-IT" sz="800" u="none" strike="noStrike" dirty="0" err="1">
+                          <a:effectLst/>
+                        </a:rPr>
+                        <a:t>if</a:t>
+                      </a:r>
+                      <a:r>
+                        <a:rPr lang="it-IT" sz="800" u="none" strike="noStrike" dirty="0">
+                          <a:effectLst/>
+                        </a:rPr>
+                        <a:t> </a:t>
+                      </a:r>
+                      <a:r>
+                        <a:rPr lang="it-IT" sz="800" u="none" strike="noStrike" dirty="0" err="1">
+                          <a:effectLst/>
+                        </a:rPr>
+                        <a:t>esisteEPok</a:t>
+                      </a:r>
+                      <a:r>
+                        <a:rPr lang="it-IT" sz="800" u="none" strike="noStrike" dirty="0">
+                          <a:effectLst/>
+                        </a:rPr>
+                        <a:t>] [</a:t>
+                      </a:r>
+                      <a:r>
+                        <a:rPr lang="it-IT" sz="800" u="none" strike="noStrike" dirty="0" err="1">
+                          <a:effectLst/>
+                        </a:rPr>
+                        <a:t>property</a:t>
+                      </a:r>
+                      <a:r>
+                        <a:rPr lang="it-IT" sz="800" u="none" strike="noStrike" dirty="0">
+                          <a:effectLst/>
+                        </a:rPr>
+                        <a:t> </a:t>
+                      </a:r>
+                      <a:r>
+                        <a:rPr lang="it-IT" sz="800" u="none" strike="noStrike" dirty="0" err="1">
+                          <a:effectLst/>
+                        </a:rPr>
+                        <a:t>corrispondeCPok</a:t>
+                      </a:r>
+                      <a:r>
+                        <a:rPr lang="it-IT" sz="800" u="none" strike="noStrike" dirty="0">
+                          <a:effectLst/>
+                        </a:rPr>
+                        <a:t>]</a:t>
+                      </a:r>
+                    </a:p>
+                    <a:p>
+                      <a:pPr marL="342900" marR="0" lvl="0" indent="-342900">
+                        <a:lnSpc>
+                          <a:spcPct val="115000"/>
+                        </a:lnSpc>
+                        <a:spcBef>
+                          <a:spcPts val="0"/>
+                        </a:spcBef>
+                        <a:spcAft>
+                          <a:spcPts val="0"/>
+                        </a:spcAft>
+                        <a:buFont typeface="+mj-lt"/>
+                        <a:buAutoNum type="arabicPeriod"/>
+                      </a:pPr>
+                      <a:r>
+                        <a:rPr lang="it-IT" sz="800" u="none" strike="noStrike" dirty="0">
+                          <a:effectLst/>
+                        </a:rPr>
+                        <a:t>non corrisponde alla password della mail indicato [</a:t>
+                      </a:r>
+                      <a:r>
+                        <a:rPr lang="it-IT" sz="800" u="none" strike="noStrike" dirty="0" err="1">
+                          <a:effectLst/>
+                        </a:rPr>
+                        <a:t>if</a:t>
+                      </a:r>
+                      <a:r>
+                        <a:rPr lang="it-IT" sz="800" u="none" strike="noStrike" dirty="0">
+                          <a:effectLst/>
+                        </a:rPr>
+                        <a:t> </a:t>
+                      </a:r>
+                      <a:r>
+                        <a:rPr lang="it-IT" sz="800" u="none" strike="noStrike" dirty="0" err="1">
+                          <a:effectLst/>
+                        </a:rPr>
+                        <a:t>esisteEPok</a:t>
+                      </a:r>
+                      <a:r>
+                        <a:rPr lang="it-IT" sz="800" u="none" strike="noStrike" dirty="0">
+                          <a:effectLst/>
+                        </a:rPr>
+                        <a:t>][errore]</a:t>
+                      </a:r>
+                      <a:endParaRPr lang="it-IT" sz="800" u="none" strike="noStrike" dirty="0">
+                        <a:effectLst/>
+                        <a:latin typeface="Arial" panose="020B0604020202020204" pitchFamily="34" charset="0"/>
+                        <a:ea typeface="Arial" panose="020B0604020202020204" pitchFamily="34" charset="0"/>
+                      </a:endParaRPr>
+                    </a:p>
+                  </a:txBody>
+                  <a:tcPr marL="42854" marR="42854" marT="42854" marB="42854"/>
+                </a:tc>
+                <a:extLst>
+                  <a:ext uri="{0D108BD9-81ED-4DB2-BD59-A6C34878D82A}">
+                    <a16:rowId xmlns:a16="http://schemas.microsoft.com/office/drawing/2014/main" val="2583623506"/>
+                  </a:ext>
+                </a:extLst>
+              </a:tr>
+            </a:tbl>
+          </a:graphicData>
+        </a:graphic>
+      </p:graphicFrame>
+      <p:graphicFrame>
+        <p:nvGraphicFramePr>
+          <p:cNvPr id="6" name="Tabella 5">
+            <a:extLst>
+              <a:ext uri="{FF2B5EF4-FFF2-40B4-BE49-F238E27FC236}">
+                <a16:creationId xmlns:a16="http://schemas.microsoft.com/office/drawing/2014/main" id="{873420A0-0F39-4920-82F2-2658FE40B032}"/>
+              </a:ext>
+            </a:extLst>
+          </p:cNvPr>
+          <p:cNvGraphicFramePr>
+            <a:graphicFrameLocks noGrp="1"/>
+          </p:cNvGraphicFramePr>
+          <p:nvPr>
+            <p:extLst>
+              <p:ext uri="{D42A27DB-BD31-4B8C-83A1-F6EECF244321}">
+                <p14:modId xmlns:p14="http://schemas.microsoft.com/office/powerpoint/2010/main" val="1348520737"/>
+              </p:ext>
+            </p:extLst>
+          </p:nvPr>
+        </p:nvGraphicFramePr>
+        <p:xfrm>
+          <a:off x="5689885" y="3910786"/>
+          <a:ext cx="3695383" cy="2609850"/>
+        </p:xfrm>
+        <a:graphic>
+          <a:graphicData uri="http://schemas.openxmlformats.org/drawingml/2006/table">
+            <a:tbl>
+              <a:tblPr bandRow="1">
+                <a:tableStyleId>{5C22544A-7EE6-4342-B048-85BDC9FD1C3A}</a:tableStyleId>
+              </a:tblPr>
+              <a:tblGrid>
+                <a:gridCol w="886460">
+                  <a:extLst>
+                    <a:ext uri="{9D8B030D-6E8A-4147-A177-3AD203B41FA5}">
+                      <a16:colId xmlns:a16="http://schemas.microsoft.com/office/drawing/2014/main" val="3567896504"/>
+                    </a:ext>
+                  </a:extLst>
+                </a:gridCol>
+                <a:gridCol w="1799273">
+                  <a:extLst>
+                    <a:ext uri="{9D8B030D-6E8A-4147-A177-3AD203B41FA5}">
+                      <a16:colId xmlns:a16="http://schemas.microsoft.com/office/drawing/2014/main" val="1438292106"/>
+                    </a:ext>
+                  </a:extLst>
+                </a:gridCol>
+                <a:gridCol w="1009650">
+                  <a:extLst>
+                    <a:ext uri="{9D8B030D-6E8A-4147-A177-3AD203B41FA5}">
+                      <a16:colId xmlns:a16="http://schemas.microsoft.com/office/drawing/2014/main" val="1667738982"/>
+                    </a:ext>
+                  </a:extLst>
+                </a:gridCol>
+              </a:tblGrid>
+              <a:tr h="276225">
+                <a:tc>
+                  <a:txBody>
+                    <a:bodyPr/>
+                    <a:lstStyle/>
+                    <a:p>
+                      <a:pPr marL="0" marR="0" algn="ctr">
+                        <a:lnSpc>
+                          <a:spcPct val="115000"/>
+                        </a:lnSpc>
+                        <a:spcBef>
+                          <a:spcPts val="0"/>
+                        </a:spcBef>
+                        <a:spcAft>
+                          <a:spcPts val="0"/>
+                        </a:spcAft>
+                      </a:pPr>
+                      <a:r>
+                        <a:rPr lang="it-IT" sz="1400">
+                          <a:effectLst/>
+                        </a:rPr>
+                        <a:t> Codice</a:t>
+                      </a:r>
+                      <a:endParaRPr lang="it-IT" sz="1100">
+                        <a:effectLst/>
+                        <a:latin typeface="Arial" panose="020B0604020202020204" pitchFamily="34" charset="0"/>
+                        <a:ea typeface="Arial" panose="020B0604020202020204" pitchFamily="34" charset="0"/>
+                      </a:endParaRPr>
+                    </a:p>
+                  </a:txBody>
+                  <a:tcPr marL="68580" marR="68580" marT="0" marB="0" anchor="ctr"/>
+                </a:tc>
+                <a:tc>
+                  <a:txBody>
+                    <a:bodyPr/>
+                    <a:lstStyle/>
+                    <a:p>
+                      <a:pPr marL="0" marR="0" algn="ctr">
+                        <a:lnSpc>
+                          <a:spcPct val="115000"/>
+                        </a:lnSpc>
+                        <a:spcBef>
+                          <a:spcPts val="0"/>
+                        </a:spcBef>
+                        <a:spcAft>
+                          <a:spcPts val="0"/>
+                        </a:spcAft>
+                      </a:pPr>
+                      <a:r>
+                        <a:rPr lang="it-IT" sz="1400">
+                          <a:effectLst/>
+                        </a:rPr>
+                        <a:t>Combinazione</a:t>
+                      </a:r>
+                      <a:endParaRPr lang="it-IT" sz="1100">
+                        <a:effectLst/>
+                        <a:latin typeface="Arial" panose="020B0604020202020204" pitchFamily="34" charset="0"/>
+                        <a:ea typeface="Arial" panose="020B0604020202020204" pitchFamily="34" charset="0"/>
+                      </a:endParaRPr>
+                    </a:p>
+                  </a:txBody>
+                  <a:tcPr marL="68580" marR="68580" marT="0" marB="0" anchor="ctr"/>
+                </a:tc>
+                <a:tc>
+                  <a:txBody>
+                    <a:bodyPr/>
+                    <a:lstStyle/>
+                    <a:p>
+                      <a:pPr marL="0" marR="0" algn="ctr">
+                        <a:lnSpc>
+                          <a:spcPct val="115000"/>
+                        </a:lnSpc>
+                        <a:spcBef>
+                          <a:spcPts val="0"/>
+                        </a:spcBef>
+                        <a:spcAft>
+                          <a:spcPts val="0"/>
+                        </a:spcAft>
+                      </a:pPr>
+                      <a:r>
+                        <a:rPr lang="it-IT" sz="1400">
+                          <a:effectLst/>
+                        </a:rPr>
+                        <a:t>Esito</a:t>
+                      </a:r>
+                      <a:endParaRPr lang="it-IT" sz="1100">
+                        <a:effectLst/>
+                        <a:latin typeface="Arial" panose="020B0604020202020204" pitchFamily="34" charset="0"/>
+                        <a:ea typeface="Arial" panose="020B0604020202020204" pitchFamily="34" charset="0"/>
+                      </a:endParaRPr>
+                    </a:p>
+                  </a:txBody>
+                  <a:tcPr marL="68580" marR="68580" marT="0" marB="0" anchor="ctr"/>
+                </a:tc>
+                <a:extLst>
+                  <a:ext uri="{0D108BD9-81ED-4DB2-BD59-A6C34878D82A}">
+                    <a16:rowId xmlns:a16="http://schemas.microsoft.com/office/drawing/2014/main" val="1564477245"/>
+                  </a:ext>
+                </a:extLst>
+              </a:tr>
+              <a:tr h="333375">
+                <a:tc>
+                  <a:txBody>
+                    <a:bodyPr/>
+                    <a:lstStyle/>
+                    <a:p>
+                      <a:pPr marL="0" marR="0" algn="ctr">
+                        <a:lnSpc>
+                          <a:spcPct val="115000"/>
+                        </a:lnSpc>
+                        <a:spcBef>
+                          <a:spcPts val="0"/>
+                        </a:spcBef>
+                        <a:spcAft>
+                          <a:spcPts val="0"/>
+                        </a:spcAft>
+                      </a:pPr>
+                      <a:r>
+                        <a:rPr lang="it-IT" sz="1200">
+                          <a:effectLst/>
+                        </a:rPr>
+                        <a:t>TC_2.2_01</a:t>
+                      </a:r>
+                      <a:endParaRPr lang="it-IT" sz="1100">
+                        <a:effectLst/>
+                        <a:latin typeface="Arial" panose="020B0604020202020204" pitchFamily="34" charset="0"/>
+                        <a:ea typeface="Arial" panose="020B0604020202020204" pitchFamily="34" charset="0"/>
+                      </a:endParaRPr>
+                    </a:p>
+                  </a:txBody>
+                  <a:tcPr marL="68580" marR="68580" marT="0" marB="0" anchor="ctr"/>
+                </a:tc>
+                <a:tc>
+                  <a:txBody>
+                    <a:bodyPr/>
+                    <a:lstStyle/>
+                    <a:p>
+                      <a:pPr marL="0" marR="0" algn="ctr">
+                        <a:lnSpc>
+                          <a:spcPct val="115000"/>
+                        </a:lnSpc>
+                        <a:spcBef>
+                          <a:spcPts val="0"/>
+                        </a:spcBef>
+                        <a:spcAft>
+                          <a:spcPts val="0"/>
+                        </a:spcAft>
+                      </a:pPr>
+                      <a:r>
+                        <a:rPr lang="it-IT" sz="1200">
+                          <a:effectLst/>
+                        </a:rPr>
+                        <a:t>ma1</a:t>
+                      </a:r>
+                      <a:endParaRPr lang="it-IT" sz="1100">
+                        <a:effectLst/>
+                        <a:latin typeface="Arial" panose="020B0604020202020204" pitchFamily="34" charset="0"/>
+                        <a:ea typeface="Arial" panose="020B0604020202020204" pitchFamily="34" charset="0"/>
+                      </a:endParaRPr>
+                    </a:p>
+                  </a:txBody>
+                  <a:tcPr marL="68580" marR="68580" marT="0" marB="0" anchor="ctr"/>
+                </a:tc>
+                <a:tc>
+                  <a:txBody>
+                    <a:bodyPr/>
+                    <a:lstStyle/>
+                    <a:p>
+                      <a:pPr marL="0" marR="0" algn="ctr">
+                        <a:lnSpc>
+                          <a:spcPct val="115000"/>
+                        </a:lnSpc>
+                        <a:spcBef>
+                          <a:spcPts val="0"/>
+                        </a:spcBef>
+                        <a:spcAft>
+                          <a:spcPts val="0"/>
+                        </a:spcAft>
+                      </a:pPr>
+                      <a:r>
+                        <a:rPr lang="it-IT" sz="1200">
+                          <a:effectLst/>
+                        </a:rPr>
+                        <a:t>errore</a:t>
+                      </a:r>
+                      <a:endParaRPr lang="it-IT" sz="1100">
+                        <a:effectLst/>
+                        <a:latin typeface="Arial" panose="020B0604020202020204" pitchFamily="34" charset="0"/>
+                        <a:ea typeface="Arial" panose="020B0604020202020204" pitchFamily="34" charset="0"/>
+                      </a:endParaRPr>
+                    </a:p>
+                  </a:txBody>
+                  <a:tcPr marL="68580" marR="68580" marT="0" marB="0" anchor="ctr"/>
+                </a:tc>
+                <a:extLst>
+                  <a:ext uri="{0D108BD9-81ED-4DB2-BD59-A6C34878D82A}">
+                    <a16:rowId xmlns:a16="http://schemas.microsoft.com/office/drawing/2014/main" val="3179906147"/>
+                  </a:ext>
+                </a:extLst>
+              </a:tr>
+              <a:tr h="333375">
+                <a:tc>
+                  <a:txBody>
+                    <a:bodyPr/>
+                    <a:lstStyle/>
+                    <a:p>
+                      <a:pPr marL="0" marR="0" algn="ctr">
+                        <a:lnSpc>
+                          <a:spcPct val="115000"/>
+                        </a:lnSpc>
+                        <a:spcBef>
+                          <a:spcPts val="0"/>
+                        </a:spcBef>
+                        <a:spcAft>
+                          <a:spcPts val="0"/>
+                        </a:spcAft>
+                      </a:pPr>
+                      <a:r>
+                        <a:rPr lang="it-IT" sz="1200">
+                          <a:effectLst/>
+                        </a:rPr>
+                        <a:t>TC_2.2_02</a:t>
+                      </a:r>
+                      <a:endParaRPr lang="it-IT" sz="1100">
+                        <a:effectLst/>
+                        <a:latin typeface="Arial" panose="020B0604020202020204" pitchFamily="34" charset="0"/>
+                        <a:ea typeface="Arial" panose="020B0604020202020204" pitchFamily="34" charset="0"/>
+                      </a:endParaRPr>
+                    </a:p>
+                  </a:txBody>
+                  <a:tcPr marL="68580" marR="68580" marT="0" marB="0" anchor="ctr"/>
+                </a:tc>
+                <a:tc>
+                  <a:txBody>
+                    <a:bodyPr/>
+                    <a:lstStyle/>
+                    <a:p>
+                      <a:pPr marL="0" marR="0" algn="ctr">
+                        <a:lnSpc>
+                          <a:spcPct val="115000"/>
+                        </a:lnSpc>
+                        <a:spcBef>
+                          <a:spcPts val="0"/>
+                        </a:spcBef>
+                        <a:spcAft>
+                          <a:spcPts val="0"/>
+                        </a:spcAft>
+                      </a:pPr>
+                      <a:r>
+                        <a:rPr lang="it-IT" sz="1200">
+                          <a:effectLst/>
+                        </a:rPr>
+                        <a:t>ma2,il2 </a:t>
+                      </a:r>
+                      <a:endParaRPr lang="it-IT" sz="1100">
+                        <a:effectLst/>
+                        <a:latin typeface="Arial" panose="020B0604020202020204" pitchFamily="34" charset="0"/>
+                        <a:ea typeface="Arial" panose="020B0604020202020204" pitchFamily="34" charset="0"/>
+                      </a:endParaRPr>
+                    </a:p>
+                  </a:txBody>
+                  <a:tcPr marL="68580" marR="68580" marT="0" marB="0" anchor="ctr"/>
+                </a:tc>
+                <a:tc>
+                  <a:txBody>
+                    <a:bodyPr/>
+                    <a:lstStyle/>
+                    <a:p>
+                      <a:pPr marL="0" marR="0" algn="ctr">
+                        <a:lnSpc>
+                          <a:spcPct val="115000"/>
+                        </a:lnSpc>
+                        <a:spcBef>
+                          <a:spcPts val="0"/>
+                        </a:spcBef>
+                        <a:spcAft>
+                          <a:spcPts val="0"/>
+                        </a:spcAft>
+                      </a:pPr>
+                      <a:r>
+                        <a:rPr lang="it-IT" sz="1200">
+                          <a:effectLst/>
+                        </a:rPr>
+                        <a:t>errore</a:t>
+                      </a:r>
+                      <a:endParaRPr lang="it-IT" sz="1100">
+                        <a:effectLst/>
+                        <a:latin typeface="Arial" panose="020B0604020202020204" pitchFamily="34" charset="0"/>
+                        <a:ea typeface="Arial" panose="020B0604020202020204" pitchFamily="34" charset="0"/>
+                      </a:endParaRPr>
+                    </a:p>
+                  </a:txBody>
+                  <a:tcPr marL="68580" marR="68580" marT="0" marB="0" anchor="ctr"/>
+                </a:tc>
+                <a:extLst>
+                  <a:ext uri="{0D108BD9-81ED-4DB2-BD59-A6C34878D82A}">
+                    <a16:rowId xmlns:a16="http://schemas.microsoft.com/office/drawing/2014/main" val="349522793"/>
+                  </a:ext>
+                </a:extLst>
+              </a:tr>
+              <a:tr h="333375">
+                <a:tc>
+                  <a:txBody>
+                    <a:bodyPr/>
+                    <a:lstStyle/>
+                    <a:p>
+                      <a:pPr marL="0" marR="0" algn="ctr">
+                        <a:lnSpc>
+                          <a:spcPct val="115000"/>
+                        </a:lnSpc>
+                        <a:spcBef>
+                          <a:spcPts val="0"/>
+                        </a:spcBef>
+                        <a:spcAft>
+                          <a:spcPts val="0"/>
+                        </a:spcAft>
+                      </a:pPr>
+                      <a:r>
+                        <a:rPr lang="it-IT" sz="1200">
+                          <a:effectLst/>
+                        </a:rPr>
+                        <a:t>TC_2.2_03</a:t>
+                      </a:r>
+                      <a:endParaRPr lang="it-IT" sz="1100">
+                        <a:effectLst/>
+                        <a:latin typeface="Arial" panose="020B0604020202020204" pitchFamily="34" charset="0"/>
+                        <a:ea typeface="Arial" panose="020B0604020202020204" pitchFamily="34" charset="0"/>
+                      </a:endParaRPr>
+                    </a:p>
+                  </a:txBody>
+                  <a:tcPr marL="68580" marR="68580" marT="0" marB="0" anchor="ctr"/>
+                </a:tc>
+                <a:tc>
+                  <a:txBody>
+                    <a:bodyPr/>
+                    <a:lstStyle/>
+                    <a:p>
+                      <a:pPr marL="0" marR="0" algn="ctr">
+                        <a:lnSpc>
+                          <a:spcPct val="115000"/>
+                        </a:lnSpc>
+                        <a:spcBef>
+                          <a:spcPts val="0"/>
+                        </a:spcBef>
+                        <a:spcAft>
+                          <a:spcPts val="0"/>
+                        </a:spcAft>
+                      </a:pPr>
+                      <a:r>
+                        <a:rPr lang="it-IT" sz="1200">
+                          <a:effectLst/>
+                        </a:rPr>
+                        <a:t>ma2, il1, es1 </a:t>
+                      </a:r>
+                      <a:endParaRPr lang="it-IT" sz="1100">
+                        <a:effectLst/>
+                        <a:latin typeface="Arial" panose="020B0604020202020204" pitchFamily="34" charset="0"/>
+                        <a:ea typeface="Arial" panose="020B0604020202020204" pitchFamily="34" charset="0"/>
+                      </a:endParaRPr>
+                    </a:p>
+                  </a:txBody>
+                  <a:tcPr marL="68580" marR="68580" marT="0" marB="0" anchor="ctr"/>
+                </a:tc>
+                <a:tc>
+                  <a:txBody>
+                    <a:bodyPr/>
+                    <a:lstStyle/>
+                    <a:p>
+                      <a:pPr marL="0" marR="0" algn="ctr">
+                        <a:lnSpc>
+                          <a:spcPct val="115000"/>
+                        </a:lnSpc>
+                        <a:spcBef>
+                          <a:spcPts val="0"/>
+                        </a:spcBef>
+                        <a:spcAft>
+                          <a:spcPts val="0"/>
+                        </a:spcAft>
+                      </a:pPr>
+                      <a:r>
+                        <a:rPr lang="it-IT" sz="1200">
+                          <a:effectLst/>
+                        </a:rPr>
+                        <a:t>errore</a:t>
+                      </a:r>
+                      <a:endParaRPr lang="it-IT" sz="1100">
+                        <a:effectLst/>
+                        <a:latin typeface="Arial" panose="020B0604020202020204" pitchFamily="34" charset="0"/>
+                        <a:ea typeface="Arial" panose="020B0604020202020204" pitchFamily="34" charset="0"/>
+                      </a:endParaRPr>
+                    </a:p>
+                  </a:txBody>
+                  <a:tcPr marL="68580" marR="68580" marT="0" marB="0" anchor="ctr"/>
+                </a:tc>
+                <a:extLst>
+                  <a:ext uri="{0D108BD9-81ED-4DB2-BD59-A6C34878D82A}">
+                    <a16:rowId xmlns:a16="http://schemas.microsoft.com/office/drawing/2014/main" val="1592684946"/>
+                  </a:ext>
+                </a:extLst>
+              </a:tr>
+              <a:tr h="333375">
+                <a:tc>
+                  <a:txBody>
+                    <a:bodyPr/>
+                    <a:lstStyle/>
+                    <a:p>
+                      <a:pPr marL="0" marR="0" algn="ctr">
+                        <a:lnSpc>
+                          <a:spcPct val="115000"/>
+                        </a:lnSpc>
+                        <a:spcBef>
+                          <a:spcPts val="0"/>
+                        </a:spcBef>
+                        <a:spcAft>
+                          <a:spcPts val="0"/>
+                        </a:spcAft>
+                      </a:pPr>
+                      <a:r>
+                        <a:rPr lang="it-IT" sz="1200">
+                          <a:effectLst/>
+                        </a:rPr>
+                        <a:t>TC_2.2_04</a:t>
+                      </a:r>
+                      <a:endParaRPr lang="it-IT" sz="1100">
+                        <a:effectLst/>
+                        <a:latin typeface="Arial" panose="020B0604020202020204" pitchFamily="34" charset="0"/>
+                        <a:ea typeface="Arial" panose="020B0604020202020204" pitchFamily="34" charset="0"/>
+                      </a:endParaRPr>
+                    </a:p>
+                  </a:txBody>
+                  <a:tcPr marL="68580" marR="68580" marT="0" marB="0" anchor="ctr"/>
+                </a:tc>
+                <a:tc>
+                  <a:txBody>
+                    <a:bodyPr/>
+                    <a:lstStyle/>
+                    <a:p>
+                      <a:pPr marL="0" marR="0" algn="ctr">
+                        <a:lnSpc>
+                          <a:spcPct val="115000"/>
+                        </a:lnSpc>
+                        <a:spcBef>
+                          <a:spcPts val="0"/>
+                        </a:spcBef>
+                        <a:spcAft>
+                          <a:spcPts val="0"/>
+                        </a:spcAft>
+                      </a:pPr>
+                      <a:r>
+                        <a:rPr lang="it-IT" sz="1200">
+                          <a:effectLst/>
+                        </a:rPr>
+                        <a:t>ma2, il1, es2, pa1</a:t>
+                      </a:r>
+                      <a:endParaRPr lang="it-IT" sz="1100">
+                        <a:effectLst/>
+                        <a:latin typeface="Arial" panose="020B0604020202020204" pitchFamily="34" charset="0"/>
+                        <a:ea typeface="Arial" panose="020B0604020202020204" pitchFamily="34" charset="0"/>
+                      </a:endParaRPr>
+                    </a:p>
+                  </a:txBody>
+                  <a:tcPr marL="68580" marR="68580" marT="0" marB="0" anchor="ctr"/>
+                </a:tc>
+                <a:tc>
+                  <a:txBody>
+                    <a:bodyPr/>
+                    <a:lstStyle/>
+                    <a:p>
+                      <a:pPr marL="0" marR="0" algn="ctr">
+                        <a:lnSpc>
+                          <a:spcPct val="115000"/>
+                        </a:lnSpc>
+                        <a:spcBef>
+                          <a:spcPts val="0"/>
+                        </a:spcBef>
+                        <a:spcAft>
+                          <a:spcPts val="0"/>
+                        </a:spcAft>
+                      </a:pPr>
+                      <a:r>
+                        <a:rPr lang="it-IT" sz="1200">
+                          <a:effectLst/>
+                        </a:rPr>
+                        <a:t>errore</a:t>
+                      </a:r>
+                      <a:endParaRPr lang="it-IT" sz="1100">
+                        <a:effectLst/>
+                        <a:latin typeface="Arial" panose="020B0604020202020204" pitchFamily="34" charset="0"/>
+                        <a:ea typeface="Arial" panose="020B0604020202020204" pitchFamily="34" charset="0"/>
+                      </a:endParaRPr>
+                    </a:p>
+                  </a:txBody>
+                  <a:tcPr marL="68580" marR="68580" marT="0" marB="0" anchor="ctr"/>
+                </a:tc>
+                <a:extLst>
+                  <a:ext uri="{0D108BD9-81ED-4DB2-BD59-A6C34878D82A}">
+                    <a16:rowId xmlns:a16="http://schemas.microsoft.com/office/drawing/2014/main" val="1314236747"/>
+                  </a:ext>
+                </a:extLst>
+              </a:tr>
+              <a:tr h="333375">
+                <a:tc>
+                  <a:txBody>
+                    <a:bodyPr/>
+                    <a:lstStyle/>
+                    <a:p>
+                      <a:pPr marL="0" marR="0" algn="ctr">
+                        <a:lnSpc>
+                          <a:spcPct val="115000"/>
+                        </a:lnSpc>
+                        <a:spcBef>
+                          <a:spcPts val="0"/>
+                        </a:spcBef>
+                        <a:spcAft>
+                          <a:spcPts val="0"/>
+                        </a:spcAft>
+                      </a:pPr>
+                      <a:r>
+                        <a:rPr lang="it-IT" sz="1200">
+                          <a:effectLst/>
+                        </a:rPr>
+                        <a:t>TC_2.2_05</a:t>
+                      </a:r>
+                      <a:endParaRPr lang="it-IT" sz="1100">
+                        <a:effectLst/>
+                        <a:latin typeface="Arial" panose="020B0604020202020204" pitchFamily="34" charset="0"/>
+                        <a:ea typeface="Arial" panose="020B0604020202020204" pitchFamily="34" charset="0"/>
+                      </a:endParaRPr>
+                    </a:p>
+                  </a:txBody>
+                  <a:tcPr marL="68580" marR="68580" marT="0" marB="0" anchor="ctr"/>
+                </a:tc>
+                <a:tc>
+                  <a:txBody>
+                    <a:bodyPr/>
+                    <a:lstStyle/>
+                    <a:p>
+                      <a:pPr marL="0" marR="0" algn="ctr">
+                        <a:lnSpc>
+                          <a:spcPct val="115000"/>
+                        </a:lnSpc>
+                        <a:spcBef>
+                          <a:spcPts val="0"/>
+                        </a:spcBef>
+                        <a:spcAft>
+                          <a:spcPts val="0"/>
+                        </a:spcAft>
+                      </a:pPr>
+                      <a:r>
+                        <a:rPr lang="it-IT" sz="1200">
+                          <a:effectLst/>
+                        </a:rPr>
+                        <a:t>ma2, il1, es2, pa2, ep2</a:t>
+                      </a:r>
+                      <a:endParaRPr lang="it-IT" sz="1100">
+                        <a:effectLst/>
+                        <a:latin typeface="Arial" panose="020B0604020202020204" pitchFamily="34" charset="0"/>
+                        <a:ea typeface="Arial" panose="020B0604020202020204" pitchFamily="34" charset="0"/>
+                      </a:endParaRPr>
+                    </a:p>
+                  </a:txBody>
+                  <a:tcPr marL="68580" marR="68580" marT="0" marB="0" anchor="ctr"/>
+                </a:tc>
+                <a:tc>
+                  <a:txBody>
+                    <a:bodyPr/>
+                    <a:lstStyle/>
+                    <a:p>
+                      <a:pPr marL="0" marR="0" algn="ctr">
+                        <a:lnSpc>
+                          <a:spcPct val="115000"/>
+                        </a:lnSpc>
+                        <a:spcBef>
+                          <a:spcPts val="0"/>
+                        </a:spcBef>
+                        <a:spcAft>
+                          <a:spcPts val="0"/>
+                        </a:spcAft>
+                      </a:pPr>
+                      <a:r>
+                        <a:rPr lang="it-IT" sz="1200">
+                          <a:effectLst/>
+                        </a:rPr>
+                        <a:t>errore</a:t>
+                      </a:r>
+                      <a:endParaRPr lang="it-IT" sz="1100">
+                        <a:effectLst/>
+                        <a:latin typeface="Arial" panose="020B0604020202020204" pitchFamily="34" charset="0"/>
+                        <a:ea typeface="Arial" panose="020B0604020202020204" pitchFamily="34" charset="0"/>
+                      </a:endParaRPr>
+                    </a:p>
+                  </a:txBody>
+                  <a:tcPr marL="68580" marR="68580" marT="0" marB="0" anchor="ctr"/>
+                </a:tc>
+                <a:extLst>
+                  <a:ext uri="{0D108BD9-81ED-4DB2-BD59-A6C34878D82A}">
+                    <a16:rowId xmlns:a16="http://schemas.microsoft.com/office/drawing/2014/main" val="2705879911"/>
+                  </a:ext>
+                </a:extLst>
+              </a:tr>
+              <a:tr h="333375">
+                <a:tc>
+                  <a:txBody>
+                    <a:bodyPr/>
+                    <a:lstStyle/>
+                    <a:p>
+                      <a:pPr marL="0" marR="0" algn="ctr">
+                        <a:lnSpc>
+                          <a:spcPct val="115000"/>
+                        </a:lnSpc>
+                        <a:spcBef>
+                          <a:spcPts val="0"/>
+                        </a:spcBef>
+                        <a:spcAft>
+                          <a:spcPts val="0"/>
+                        </a:spcAft>
+                      </a:pPr>
+                      <a:r>
+                        <a:rPr lang="it-IT" sz="1200">
+                          <a:effectLst/>
+                        </a:rPr>
+                        <a:t>TC_2.2_06</a:t>
+                      </a:r>
+                      <a:endParaRPr lang="it-IT" sz="1100">
+                        <a:effectLst/>
+                        <a:latin typeface="Arial" panose="020B0604020202020204" pitchFamily="34" charset="0"/>
+                        <a:ea typeface="Arial" panose="020B0604020202020204" pitchFamily="34" charset="0"/>
+                      </a:endParaRPr>
+                    </a:p>
+                  </a:txBody>
+                  <a:tcPr marL="68580" marR="68580" marT="0" marB="0" anchor="ctr"/>
+                </a:tc>
+                <a:tc>
+                  <a:txBody>
+                    <a:bodyPr/>
+                    <a:lstStyle/>
+                    <a:p>
+                      <a:pPr marL="0" marR="0" algn="ctr">
+                        <a:lnSpc>
+                          <a:spcPct val="115000"/>
+                        </a:lnSpc>
+                        <a:spcBef>
+                          <a:spcPts val="0"/>
+                        </a:spcBef>
+                        <a:spcAft>
+                          <a:spcPts val="0"/>
+                        </a:spcAft>
+                      </a:pPr>
+                      <a:r>
+                        <a:rPr lang="it-IT" sz="1200">
+                          <a:effectLst/>
+                        </a:rPr>
+                        <a:t>ma2, il1, es2, pa2, ep1, cp2</a:t>
+                      </a:r>
+                      <a:endParaRPr lang="it-IT" sz="1100">
+                        <a:effectLst/>
+                        <a:latin typeface="Arial" panose="020B0604020202020204" pitchFamily="34" charset="0"/>
+                        <a:ea typeface="Arial" panose="020B0604020202020204" pitchFamily="34" charset="0"/>
+                      </a:endParaRPr>
+                    </a:p>
+                  </a:txBody>
+                  <a:tcPr marL="68580" marR="68580" marT="0" marB="0" anchor="ctr"/>
+                </a:tc>
+                <a:tc>
+                  <a:txBody>
+                    <a:bodyPr/>
+                    <a:lstStyle/>
+                    <a:p>
+                      <a:pPr marL="0" marR="0" algn="ctr">
+                        <a:lnSpc>
+                          <a:spcPct val="115000"/>
+                        </a:lnSpc>
+                        <a:spcBef>
+                          <a:spcPts val="0"/>
+                        </a:spcBef>
+                        <a:spcAft>
+                          <a:spcPts val="0"/>
+                        </a:spcAft>
+                      </a:pPr>
+                      <a:r>
+                        <a:rPr lang="it-IT" sz="1200">
+                          <a:effectLst/>
+                        </a:rPr>
+                        <a:t>errore</a:t>
+                      </a:r>
+                      <a:endParaRPr lang="it-IT" sz="1100">
+                        <a:effectLst/>
+                        <a:latin typeface="Arial" panose="020B0604020202020204" pitchFamily="34" charset="0"/>
+                        <a:ea typeface="Arial" panose="020B0604020202020204" pitchFamily="34" charset="0"/>
+                      </a:endParaRPr>
+                    </a:p>
+                  </a:txBody>
+                  <a:tcPr marL="68580" marR="68580" marT="0" marB="0" anchor="ctr"/>
+                </a:tc>
+                <a:extLst>
+                  <a:ext uri="{0D108BD9-81ED-4DB2-BD59-A6C34878D82A}">
+                    <a16:rowId xmlns:a16="http://schemas.microsoft.com/office/drawing/2014/main" val="3950287352"/>
+                  </a:ext>
+                </a:extLst>
+              </a:tr>
+              <a:tr h="333375">
+                <a:tc>
+                  <a:txBody>
+                    <a:bodyPr/>
+                    <a:lstStyle/>
+                    <a:p>
+                      <a:pPr marL="0" marR="0" algn="ctr">
+                        <a:lnSpc>
+                          <a:spcPct val="115000"/>
+                        </a:lnSpc>
+                        <a:spcBef>
+                          <a:spcPts val="0"/>
+                        </a:spcBef>
+                        <a:spcAft>
+                          <a:spcPts val="0"/>
+                        </a:spcAft>
+                      </a:pPr>
+                      <a:r>
+                        <a:rPr lang="it-IT" sz="1200">
+                          <a:effectLst/>
+                        </a:rPr>
+                        <a:t>TC_2.2_07</a:t>
+                      </a:r>
+                      <a:endParaRPr lang="it-IT" sz="1100">
+                        <a:effectLst/>
+                        <a:latin typeface="Arial" panose="020B0604020202020204" pitchFamily="34" charset="0"/>
+                        <a:ea typeface="Arial" panose="020B0604020202020204" pitchFamily="34" charset="0"/>
+                      </a:endParaRPr>
+                    </a:p>
+                  </a:txBody>
+                  <a:tcPr marL="68580" marR="68580" marT="0" marB="0" anchor="ctr"/>
+                </a:tc>
+                <a:tc>
+                  <a:txBody>
+                    <a:bodyPr/>
+                    <a:lstStyle/>
+                    <a:p>
+                      <a:pPr marL="0" marR="0" algn="ctr">
+                        <a:lnSpc>
+                          <a:spcPct val="115000"/>
+                        </a:lnSpc>
+                        <a:spcBef>
+                          <a:spcPts val="0"/>
+                        </a:spcBef>
+                        <a:spcAft>
+                          <a:spcPts val="0"/>
+                        </a:spcAft>
+                      </a:pPr>
+                      <a:r>
+                        <a:rPr lang="it-IT" sz="1200">
+                          <a:effectLst/>
+                        </a:rPr>
+                        <a:t>ma2, il1, es2, pa2, ep1, cp1 </a:t>
+                      </a:r>
+                      <a:endParaRPr lang="it-IT" sz="1100">
+                        <a:effectLst/>
+                        <a:latin typeface="Arial" panose="020B0604020202020204" pitchFamily="34" charset="0"/>
+                        <a:ea typeface="Arial" panose="020B0604020202020204" pitchFamily="34" charset="0"/>
+                      </a:endParaRPr>
+                    </a:p>
+                  </a:txBody>
+                  <a:tcPr marL="68580" marR="68580" marT="0" marB="0" anchor="ctr"/>
+                </a:tc>
+                <a:tc>
+                  <a:txBody>
+                    <a:bodyPr/>
+                    <a:lstStyle/>
+                    <a:p>
+                      <a:pPr marL="0" marR="0" algn="ctr">
+                        <a:lnSpc>
+                          <a:spcPct val="115000"/>
+                        </a:lnSpc>
+                        <a:spcBef>
+                          <a:spcPts val="0"/>
+                        </a:spcBef>
+                        <a:spcAft>
+                          <a:spcPts val="0"/>
+                        </a:spcAft>
+                      </a:pPr>
+                      <a:r>
+                        <a:rPr lang="it-IT" sz="1200" dirty="0">
+                          <a:effectLst/>
+                        </a:rPr>
+                        <a:t>login</a:t>
+                      </a:r>
+                      <a:endParaRPr lang="it-IT" sz="1100" dirty="0">
+                        <a:effectLst/>
+                        <a:latin typeface="Arial" panose="020B0604020202020204" pitchFamily="34" charset="0"/>
+                        <a:ea typeface="Arial" panose="020B0604020202020204" pitchFamily="34" charset="0"/>
+                      </a:endParaRPr>
+                    </a:p>
+                  </a:txBody>
+                  <a:tcPr marL="68580" marR="68580" marT="0" marB="0" anchor="ctr"/>
+                </a:tc>
+                <a:extLst>
+                  <a:ext uri="{0D108BD9-81ED-4DB2-BD59-A6C34878D82A}">
+                    <a16:rowId xmlns:a16="http://schemas.microsoft.com/office/drawing/2014/main" val="1869455725"/>
+                  </a:ext>
+                </a:extLst>
+              </a:tr>
+            </a:tbl>
+          </a:graphicData>
+        </a:graphic>
+      </p:graphicFrame>
+    </p:spTree>
+    <p:extLst>
+      <p:ext uri="{BB962C8B-B14F-4D97-AF65-F5344CB8AC3E}">
+        <p14:creationId xmlns:p14="http://schemas.microsoft.com/office/powerpoint/2010/main" val="799195648"/>
+      </p:ext>
+    </p:extLst>
+  </p:cSld>
+  <p:clrMapOvr>
+    <a:masterClrMapping/>
+  </p:clrMapOvr>
+  <mc:AlternateContent xmlns:mc="http://schemas.openxmlformats.org/markup-compatibility/2006">
+    <mc:Choice xmlns:p14="http://schemas.microsoft.com/office/powerpoint/2010/main" Requires="p14">
+      <p:transition p14:dur="10"/>
+    </mc:Choice>
+    <mc:Fallback>
+      <p:transition/>
+    </mc:Fallback>
+  </mc:AlternateContent>
+</p:sld>
+</file>
+
+<file path=ppt/slides/slide13.xml><?xml version="1.0" encoding="utf-8"?>
 <p:sld xmlns:a="http://schemas.openxmlformats.org/drawingml/2006/main" xmlns:r="http://schemas.openxmlformats.org/officeDocument/2006/relationships" xmlns:p="http://schemas.openxmlformats.org/presentationml/2006/main">
   <p:cSld>
     <p:spTree>
@@ -9634,112 +11962,6 @@
 </p:sld>
 </file>
 
-<file path=ppt/slides/slide13.xml><?xml version="1.0" encoding="utf-8"?>
-<p:sld xmlns:a="http://schemas.openxmlformats.org/drawingml/2006/main" xmlns:r="http://schemas.openxmlformats.org/officeDocument/2006/relationships" xmlns:p="http://schemas.openxmlformats.org/presentationml/2006/main">
-  <p:cSld>
-    <p:spTree>
-      <p:nvGrpSpPr>
-        <p:cNvPr id="1" name=""/>
-        <p:cNvGrpSpPr/>
-        <p:nvPr/>
-      </p:nvGrpSpPr>
-      <p:grpSpPr>
-        <a:xfrm>
-          <a:off x="0" y="0"/>
-          <a:ext cx="0" cy="0"/>
-          <a:chOff x="0" y="0"/>
-          <a:chExt cx="0" cy="0"/>
-        </a:xfrm>
-      </p:grpSpPr>
-      <p:sp>
-        <p:nvSpPr>
-          <p:cNvPr id="2" name="Titolo 1">
-            <a:extLst>
-              <a:ext uri="{FF2B5EF4-FFF2-40B4-BE49-F238E27FC236}">
-                <a16:creationId xmlns:a16="http://schemas.microsoft.com/office/drawing/2014/main" id="{B091881F-E104-4A2A-A90F-E9C96E8E73B4}"/>
-              </a:ext>
-            </a:extLst>
-          </p:cNvPr>
-          <p:cNvSpPr>
-            <a:spLocks noGrp="1"/>
-          </p:cNvSpPr>
-          <p:nvPr>
-            <p:ph type="title"/>
-          </p:nvPr>
-        </p:nvSpPr>
-        <p:spPr>
-          <a:xfrm rot="16200000">
-            <a:off x="-3053088" y="3053088"/>
-            <a:ext cx="6858003" cy="751823"/>
-          </a:xfrm>
-        </p:spPr>
-        <p:txBody>
-          <a:bodyPr>
-            <a:noAutofit/>
-          </a:bodyPr>
-          <a:lstStyle/>
-          <a:p>
-            <a:pPr algn="r"/>
-            <a:r>
-              <a:rPr lang="it-IT" sz="4800" dirty="0">
-                <a:solidFill>
-                  <a:srgbClr val="F8B323"/>
-                </a:solidFill>
-              </a:rPr>
-              <a:t>effort</a:t>
-            </a:r>
-          </a:p>
-        </p:txBody>
-      </p:sp>
-      <p:sp>
-        <p:nvSpPr>
-          <p:cNvPr id="3" name="Segnaposto contenuto 2">
-            <a:extLst>
-              <a:ext uri="{FF2B5EF4-FFF2-40B4-BE49-F238E27FC236}">
-                <a16:creationId xmlns:a16="http://schemas.microsoft.com/office/drawing/2014/main" id="{0D1F4823-2969-402A-86AF-FE8D80B3F521}"/>
-              </a:ext>
-            </a:extLst>
-          </p:cNvPr>
-          <p:cNvSpPr>
-            <a:spLocks noGrp="1"/>
-          </p:cNvSpPr>
-          <p:nvPr>
-            <p:ph idx="1"/>
-          </p:nvPr>
-        </p:nvSpPr>
-        <p:spPr>
-          <a:xfrm>
-            <a:off x="1269262" y="3001454"/>
-            <a:ext cx="10178322" cy="855090"/>
-          </a:xfrm>
-        </p:spPr>
-        <p:txBody>
-          <a:bodyPr/>
-          <a:lstStyle/>
-          <a:p>
-            <a:pPr marL="0" indent="0">
-              <a:buNone/>
-            </a:pPr>
-            <a:r>
-              <a:rPr lang="it-IT" dirty="0"/>
-              <a:t>A questo proposito, vi Reindirizziamo al documento allegato «Contributi individuali» per una lista completa dei contributi da parte di ogni partecipante.</a:t>
-            </a:r>
-          </a:p>
-        </p:txBody>
-      </p:sp>
-    </p:spTree>
-    <p:extLst>
-      <p:ext uri="{BB962C8B-B14F-4D97-AF65-F5344CB8AC3E}">
-        <p14:creationId xmlns:p14="http://schemas.microsoft.com/office/powerpoint/2010/main" val="2445842115"/>
-      </p:ext>
-    </p:extLst>
-  </p:cSld>
-  <p:clrMapOvr>
-    <a:masterClrMapping/>
-  </p:clrMapOvr>
-</p:sld>
-</file>
-
 <file path=ppt/slides/slide14.xml><?xml version="1.0" encoding="utf-8"?>
 <p:sld xmlns:a="http://schemas.openxmlformats.org/drawingml/2006/main" xmlns:r="http://schemas.openxmlformats.org/officeDocument/2006/relationships" xmlns:p="http://schemas.openxmlformats.org/presentationml/2006/main">
   <p:cSld>
@@ -9792,7 +12014,7 @@
                   <a:srgbClr val="F8B323"/>
                 </a:solidFill>
               </a:rPr>
-              <a:t>metriche</a:t>
+              <a:t>effort</a:t>
             </a:r>
           </a:p>
         </p:txBody>
@@ -9815,47 +12037,20 @@
         </p:nvSpPr>
         <p:spPr>
           <a:xfrm>
-            <a:off x="1285887" y="200626"/>
-            <a:ext cx="10178322" cy="3593591"/>
+            <a:off x="1269262" y="3001454"/>
+            <a:ext cx="10178322" cy="855090"/>
           </a:xfrm>
         </p:spPr>
         <p:txBody>
           <a:bodyPr/>
           <a:lstStyle/>
           <a:p>
-            <a:pPr marL="0" indent="0" algn="l">
+            <a:pPr marL="0" indent="0">
               <a:buNone/>
             </a:pPr>
             <a:r>
-              <a:rPr lang="it-IT" b="0" i="0" dirty="0">
-                <a:solidFill>
-                  <a:srgbClr val="222222"/>
-                </a:solidFill>
-                <a:effectLst/>
-                <a:latin typeface="Roboto" panose="02000000000000000000" pitchFamily="2" charset="0"/>
-              </a:rPr>
-              <a:t>Metriche del software, come, ad esempio: LOC (Lines of Code) totali del progetto, numero di design pattern implementati, numero di test case e test suite sviluppate, branch coverage dei casi di test, numero di warning identificati (e risolti) da CheckStyle. Ulteriori metriche che possano descrivere il vostro progetto sono ben accette. Inoltre, richiediamo la presentazione di alcune statistiche </a:t>
-            </a:r>
-            <a:r>
-              <a:rPr lang="it-IT" b="0" i="0" dirty="0">
-                <a:solidFill>
-                  <a:srgbClr val="1155CC"/>
-                </a:solidFill>
-                <a:effectLst/>
-                <a:latin typeface="Roboto" panose="02000000000000000000" pitchFamily="2" charset="0"/>
-                <a:hlinkClick r:id="rId2" tooltip="Github"/>
-              </a:rPr>
-              <a:t>GitHub</a:t>
-            </a:r>
-            <a:r>
-              <a:rPr lang="it-IT" b="0" i="0" dirty="0">
-                <a:solidFill>
-                  <a:srgbClr val="222222"/>
-                </a:solidFill>
-                <a:effectLst/>
-                <a:latin typeface="Roboto" panose="02000000000000000000" pitchFamily="2" charset="0"/>
-              </a:rPr>
-              <a:t>, come numero di commit totale e numero di commit per team member. </a:t>
+              <a:rPr lang="it-IT" dirty="0"/>
+              <a:t>A questo proposito, vi Reindirizziamo al documento allegato «Contributi individuali» per una lista completa dei contributi da parte di ogni partecipante.</a:t>
             </a:r>
           </a:p>
         </p:txBody>
@@ -9863,7 +12058,7 @@
     </p:spTree>
     <p:extLst>
       <p:ext uri="{BB962C8B-B14F-4D97-AF65-F5344CB8AC3E}">
-        <p14:creationId xmlns:p14="http://schemas.microsoft.com/office/powerpoint/2010/main" val="29124466"/>
+        <p14:creationId xmlns:p14="http://schemas.microsoft.com/office/powerpoint/2010/main" val="2445842115"/>
       </p:ext>
     </p:extLst>
   </p:cSld>
@@ -9925,6 +12120,667 @@
                   <a:srgbClr val="F8B323"/>
                 </a:solidFill>
               </a:rPr>
+              <a:t>metriche</a:t>
+            </a:r>
+          </a:p>
+        </p:txBody>
+      </p:sp>
+      <p:graphicFrame>
+        <p:nvGraphicFramePr>
+          <p:cNvPr id="4" name="Tabella 4">
+            <a:extLst>
+              <a:ext uri="{FF2B5EF4-FFF2-40B4-BE49-F238E27FC236}">
+                <a16:creationId xmlns:a16="http://schemas.microsoft.com/office/drawing/2014/main" id="{6288B4A8-35F1-42D9-84B3-07D1EE8FF8D0}"/>
+              </a:ext>
+            </a:extLst>
+          </p:cNvPr>
+          <p:cNvGraphicFramePr>
+            <a:graphicFrameLocks noGrp="1"/>
+          </p:cNvGraphicFramePr>
+          <p:nvPr>
+            <p:extLst>
+              <p:ext uri="{D42A27DB-BD31-4B8C-83A1-F6EECF244321}">
+                <p14:modId xmlns:p14="http://schemas.microsoft.com/office/powerpoint/2010/main" val="1609116737"/>
+              </p:ext>
+            </p:extLst>
+          </p:nvPr>
+        </p:nvGraphicFramePr>
+        <p:xfrm>
+          <a:off x="2032000" y="1844039"/>
+          <a:ext cx="8128000" cy="3169920"/>
+        </p:xfrm>
+        <a:graphic>
+          <a:graphicData uri="http://schemas.openxmlformats.org/drawingml/2006/table">
+            <a:tbl>
+              <a:tblPr firstRow="1" bandRow="1">
+                <a:tableStyleId>{69CF1AB2-1976-4502-BF36-3FF5EA218861}</a:tableStyleId>
+              </a:tblPr>
+              <a:tblGrid>
+                <a:gridCol w="4064000">
+                  <a:extLst>
+                    <a:ext uri="{9D8B030D-6E8A-4147-A177-3AD203B41FA5}">
+                      <a16:colId xmlns:a16="http://schemas.microsoft.com/office/drawing/2014/main" val="354606488"/>
+                    </a:ext>
+                  </a:extLst>
+                </a:gridCol>
+                <a:gridCol w="4064000">
+                  <a:extLst>
+                    <a:ext uri="{9D8B030D-6E8A-4147-A177-3AD203B41FA5}">
+                      <a16:colId xmlns:a16="http://schemas.microsoft.com/office/drawing/2014/main" val="2893096608"/>
+                    </a:ext>
+                  </a:extLst>
+                </a:gridCol>
+              </a:tblGrid>
+              <a:tr h="0">
+                <a:tc>
+                  <a:txBody>
+                    <a:bodyPr/>
+                    <a:lstStyle/>
+                    <a:p>
+                      <a:r>
+                        <a:rPr lang="it-IT" sz="2000" b="0" i="0" kern="1200" dirty="0">
+                          <a:solidFill>
+                            <a:schemeClr val="tx1"/>
+                          </a:solidFill>
+                          <a:effectLst/>
+                          <a:latin typeface="Roboto" panose="02000000000000000000" pitchFamily="2" charset="0"/>
+                          <a:ea typeface="+mn-ea"/>
+                          <a:cs typeface="+mn-cs"/>
+                        </a:rPr>
+                        <a:t>Lines of Code</a:t>
+                      </a:r>
+                    </a:p>
+                  </a:txBody>
+                  <a:tcPr/>
+                </a:tc>
+                <a:tc>
+                  <a:txBody>
+                    <a:bodyPr/>
+                    <a:lstStyle/>
+                    <a:p>
+                      <a:r>
+                        <a:rPr lang="it-IT" sz="2000" b="0" i="0" kern="1200" dirty="0">
+                          <a:solidFill>
+                            <a:srgbClr val="222222"/>
+                          </a:solidFill>
+                          <a:effectLst/>
+                          <a:latin typeface="Roboto" panose="02000000000000000000" pitchFamily="2" charset="0"/>
+                          <a:ea typeface="+mn-ea"/>
+                          <a:cs typeface="+mn-cs"/>
+                        </a:rPr>
+                        <a:t>178,163</a:t>
+                      </a:r>
+                    </a:p>
+                  </a:txBody>
+                  <a:tcPr/>
+                </a:tc>
+                <a:extLst>
+                  <a:ext uri="{0D108BD9-81ED-4DB2-BD59-A6C34878D82A}">
+                    <a16:rowId xmlns:a16="http://schemas.microsoft.com/office/drawing/2014/main" val="2989745504"/>
+                  </a:ext>
+                </a:extLst>
+              </a:tr>
+              <a:tr h="370840">
+                <a:tc>
+                  <a:txBody>
+                    <a:bodyPr/>
+                    <a:lstStyle/>
+                    <a:p>
+                      <a:r>
+                        <a:rPr lang="it-IT" sz="2000" b="0" i="0" kern="1200" dirty="0">
+                          <a:solidFill>
+                            <a:srgbClr val="222222"/>
+                          </a:solidFill>
+                          <a:effectLst/>
+                          <a:latin typeface="Roboto" panose="02000000000000000000" pitchFamily="2" charset="0"/>
+                          <a:ea typeface="+mn-ea"/>
+                          <a:cs typeface="+mn-cs"/>
+                        </a:rPr>
+                        <a:t>Design Pattern</a:t>
+                      </a:r>
+                    </a:p>
+                  </a:txBody>
+                  <a:tcPr/>
+                </a:tc>
+                <a:tc>
+                  <a:txBody>
+                    <a:bodyPr/>
+                    <a:lstStyle/>
+                    <a:p>
+                      <a:r>
+                        <a:rPr lang="it-IT" sz="2000" b="0" i="0" kern="1200" dirty="0">
+                          <a:solidFill>
+                            <a:srgbClr val="222222"/>
+                          </a:solidFill>
+                          <a:effectLst/>
+                          <a:latin typeface="Roboto" panose="02000000000000000000" pitchFamily="2" charset="0"/>
+                          <a:ea typeface="+mn-ea"/>
+                          <a:cs typeface="+mn-cs"/>
+                        </a:rPr>
+                        <a:t>4</a:t>
+                      </a:r>
+                    </a:p>
+                  </a:txBody>
+                  <a:tcPr/>
+                </a:tc>
+                <a:extLst>
+                  <a:ext uri="{0D108BD9-81ED-4DB2-BD59-A6C34878D82A}">
+                    <a16:rowId xmlns:a16="http://schemas.microsoft.com/office/drawing/2014/main" val="2855018601"/>
+                  </a:ext>
+                </a:extLst>
+              </a:tr>
+              <a:tr h="370840">
+                <a:tc>
+                  <a:txBody>
+                    <a:bodyPr/>
+                    <a:lstStyle/>
+                    <a:p>
+                      <a:r>
+                        <a:rPr lang="it-IT" sz="2000" b="0" i="0" kern="1200" dirty="0">
+                          <a:solidFill>
+                            <a:srgbClr val="222222"/>
+                          </a:solidFill>
+                          <a:effectLst/>
+                          <a:latin typeface="Roboto" panose="02000000000000000000" pitchFamily="2" charset="0"/>
+                          <a:ea typeface="+mn-ea"/>
+                          <a:cs typeface="+mn-cs"/>
+                        </a:rPr>
+                        <a:t>Test case/Test suite</a:t>
+                      </a:r>
+                    </a:p>
+                  </a:txBody>
+                  <a:tcPr/>
+                </a:tc>
+                <a:tc>
+                  <a:txBody>
+                    <a:bodyPr/>
+                    <a:lstStyle/>
+                    <a:p>
+                      <a:r>
+                        <a:rPr lang="it-IT" sz="2000" b="0" i="0" kern="1200" dirty="0">
+                          <a:solidFill>
+                            <a:srgbClr val="222222"/>
+                          </a:solidFill>
+                          <a:effectLst/>
+                          <a:latin typeface="Roboto" panose="02000000000000000000" pitchFamily="2" charset="0"/>
+                          <a:ea typeface="+mn-ea"/>
+                          <a:cs typeface="+mn-cs"/>
+                        </a:rPr>
+                        <a:t>10</a:t>
+                      </a:r>
+                    </a:p>
+                  </a:txBody>
+                  <a:tcPr/>
+                </a:tc>
+                <a:extLst>
+                  <a:ext uri="{0D108BD9-81ED-4DB2-BD59-A6C34878D82A}">
+                    <a16:rowId xmlns:a16="http://schemas.microsoft.com/office/drawing/2014/main" val="354623007"/>
+                  </a:ext>
+                </a:extLst>
+              </a:tr>
+              <a:tr h="370840">
+                <a:tc>
+                  <a:txBody>
+                    <a:bodyPr/>
+                    <a:lstStyle/>
+                    <a:p>
+                      <a:r>
+                        <a:rPr lang="it-IT" sz="2000" b="0" i="0" kern="1200" dirty="0" err="1">
+                          <a:solidFill>
+                            <a:srgbClr val="222222"/>
+                          </a:solidFill>
+                          <a:effectLst/>
+                          <a:latin typeface="Roboto" panose="02000000000000000000" pitchFamily="2" charset="0"/>
+                          <a:ea typeface="+mn-ea"/>
+                          <a:cs typeface="+mn-cs"/>
+                        </a:rPr>
+                        <a:t>Branch</a:t>
+                      </a:r>
+                      <a:r>
+                        <a:rPr lang="it-IT" sz="2000" b="0" i="0" kern="1200" dirty="0">
+                          <a:solidFill>
+                            <a:srgbClr val="222222"/>
+                          </a:solidFill>
+                          <a:effectLst/>
+                          <a:latin typeface="Roboto" panose="02000000000000000000" pitchFamily="2" charset="0"/>
+                          <a:ea typeface="+mn-ea"/>
+                          <a:cs typeface="+mn-cs"/>
+                        </a:rPr>
+                        <a:t> Coverage</a:t>
+                      </a:r>
+                    </a:p>
+                  </a:txBody>
+                  <a:tcPr/>
+                </a:tc>
+                <a:tc>
+                  <a:txBody>
+                    <a:bodyPr/>
+                    <a:lstStyle/>
+                    <a:p>
+                      <a:r>
+                        <a:rPr lang="it-IT" sz="2000" b="0" i="0" kern="1200" dirty="0">
+                          <a:solidFill>
+                            <a:srgbClr val="222222"/>
+                          </a:solidFill>
+                          <a:effectLst/>
+                          <a:latin typeface="Roboto" panose="02000000000000000000" pitchFamily="2" charset="0"/>
+                          <a:ea typeface="+mn-ea"/>
+                          <a:cs typeface="+mn-cs"/>
+                        </a:rPr>
+                        <a:t>97.8%</a:t>
+                      </a:r>
+                    </a:p>
+                  </a:txBody>
+                  <a:tcPr/>
+                </a:tc>
+                <a:extLst>
+                  <a:ext uri="{0D108BD9-81ED-4DB2-BD59-A6C34878D82A}">
+                    <a16:rowId xmlns:a16="http://schemas.microsoft.com/office/drawing/2014/main" val="1429148273"/>
+                  </a:ext>
+                </a:extLst>
+              </a:tr>
+              <a:tr h="370840">
+                <a:tc>
+                  <a:txBody>
+                    <a:bodyPr/>
+                    <a:lstStyle/>
+                    <a:p>
+                      <a:r>
+                        <a:rPr lang="it-IT" sz="2000" b="0" i="0" kern="1200" dirty="0" err="1">
+                          <a:solidFill>
+                            <a:srgbClr val="222222"/>
+                          </a:solidFill>
+                          <a:effectLst/>
+                          <a:latin typeface="Roboto" panose="02000000000000000000" pitchFamily="2" charset="0"/>
+                          <a:ea typeface="+mn-ea"/>
+                          <a:cs typeface="+mn-cs"/>
+                        </a:rPr>
+                        <a:t>CheckStyle</a:t>
+                      </a:r>
+                      <a:r>
+                        <a:rPr lang="it-IT" sz="2000" b="0" i="0" kern="1200" dirty="0">
+                          <a:solidFill>
+                            <a:srgbClr val="222222"/>
+                          </a:solidFill>
+                          <a:effectLst/>
+                          <a:latin typeface="Roboto" panose="02000000000000000000" pitchFamily="2" charset="0"/>
+                          <a:ea typeface="+mn-ea"/>
+                          <a:cs typeface="+mn-cs"/>
+                        </a:rPr>
+                        <a:t> warnings</a:t>
+                      </a:r>
+                    </a:p>
+                  </a:txBody>
+                  <a:tcPr/>
+                </a:tc>
+                <a:tc>
+                  <a:txBody>
+                    <a:bodyPr/>
+                    <a:lstStyle/>
+                    <a:p>
+                      <a:r>
+                        <a:rPr lang="it-IT" sz="2000" b="0" i="0" kern="1200" dirty="0">
+                          <a:solidFill>
+                            <a:srgbClr val="222222"/>
+                          </a:solidFill>
+                          <a:effectLst/>
+                          <a:latin typeface="Roboto" panose="02000000000000000000" pitchFamily="2" charset="0"/>
+                          <a:ea typeface="+mn-ea"/>
+                          <a:cs typeface="+mn-cs"/>
+                        </a:rPr>
+                        <a:t>354</a:t>
+                      </a:r>
+                    </a:p>
+                  </a:txBody>
+                  <a:tcPr/>
+                </a:tc>
+                <a:extLst>
+                  <a:ext uri="{0D108BD9-81ED-4DB2-BD59-A6C34878D82A}">
+                    <a16:rowId xmlns:a16="http://schemas.microsoft.com/office/drawing/2014/main" val="3749220836"/>
+                  </a:ext>
+                </a:extLst>
+              </a:tr>
+              <a:tr h="370840">
+                <a:tc>
+                  <a:txBody>
+                    <a:bodyPr/>
+                    <a:lstStyle/>
+                    <a:p>
+                      <a:r>
+                        <a:rPr lang="it-IT" sz="2000" b="0" i="0" kern="1200" dirty="0" err="1">
+                          <a:solidFill>
+                            <a:srgbClr val="222222"/>
+                          </a:solidFill>
+                          <a:effectLst/>
+                          <a:latin typeface="Roboto" panose="02000000000000000000" pitchFamily="2" charset="0"/>
+                          <a:ea typeface="+mn-ea"/>
+                          <a:cs typeface="+mn-cs"/>
+                        </a:rPr>
+                        <a:t>Github</a:t>
+                      </a:r>
+                      <a:r>
+                        <a:rPr lang="it-IT" sz="2000" b="0" i="0" kern="1200" dirty="0">
+                          <a:solidFill>
+                            <a:srgbClr val="222222"/>
+                          </a:solidFill>
+                          <a:effectLst/>
+                          <a:latin typeface="Roboto" panose="02000000000000000000" pitchFamily="2" charset="0"/>
+                          <a:ea typeface="+mn-ea"/>
+                          <a:cs typeface="+mn-cs"/>
+                        </a:rPr>
+                        <a:t> </a:t>
+                      </a:r>
+                      <a:r>
+                        <a:rPr lang="it-IT" sz="2000" b="0" i="0" kern="1200" dirty="0" err="1">
+                          <a:solidFill>
+                            <a:srgbClr val="222222"/>
+                          </a:solidFill>
+                          <a:effectLst/>
+                          <a:latin typeface="Roboto" panose="02000000000000000000" pitchFamily="2" charset="0"/>
+                          <a:ea typeface="+mn-ea"/>
+                          <a:cs typeface="+mn-cs"/>
+                        </a:rPr>
+                        <a:t>commit</a:t>
+                      </a:r>
+                      <a:r>
+                        <a:rPr lang="it-IT" sz="2000" b="0" i="0" kern="1200" dirty="0">
+                          <a:solidFill>
+                            <a:srgbClr val="222222"/>
+                          </a:solidFill>
+                          <a:effectLst/>
+                          <a:latin typeface="Roboto" panose="02000000000000000000" pitchFamily="2" charset="0"/>
+                          <a:ea typeface="+mn-ea"/>
+                          <a:cs typeface="+mn-cs"/>
+                        </a:rPr>
+                        <a:t> Simone Farina</a:t>
+                      </a:r>
+                    </a:p>
+                  </a:txBody>
+                  <a:tcPr/>
+                </a:tc>
+                <a:tc>
+                  <a:txBody>
+                    <a:bodyPr/>
+                    <a:lstStyle/>
+                    <a:p>
+                      <a:r>
+                        <a:rPr lang="it-IT" sz="2000" b="0" i="0" kern="1200" dirty="0">
+                          <a:solidFill>
+                            <a:srgbClr val="222222"/>
+                          </a:solidFill>
+                          <a:effectLst/>
+                          <a:latin typeface="Roboto" panose="02000000000000000000" pitchFamily="2" charset="0"/>
+                          <a:ea typeface="+mn-ea"/>
+                          <a:cs typeface="+mn-cs"/>
+                        </a:rPr>
+                        <a:t>60</a:t>
+                      </a:r>
+                    </a:p>
+                  </a:txBody>
+                  <a:tcPr/>
+                </a:tc>
+                <a:extLst>
+                  <a:ext uri="{0D108BD9-81ED-4DB2-BD59-A6C34878D82A}">
+                    <a16:rowId xmlns:a16="http://schemas.microsoft.com/office/drawing/2014/main" val="3050403422"/>
+                  </a:ext>
+                </a:extLst>
+              </a:tr>
+              <a:tr h="370840">
+                <a:tc>
+                  <a:txBody>
+                    <a:bodyPr/>
+                    <a:lstStyle/>
+                    <a:p>
+                      <a:pPr marL="0" marR="0" lvl="0" indent="0" algn="l" defTabSz="914400" rtl="0" eaLnBrk="1" fontAlgn="auto" latinLnBrk="0" hangingPunct="1">
+                        <a:lnSpc>
+                          <a:spcPct val="100000"/>
+                        </a:lnSpc>
+                        <a:spcBef>
+                          <a:spcPts val="0"/>
+                        </a:spcBef>
+                        <a:spcAft>
+                          <a:spcPts val="0"/>
+                        </a:spcAft>
+                        <a:buClrTx/>
+                        <a:buSzTx/>
+                        <a:buFontTx/>
+                        <a:buNone/>
+                        <a:tabLst/>
+                        <a:defRPr/>
+                      </a:pPr>
+                      <a:r>
+                        <a:rPr lang="it-IT" sz="2000" b="0" i="0" kern="1200" dirty="0" err="1">
+                          <a:solidFill>
+                            <a:srgbClr val="222222"/>
+                          </a:solidFill>
+                          <a:effectLst/>
+                          <a:latin typeface="Roboto" panose="02000000000000000000" pitchFamily="2" charset="0"/>
+                          <a:ea typeface="+mn-ea"/>
+                          <a:cs typeface="+mn-cs"/>
+                        </a:rPr>
+                        <a:t>Github</a:t>
+                      </a:r>
+                      <a:r>
+                        <a:rPr lang="it-IT" sz="2000" b="0" i="0" kern="1200" dirty="0">
+                          <a:solidFill>
+                            <a:srgbClr val="222222"/>
+                          </a:solidFill>
+                          <a:effectLst/>
+                          <a:latin typeface="Roboto" panose="02000000000000000000" pitchFamily="2" charset="0"/>
+                          <a:ea typeface="+mn-ea"/>
+                          <a:cs typeface="+mn-cs"/>
+                        </a:rPr>
+                        <a:t> </a:t>
+                      </a:r>
+                      <a:r>
+                        <a:rPr lang="it-IT" sz="2000" b="0" i="0" kern="1200" dirty="0" err="1">
+                          <a:solidFill>
+                            <a:srgbClr val="222222"/>
+                          </a:solidFill>
+                          <a:effectLst/>
+                          <a:latin typeface="Roboto" panose="02000000000000000000" pitchFamily="2" charset="0"/>
+                          <a:ea typeface="+mn-ea"/>
+                          <a:cs typeface="+mn-cs"/>
+                        </a:rPr>
+                        <a:t>commit</a:t>
+                      </a:r>
+                      <a:r>
+                        <a:rPr lang="it-IT" sz="2000" b="0" i="0" kern="1200" dirty="0">
+                          <a:solidFill>
+                            <a:srgbClr val="222222"/>
+                          </a:solidFill>
+                          <a:effectLst/>
+                          <a:latin typeface="Roboto" panose="02000000000000000000" pitchFamily="2" charset="0"/>
+                          <a:ea typeface="+mn-ea"/>
+                          <a:cs typeface="+mn-cs"/>
+                        </a:rPr>
+                        <a:t> Alfonso Cuomo</a:t>
+                      </a:r>
+                    </a:p>
+                  </a:txBody>
+                  <a:tcPr/>
+                </a:tc>
+                <a:tc>
+                  <a:txBody>
+                    <a:bodyPr/>
+                    <a:lstStyle/>
+                    <a:p>
+                      <a:r>
+                        <a:rPr lang="it-IT" sz="2000" b="0" i="0" kern="1200" dirty="0">
+                          <a:solidFill>
+                            <a:srgbClr val="222222"/>
+                          </a:solidFill>
+                          <a:effectLst/>
+                          <a:latin typeface="Roboto" panose="02000000000000000000" pitchFamily="2" charset="0"/>
+                          <a:ea typeface="+mn-ea"/>
+                          <a:cs typeface="+mn-cs"/>
+                        </a:rPr>
+                        <a:t>30</a:t>
+                      </a:r>
+                    </a:p>
+                  </a:txBody>
+                  <a:tcPr/>
+                </a:tc>
+                <a:extLst>
+                  <a:ext uri="{0D108BD9-81ED-4DB2-BD59-A6C34878D82A}">
+                    <a16:rowId xmlns:a16="http://schemas.microsoft.com/office/drawing/2014/main" val="2470220643"/>
+                  </a:ext>
+                </a:extLst>
+              </a:tr>
+              <a:tr h="370840">
+                <a:tc>
+                  <a:txBody>
+                    <a:bodyPr/>
+                    <a:lstStyle/>
+                    <a:p>
+                      <a:r>
+                        <a:rPr lang="it-IT" sz="2000" b="0" i="0" kern="1200" dirty="0" err="1">
+                          <a:solidFill>
+                            <a:srgbClr val="222222"/>
+                          </a:solidFill>
+                          <a:effectLst/>
+                          <a:latin typeface="Roboto" panose="02000000000000000000" pitchFamily="2" charset="0"/>
+                          <a:ea typeface="+mn-ea"/>
+                          <a:cs typeface="+mn-cs"/>
+                        </a:rPr>
+                        <a:t>Github</a:t>
+                      </a:r>
+                      <a:r>
+                        <a:rPr lang="it-IT" sz="2000" b="0" i="0" kern="1200" dirty="0">
+                          <a:solidFill>
+                            <a:srgbClr val="222222"/>
+                          </a:solidFill>
+                          <a:effectLst/>
+                          <a:latin typeface="Roboto" panose="02000000000000000000" pitchFamily="2" charset="0"/>
+                          <a:ea typeface="+mn-ea"/>
+                          <a:cs typeface="+mn-cs"/>
+                        </a:rPr>
+                        <a:t> </a:t>
+                      </a:r>
+                      <a:r>
+                        <a:rPr lang="it-IT" sz="2000" b="0" i="0" kern="1200" dirty="0" err="1">
+                          <a:solidFill>
+                            <a:srgbClr val="222222"/>
+                          </a:solidFill>
+                          <a:effectLst/>
+                          <a:latin typeface="Roboto" panose="02000000000000000000" pitchFamily="2" charset="0"/>
+                          <a:ea typeface="+mn-ea"/>
+                          <a:cs typeface="+mn-cs"/>
+                        </a:rPr>
+                        <a:t>commit</a:t>
+                      </a:r>
+                      <a:r>
+                        <a:rPr lang="it-IT" sz="2000" b="0" i="0" kern="1200" dirty="0">
+                          <a:solidFill>
+                            <a:srgbClr val="222222"/>
+                          </a:solidFill>
+                          <a:effectLst/>
+                          <a:latin typeface="Roboto" panose="02000000000000000000" pitchFamily="2" charset="0"/>
+                          <a:ea typeface="+mn-ea"/>
+                          <a:cs typeface="+mn-cs"/>
+                        </a:rPr>
+                        <a:t> totale</a:t>
+                      </a:r>
+                    </a:p>
+                  </a:txBody>
+                  <a:tcPr/>
+                </a:tc>
+                <a:tc>
+                  <a:txBody>
+                    <a:bodyPr/>
+                    <a:lstStyle/>
+                    <a:p>
+                      <a:r>
+                        <a:rPr lang="it-IT" sz="2000" b="0" i="0" kern="1200" dirty="0">
+                          <a:solidFill>
+                            <a:srgbClr val="222222"/>
+                          </a:solidFill>
+                          <a:effectLst/>
+                          <a:latin typeface="Roboto" panose="02000000000000000000" pitchFamily="2" charset="0"/>
+                          <a:ea typeface="+mn-ea"/>
+                          <a:cs typeface="+mn-cs"/>
+                        </a:rPr>
+                        <a:t>90</a:t>
+                      </a:r>
+                    </a:p>
+                  </a:txBody>
+                  <a:tcPr/>
+                </a:tc>
+                <a:extLst>
+                  <a:ext uri="{0D108BD9-81ED-4DB2-BD59-A6C34878D82A}">
+                    <a16:rowId xmlns:a16="http://schemas.microsoft.com/office/drawing/2014/main" val="3189802842"/>
+                  </a:ext>
+                </a:extLst>
+              </a:tr>
+            </a:tbl>
+          </a:graphicData>
+        </a:graphic>
+      </p:graphicFrame>
+    </p:spTree>
+    <p:extLst>
+      <p:ext uri="{BB962C8B-B14F-4D97-AF65-F5344CB8AC3E}">
+        <p14:creationId xmlns:p14="http://schemas.microsoft.com/office/powerpoint/2010/main" val="29124466"/>
+      </p:ext>
+    </p:extLst>
+  </p:cSld>
+  <p:clrMapOvr>
+    <a:masterClrMapping/>
+  </p:clrMapOvr>
+</p:sld>
+</file>
+
+<file path=ppt/slides/slide16.xml><?xml version="1.0" encoding="utf-8"?>
+<p:sld xmlns:a="http://schemas.openxmlformats.org/drawingml/2006/main" xmlns:r="http://schemas.openxmlformats.org/officeDocument/2006/relationships" xmlns:p="http://schemas.openxmlformats.org/presentationml/2006/main">
+  <p:cSld>
+    <p:spTree>
+      <p:nvGrpSpPr>
+        <p:cNvPr id="1" name=""/>
+        <p:cNvGrpSpPr/>
+        <p:nvPr/>
+      </p:nvGrpSpPr>
+      <p:grpSpPr>
+        <a:xfrm>
+          <a:off x="0" y="0"/>
+          <a:ext cx="0" cy="0"/>
+          <a:chOff x="0" y="0"/>
+          <a:chExt cx="0" cy="0"/>
+        </a:xfrm>
+      </p:grpSpPr>
+      <p:sp>
+        <p:nvSpPr>
+          <p:cNvPr id="2" name="Titolo 1">
+            <a:extLst>
+              <a:ext uri="{FF2B5EF4-FFF2-40B4-BE49-F238E27FC236}">
+                <a16:creationId xmlns:a16="http://schemas.microsoft.com/office/drawing/2014/main" id="{B091881F-E104-4A2A-A90F-E9C96E8E73B4}"/>
+              </a:ext>
+            </a:extLst>
+          </p:cNvPr>
+          <p:cNvSpPr>
+            <a:spLocks noGrp="1"/>
+          </p:cNvSpPr>
+          <p:nvPr>
+            <p:ph type="title"/>
+          </p:nvPr>
+        </p:nvSpPr>
+        <p:spPr>
+          <a:xfrm rot="16200000">
+            <a:off x="-3053088" y="3053088"/>
+            <a:ext cx="6858003" cy="751823"/>
+          </a:xfrm>
+        </p:spPr>
+        <p:txBody>
+          <a:bodyPr>
+            <a:noAutofit/>
+          </a:bodyPr>
+          <a:lstStyle/>
+          <a:p>
+            <a:pPr algn="r"/>
+            <a:r>
+              <a:rPr lang="it-IT" sz="4800" dirty="0">
+                <a:solidFill>
+                  <a:srgbClr val="F8B323"/>
+                </a:solidFill>
+              </a:rPr>
               <a:t>Criteri di accettazione</a:t>
             </a:r>
           </a:p>
@@ -9948,8 +12804,8 @@
         </p:nvSpPr>
         <p:spPr>
           <a:xfrm>
-            <a:off x="1285887" y="200626"/>
-            <a:ext cx="10178322" cy="3593591"/>
+            <a:off x="1269261" y="2137493"/>
+            <a:ext cx="10178322" cy="2318130"/>
           </a:xfrm>
         </p:spPr>
         <p:txBody>
@@ -9967,29 +12823,111 @@
                 <a:effectLst/>
                 <a:latin typeface="Roboto" panose="02000000000000000000" pitchFamily="2" charset="0"/>
               </a:rPr>
-              <a:t>Criteri di accettazione del vostro progetto, con particolare riferimento a se e come questi siano stati rispettati. Fate riferimento allo statement of work presentato alla </a:t>
-            </a:r>
-            <a:r>
-              <a:rPr lang="it-IT" b="0" i="0" dirty="0">
-                <a:solidFill>
-                  <a:srgbClr val="1155CC"/>
-                </a:solidFill>
-                <a:effectLst/>
-                <a:latin typeface="Roboto" panose="02000000000000000000" pitchFamily="2" charset="0"/>
-                <a:hlinkClick r:id="rId2" tooltip="Consegna Intermedia"/>
-              </a:rPr>
-              <a:t>consegna intermedia</a:t>
-            </a:r>
-            <a:r>
-              <a:rPr lang="it-IT" b="0" i="0" dirty="0">
+              <a:t>Tutti i criteri di accettazione sono stati rispettati:</a:t>
+            </a:r>
+          </a:p>
+          <a:p>
+            <a:pPr algn="l">
+              <a:buBlip>
+                <a:blip r:embed="rId2"/>
+              </a:buBlip>
+            </a:pPr>
+            <a:r>
+              <a:rPr lang="it-IT" dirty="0" err="1">
                 <a:solidFill>
                   <a:srgbClr val="222222"/>
                 </a:solidFill>
-                <a:effectLst/>
                 <a:latin typeface="Roboto" panose="02000000000000000000" pitchFamily="2" charset="0"/>
               </a:rPr>
-              <a:t> e confrontato quanto fatto con quanto prestabilito.</a:t>
-            </a:r>
+              <a:t>Branch</a:t>
+            </a:r>
+            <a:r>
+              <a:rPr lang="it-IT" dirty="0">
+                <a:solidFill>
+                  <a:srgbClr val="222222"/>
+                </a:solidFill>
+                <a:latin typeface="Roboto" panose="02000000000000000000" pitchFamily="2" charset="0"/>
+              </a:rPr>
+              <a:t> coverage dei casi di test: almeno 75% </a:t>
+            </a:r>
+          </a:p>
+          <a:p>
+            <a:pPr algn="l">
+              <a:buBlip>
+                <a:blip r:embed="rId2"/>
+              </a:buBlip>
+            </a:pPr>
+            <a:r>
+              <a:rPr lang="it-IT" dirty="0">
+                <a:solidFill>
+                  <a:srgbClr val="222222"/>
+                </a:solidFill>
+                <a:latin typeface="Roboto" panose="02000000000000000000" pitchFamily="2" charset="0"/>
+              </a:rPr>
+              <a:t>Buona manutenibilità</a:t>
+            </a:r>
+          </a:p>
+          <a:p>
+            <a:pPr algn="l">
+              <a:buBlip>
+                <a:blip r:embed="rId2"/>
+              </a:buBlip>
+            </a:pPr>
+            <a:r>
+              <a:rPr lang="it-IT" dirty="0">
+                <a:solidFill>
+                  <a:srgbClr val="222222"/>
+                </a:solidFill>
+                <a:latin typeface="Roboto" panose="02000000000000000000" pitchFamily="2" charset="0"/>
+              </a:rPr>
+              <a:t>Il numero di warning dati in output da </a:t>
+            </a:r>
+            <a:r>
+              <a:rPr lang="it-IT" dirty="0" err="1">
+                <a:solidFill>
+                  <a:srgbClr val="222222"/>
+                </a:solidFill>
+                <a:latin typeface="Roboto" panose="02000000000000000000" pitchFamily="2" charset="0"/>
+              </a:rPr>
+              <a:t>Checkstyle</a:t>
+            </a:r>
+            <a:r>
+              <a:rPr lang="it-IT" dirty="0">
+                <a:solidFill>
+                  <a:srgbClr val="222222"/>
+                </a:solidFill>
+                <a:latin typeface="Roboto" panose="02000000000000000000" pitchFamily="2" charset="0"/>
+              </a:rPr>
+              <a:t> inferiore a 900.</a:t>
+            </a:r>
+          </a:p>
+          <a:p>
+            <a:pPr algn="l">
+              <a:buBlip>
+                <a:blip r:embed="rId2"/>
+              </a:buBlip>
+            </a:pPr>
+            <a:endParaRPr lang="it-IT" b="0" i="0" dirty="0">
+              <a:solidFill>
+                <a:srgbClr val="222222"/>
+              </a:solidFill>
+              <a:effectLst/>
+              <a:latin typeface="Roboto" panose="02000000000000000000" pitchFamily="2" charset="0"/>
+            </a:endParaRPr>
+          </a:p>
+          <a:p>
+            <a:pPr algn="l">
+              <a:buBlip>
+                <a:blip r:embed="rId2"/>
+              </a:buBlip>
+            </a:pPr>
+            <a:endParaRPr lang="it-IT" b="0" i="0" dirty="0">
+              <a:solidFill>
+                <a:srgbClr val="222222"/>
+              </a:solidFill>
+              <a:effectLst/>
+              <a:latin typeface="Roboto" panose="02000000000000000000" pitchFamily="2" charset="0"/>
+            </a:endParaRPr>
           </a:p>
         </p:txBody>
       </p:sp>

--- a/Presentazione_Seconda consegna/2021_Presentazione_NC08.pptx
+++ b/Presentazione_Seconda consegna/2021_Presentazione_NC08.pptx
@@ -9414,11 +9414,11 @@
   <p:clrMapOvr>
     <a:masterClrMapping/>
   </p:clrMapOvr>
-  <mc:AlternateContent xmlns:mc="http://schemas.openxmlformats.org/markup-compatibility/2006">
-    <mc:Choice xmlns:p14="http://schemas.microsoft.com/office/powerpoint/2010/main" Requires="p14">
+  <mc:AlternateContent xmlns:mc="http://schemas.openxmlformats.org/markup-compatibility/2006" xmlns:p14="http://schemas.microsoft.com/office/powerpoint/2010/main">
+    <mc:Choice Requires="p14">
       <p:transition p14:dur="10"/>
     </mc:Choice>
-    <mc:Fallback>
+    <mc:Fallback xmlns="">
       <p:transition/>
     </mc:Fallback>
   </mc:AlternateContent>
@@ -11642,11 +11642,11 @@
   <p:clrMapOvr>
     <a:masterClrMapping/>
   </p:clrMapOvr>
-  <mc:AlternateContent xmlns:mc="http://schemas.openxmlformats.org/markup-compatibility/2006">
-    <mc:Choice xmlns:p14="http://schemas.microsoft.com/office/powerpoint/2010/main" Requires="p14">
+  <mc:AlternateContent xmlns:mc="http://schemas.openxmlformats.org/markup-compatibility/2006" xmlns:p14="http://schemas.microsoft.com/office/powerpoint/2010/main">
+    <mc:Choice Requires="p14">
       <p:transition p14:dur="10"/>
     </mc:Choice>
-    <mc:Fallback>
+    <mc:Fallback xmlns="">
       <p:transition/>
     </mc:Fallback>
   </mc:AlternateContent>
@@ -12140,7 +12140,7 @@
           <p:nvPr>
             <p:extLst>
               <p:ext uri="{D42A27DB-BD31-4B8C-83A1-F6EECF244321}">
-                <p14:modId xmlns:p14="http://schemas.microsoft.com/office/powerpoint/2010/main" val="1609116737"/>
+                <p14:modId xmlns:p14="http://schemas.microsoft.com/office/powerpoint/2010/main" val="1271761909"/>
               </p:ext>
             </p:extLst>
           </p:nvPr>
@@ -12513,7 +12513,7 @@
                           <a:ea typeface="+mn-ea"/>
                           <a:cs typeface="+mn-cs"/>
                         </a:rPr>
-                        <a:t>60</a:t>
+                        <a:t>62</a:t>
                       </a:r>
                     </a:p>
                   </a:txBody>
@@ -12615,7 +12615,7 @@
                           <a:ea typeface="+mn-ea"/>
                           <a:cs typeface="+mn-cs"/>
                         </a:rPr>
-                        <a:t>30</a:t>
+                        <a:t>31</a:t>
                       </a:r>
                     </a:p>
                   </a:txBody>
@@ -12691,7 +12691,7 @@
                     <a:lstStyle/>
                     <a:p>
                       <a:r>
-                        <a:rPr lang="it-IT" sz="2000" b="0" i="0" kern="1200" dirty="0">
+                        <a:rPr lang="it-IT" sz="2000" b="0" i="0" kern="1200">
                           <a:solidFill>
                             <a:srgbClr val="222222"/>
                           </a:solidFill>
@@ -12700,8 +12700,17 @@
                           <a:ea typeface="+mn-ea"/>
                           <a:cs typeface="+mn-cs"/>
                         </a:rPr>
-                        <a:t>90</a:t>
+                        <a:t>93</a:t>
                       </a:r>
+                      <a:endParaRPr lang="it-IT" sz="2000" b="0" i="0" kern="1200" dirty="0">
+                        <a:solidFill>
+                          <a:srgbClr val="222222"/>
+                        </a:solidFill>
+                        <a:effectLst/>
+                        <a:latin typeface="Roboto" panose="02000000000000000000" pitchFamily="2" charset="0"/>
+                        <a:ea typeface="+mn-ea"/>
+                        <a:cs typeface="+mn-cs"/>
+                      </a:endParaRPr>
                     </a:p>
                   </a:txBody>
                   <a:tcPr/>
